--- a/ux_course/מסכים.pptx
+++ b/ux_course/מסכים.pptx
@@ -272,6 +272,18 @@
 </p:presentation>
 </file>
 
+<file path=ppt/commentAuthors.xml><?xml version="1.0" encoding="utf-8"?>
+<p:cmAuthorLst xmlns:a="http://schemas.openxmlformats.org/drawingml/2006/main" xmlns:r="http://schemas.openxmlformats.org/officeDocument/2006/relationships" xmlns:p="http://schemas.openxmlformats.org/presentationml/2006/main">
+  <p:cmAuthor id="1" name="Zeligman" initials="Z" lastIdx="1" clrIdx="0">
+    <p:extLst>
+      <p:ext uri="{19B8F6BF-5375-455C-9EA6-DF929625EA0E}">
+        <p15:presenceInfo xmlns:p15="http://schemas.microsoft.com/office/powerpoint/2012/main" userId="Zeligman" providerId="None"/>
+      </p:ext>
+    </p:extLst>
+  </p:cmAuthor>
+</p:cmAuthorLst>
+</file>
+
 <file path=ppt/notesMasters/notesMaster1.xml><?xml version="1.0" encoding="utf-8"?>
 <p:notesMaster xmlns:a="http://schemas.openxmlformats.org/drawingml/2006/main" xmlns:r="http://schemas.openxmlformats.org/officeDocument/2006/relationships" xmlns:p="http://schemas.openxmlformats.org/presentationml/2006/main">
   <p:cSld>
@@ -742,7 +754,7 @@
         </p:nvSpPr>
         <p:spPr>
           <a:xfrm>
-            <a:off x="381300" y="685800"/>
+            <a:off x="381000" y="685800"/>
             <a:ext cx="6096000" cy="3429000"/>
           </a:xfrm>
           <a:custGeom>
@@ -6936,7 +6948,7 @@
         <p:spPr>
           <a:xfrm>
             <a:off x="2542200" y="867750"/>
-            <a:ext cx="4059600" cy="3408000"/>
+            <a:ext cx="4059600" cy="3661720"/>
           </a:xfrm>
           <a:prstGeom prst="rect">
             <a:avLst/>
@@ -6976,7 +6988,7 @@
               </a:spcAft>
               <a:buNone/>
             </a:pPr>
-            <a:endParaRPr/>
+            <a:endParaRPr dirty="0"/>
           </a:p>
         </p:txBody>
       </p:sp>
@@ -7068,14 +7080,14 @@
               <a:buNone/>
             </a:pPr>
             <a:r>
-              <a:rPr lang="iw" sz="1800" b="1">
+              <a:rPr lang="iw" sz="1800" b="1" dirty="0">
                 <a:solidFill>
                   <a:srgbClr val="FFFFFF"/>
                 </a:solidFill>
               </a:rPr>
               <a:t>התחברות</a:t>
             </a:r>
-            <a:endParaRPr sz="1800" b="1">
+            <a:endParaRPr sz="1800" b="1" dirty="0">
               <a:solidFill>
                 <a:srgbClr val="FFFFFF"/>
               </a:solidFill>
@@ -7085,205 +7097,13 @@
       </p:sp>
       <p:sp>
         <p:nvSpPr>
-          <p:cNvPr id="59" name="Google Shape;59;p13"/>
-          <p:cNvSpPr/>
-          <p:nvPr/>
-        </p:nvSpPr>
-        <p:spPr>
-          <a:xfrm>
-            <a:off x="2938650" y="1895325"/>
-            <a:ext cx="3348600" cy="437400"/>
-          </a:xfrm>
-          <a:prstGeom prst="rect">
-            <a:avLst/>
-          </a:prstGeom>
-          <a:solidFill>
-            <a:srgbClr val="FFFFFF"/>
-          </a:solidFill>
-          <a:ln w="9525" cap="flat" cmpd="sng">
-            <a:solidFill>
-              <a:srgbClr val="B4D0E7"/>
-            </a:solidFill>
-            <a:prstDash val="solid"/>
-            <a:round/>
-            <a:headEnd type="none" w="sm" len="sm"/>
-            <a:tailEnd type="none" w="sm" len="sm"/>
-          </a:ln>
-        </p:spPr>
-        <p:txBody>
-          <a:bodyPr spcFirstLastPara="1" wrap="square" lIns="91425" tIns="91425" rIns="91425" bIns="91425" anchor="ctr" anchorCtr="0">
-            <a:noAutofit/>
-          </a:bodyPr>
-          <a:lstStyle/>
-          <a:p>
-            <a:pPr marL="0" lvl="0" indent="0" algn="l" rtl="0">
-              <a:spcBef>
-                <a:spcPts val="0"/>
-              </a:spcBef>
-              <a:spcAft>
-                <a:spcPts val="0"/>
-              </a:spcAft>
-              <a:buNone/>
-            </a:pPr>
-            <a:endParaRPr/>
-          </a:p>
-        </p:txBody>
-      </p:sp>
-      <p:sp>
-        <p:nvSpPr>
-          <p:cNvPr id="60" name="Google Shape;60;p13"/>
-          <p:cNvSpPr txBox="1"/>
-          <p:nvPr/>
-        </p:nvSpPr>
-        <p:spPr>
-          <a:xfrm>
-            <a:off x="4742850" y="1895325"/>
-            <a:ext cx="1476300" cy="437400"/>
-          </a:xfrm>
-          <a:prstGeom prst="rect">
-            <a:avLst/>
-          </a:prstGeom>
-          <a:noFill/>
-          <a:ln>
-            <a:noFill/>
-          </a:ln>
-        </p:spPr>
-        <p:txBody>
-          <a:bodyPr spcFirstLastPara="1" wrap="square" lIns="91425" tIns="91425" rIns="91425" bIns="91425" anchor="t" anchorCtr="0">
-            <a:noAutofit/>
-          </a:bodyPr>
-          <a:lstStyle/>
-          <a:p>
-            <a:pPr marL="0" lvl="0" indent="0" algn="r" rtl="1">
-              <a:spcBef>
-                <a:spcPts val="0"/>
-              </a:spcBef>
-              <a:spcAft>
-                <a:spcPts val="0"/>
-              </a:spcAft>
-              <a:buNone/>
-            </a:pPr>
-            <a:r>
-              <a:rPr lang="iw">
-                <a:solidFill>
-                  <a:srgbClr val="999999"/>
-                </a:solidFill>
-              </a:rPr>
-              <a:t>שם משתמש</a:t>
-            </a:r>
-            <a:endParaRPr>
-              <a:solidFill>
-                <a:srgbClr val="999999"/>
-              </a:solidFill>
-            </a:endParaRPr>
-          </a:p>
-        </p:txBody>
-      </p:sp>
-      <p:sp>
-        <p:nvSpPr>
-          <p:cNvPr id="61" name="Google Shape;61;p13"/>
-          <p:cNvSpPr/>
-          <p:nvPr/>
-        </p:nvSpPr>
-        <p:spPr>
-          <a:xfrm>
-            <a:off x="2938650" y="2571750"/>
-            <a:ext cx="3348600" cy="437400"/>
-          </a:xfrm>
-          <a:prstGeom prst="rect">
-            <a:avLst/>
-          </a:prstGeom>
-          <a:solidFill>
-            <a:srgbClr val="FFFFFF"/>
-          </a:solidFill>
-          <a:ln w="9525" cap="flat" cmpd="sng">
-            <a:solidFill>
-              <a:srgbClr val="B4D0E7"/>
-            </a:solidFill>
-            <a:prstDash val="solid"/>
-            <a:round/>
-            <a:headEnd type="none" w="sm" len="sm"/>
-            <a:tailEnd type="none" w="sm" len="sm"/>
-          </a:ln>
-        </p:spPr>
-        <p:txBody>
-          <a:bodyPr spcFirstLastPara="1" wrap="square" lIns="91425" tIns="91425" rIns="91425" bIns="91425" anchor="ctr" anchorCtr="0">
-            <a:noAutofit/>
-          </a:bodyPr>
-          <a:lstStyle/>
-          <a:p>
-            <a:pPr marL="0" lvl="0" indent="0" algn="l" rtl="0">
-              <a:spcBef>
-                <a:spcPts val="0"/>
-              </a:spcBef>
-              <a:spcAft>
-                <a:spcPts val="0"/>
-              </a:spcAft>
-              <a:buNone/>
-            </a:pPr>
-            <a:endParaRPr/>
-          </a:p>
-        </p:txBody>
-      </p:sp>
-      <p:sp>
-        <p:nvSpPr>
-          <p:cNvPr id="62" name="Google Shape;62;p13"/>
-          <p:cNvSpPr txBox="1"/>
-          <p:nvPr/>
-        </p:nvSpPr>
-        <p:spPr>
-          <a:xfrm>
-            <a:off x="4742850" y="2571750"/>
-            <a:ext cx="1476300" cy="437400"/>
-          </a:xfrm>
-          <a:prstGeom prst="rect">
-            <a:avLst/>
-          </a:prstGeom>
-          <a:noFill/>
-          <a:ln>
-            <a:noFill/>
-          </a:ln>
-        </p:spPr>
-        <p:txBody>
-          <a:bodyPr spcFirstLastPara="1" wrap="square" lIns="91425" tIns="91425" rIns="91425" bIns="91425" anchor="t" anchorCtr="0">
-            <a:noAutofit/>
-          </a:bodyPr>
-          <a:lstStyle/>
-          <a:p>
-            <a:pPr marL="0" lvl="0" indent="0" algn="r" rtl="1">
-              <a:spcBef>
-                <a:spcPts val="0"/>
-              </a:spcBef>
-              <a:spcAft>
-                <a:spcPts val="0"/>
-              </a:spcAft>
-              <a:buNone/>
-            </a:pPr>
-            <a:r>
-              <a:rPr lang="iw">
-                <a:solidFill>
-                  <a:srgbClr val="999999"/>
-                </a:solidFill>
-              </a:rPr>
-              <a:t>סיסמא</a:t>
-            </a:r>
-            <a:endParaRPr>
-              <a:solidFill>
-                <a:srgbClr val="999999"/>
-              </a:solidFill>
-            </a:endParaRPr>
-          </a:p>
-        </p:txBody>
-      </p:sp>
-      <p:sp>
-        <p:nvSpPr>
           <p:cNvPr id="63" name="Google Shape;63;p13"/>
           <p:cNvSpPr/>
           <p:nvPr/>
         </p:nvSpPr>
         <p:spPr>
           <a:xfrm>
-            <a:off x="5193900" y="3480825"/>
+            <a:off x="3019645" y="3639919"/>
             <a:ext cx="1093500" cy="437400"/>
           </a:xfrm>
           <a:prstGeom prst="rect">
@@ -7325,14 +7145,14 @@
               <a:buNone/>
             </a:pPr>
             <a:r>
-              <a:rPr lang="iw">
+              <a:rPr lang="iw" dirty="0">
                 <a:solidFill>
                   <a:srgbClr val="FFFFFF"/>
                 </a:solidFill>
               </a:rPr>
               <a:t>התחבר</a:t>
             </a:r>
-            <a:endParaRPr>
+            <a:endParaRPr dirty="0">
               <a:solidFill>
                 <a:srgbClr val="FFFFFF"/>
               </a:solidFill>
@@ -7340,68 +7160,405 @@
           </a:p>
         </p:txBody>
       </p:sp>
-      <p:sp>
-        <p:nvSpPr>
-          <p:cNvPr id="64" name="Google Shape;64;p13"/>
-          <p:cNvSpPr/>
-          <p:nvPr/>
-        </p:nvSpPr>
-        <p:spPr>
-          <a:xfrm>
-            <a:off x="2938650" y="3480825"/>
-            <a:ext cx="1093500" cy="437400"/>
-          </a:xfrm>
-          <a:prstGeom prst="rect">
-            <a:avLst/>
-          </a:prstGeom>
-          <a:solidFill>
-            <a:srgbClr val="B4D0E7"/>
-          </a:solidFill>
-          <a:ln w="9525" cap="flat" cmpd="sng">
+      <p:cxnSp>
+        <p:nvCxnSpPr>
+          <p:cNvPr id="3" name="מחבר ישר 2">
+            <a:extLst>
+              <a:ext uri="{FF2B5EF4-FFF2-40B4-BE49-F238E27FC236}">
+                <a16:creationId xmlns:a16="http://schemas.microsoft.com/office/drawing/2014/main" id="{46CBFCB2-2259-4249-8FC0-5A226C314966}"/>
+              </a:ext>
+            </a:extLst>
+          </p:cNvPr>
+          <p:cNvCxnSpPr/>
+          <p:nvPr/>
+        </p:nvCxnSpPr>
+        <p:spPr>
+          <a:xfrm flipH="1">
+            <a:off x="3019647" y="2179674"/>
+            <a:ext cx="3199503" cy="0"/>
+          </a:xfrm>
+          <a:prstGeom prst="line">
+            <a:avLst/>
+          </a:prstGeom>
+          <a:ln>
             <a:solidFill>
-              <a:srgbClr val="B4D0E7"/>
+              <a:schemeClr val="tx1"/>
             </a:solidFill>
-            <a:prstDash val="solid"/>
-            <a:round/>
-            <a:headEnd type="none" w="sm" len="sm"/>
-            <a:tailEnd type="none" w="sm" len="sm"/>
-          </a:ln>
-          <a:effectLst>
-            <a:outerShdw blurRad="57150" dist="19050" dir="5400000" algn="bl" rotWithShape="0">
-              <a:schemeClr val="dk1">
-                <a:alpha val="50000"/>
-              </a:schemeClr>
-            </a:outerShdw>
-          </a:effectLst>
-        </p:spPr>
-        <p:txBody>
-          <a:bodyPr spcFirstLastPara="1" wrap="square" lIns="91425" tIns="91425" rIns="91425" bIns="91425" anchor="ctr" anchorCtr="0">
-            <a:noAutofit/>
-          </a:bodyPr>
-          <a:lstStyle/>
-          <a:p>
-            <a:pPr marL="0" lvl="0" indent="0" algn="ctr" rtl="1">
-              <a:spcBef>
-                <a:spcPts val="0"/>
-              </a:spcBef>
-              <a:spcAft>
-                <a:spcPts val="0"/>
-              </a:spcAft>
-              <a:buNone/>
-            </a:pPr>
+          </a:ln>
+        </p:spPr>
+        <p:style>
+          <a:lnRef idx="1">
+            <a:schemeClr val="accent1"/>
+          </a:lnRef>
+          <a:fillRef idx="0">
+            <a:schemeClr val="accent1"/>
+          </a:fillRef>
+          <a:effectRef idx="0">
+            <a:schemeClr val="accent1"/>
+          </a:effectRef>
+          <a:fontRef idx="minor">
+            <a:schemeClr val="tx1"/>
+          </a:fontRef>
+        </p:style>
+      </p:cxnSp>
+      <p:sp>
+        <p:nvSpPr>
+          <p:cNvPr id="4" name="תיבת טקסט 3">
+            <a:extLst>
+              <a:ext uri="{FF2B5EF4-FFF2-40B4-BE49-F238E27FC236}">
+                <a16:creationId xmlns:a16="http://schemas.microsoft.com/office/drawing/2014/main" id="{D5B73526-97AD-4C4A-97F0-B4C7D1050650}"/>
+              </a:ext>
+            </a:extLst>
+          </p:cNvPr>
+          <p:cNvSpPr txBox="1"/>
+          <p:nvPr/>
+        </p:nvSpPr>
+        <p:spPr>
+          <a:xfrm>
+            <a:off x="4823085" y="1878560"/>
+            <a:ext cx="1179317" cy="307777"/>
+          </a:xfrm>
+          <a:prstGeom prst="rect">
+            <a:avLst/>
+          </a:prstGeom>
+          <a:noFill/>
+        </p:spPr>
+        <p:txBody>
+          <a:bodyPr wrap="square" rtlCol="1">
+            <a:spAutoFit/>
+          </a:bodyPr>
+          <a:lstStyle/>
+          <a:p>
+            <a:pPr algn="r"/>
             <a:r>
-              <a:rPr lang="iw">
+              <a:rPr lang="he-IL" dirty="0">
                 <a:solidFill>
-                  <a:srgbClr val="FFFFFF"/>
+                  <a:schemeClr val="bg1">
+                    <a:lumMod val="65000"/>
+                  </a:schemeClr>
                 </a:solidFill>
               </a:rPr>
-              <a:t>הרשמה</a:t>
+              <a:t>שם משתמש</a:t>
             </a:r>
-            <a:endParaRPr>
-              <a:solidFill>
-                <a:srgbClr val="FFFFFF"/>
-              </a:solidFill>
-            </a:endParaRPr>
+          </a:p>
+        </p:txBody>
+      </p:sp>
+      <p:pic>
+        <p:nvPicPr>
+          <p:cNvPr id="5" name="תמונה 4">
+            <a:extLst>
+              <a:ext uri="{FF2B5EF4-FFF2-40B4-BE49-F238E27FC236}">
+                <a16:creationId xmlns:a16="http://schemas.microsoft.com/office/drawing/2014/main" id="{6DA2EEF5-7B15-4308-8C82-78AF635EED88}"/>
+              </a:ext>
+            </a:extLst>
+          </p:cNvPr>
+          <p:cNvPicPr>
+            <a:picLocks noChangeAspect="1"/>
+          </p:cNvPicPr>
+          <p:nvPr/>
+        </p:nvPicPr>
+        <p:blipFill>
+          <a:blip r:embed="rId3"/>
+          <a:stretch>
+            <a:fillRect/>
+          </a:stretch>
+        </p:blipFill>
+        <p:spPr>
+          <a:xfrm>
+            <a:off x="6033383" y="1910662"/>
+            <a:ext cx="228600" cy="257175"/>
+          </a:xfrm>
+          <a:prstGeom prst="rect">
+            <a:avLst/>
+          </a:prstGeom>
+        </p:spPr>
+      </p:pic>
+      <p:cxnSp>
+        <p:nvCxnSpPr>
+          <p:cNvPr id="17" name="מחבר ישר 16">
+            <a:extLst>
+              <a:ext uri="{FF2B5EF4-FFF2-40B4-BE49-F238E27FC236}">
+                <a16:creationId xmlns:a16="http://schemas.microsoft.com/office/drawing/2014/main" id="{5D036B0E-F80E-47FB-AE96-7966891EC1F0}"/>
+              </a:ext>
+            </a:extLst>
+          </p:cNvPr>
+          <p:cNvCxnSpPr/>
+          <p:nvPr/>
+        </p:nvCxnSpPr>
+        <p:spPr>
+          <a:xfrm flipH="1">
+            <a:off x="3019646" y="2799907"/>
+            <a:ext cx="3199503" cy="0"/>
+          </a:xfrm>
+          <a:prstGeom prst="line">
+            <a:avLst/>
+          </a:prstGeom>
+          <a:ln>
+            <a:solidFill>
+              <a:schemeClr val="tx1"/>
+            </a:solidFill>
+          </a:ln>
+        </p:spPr>
+        <p:style>
+          <a:lnRef idx="1">
+            <a:schemeClr val="accent1"/>
+          </a:lnRef>
+          <a:fillRef idx="0">
+            <a:schemeClr val="accent1"/>
+          </a:fillRef>
+          <a:effectRef idx="0">
+            <a:schemeClr val="accent1"/>
+          </a:effectRef>
+          <a:fontRef idx="minor">
+            <a:schemeClr val="tx1"/>
+          </a:fontRef>
+        </p:style>
+      </p:cxnSp>
+      <p:pic>
+        <p:nvPicPr>
+          <p:cNvPr id="6" name="תמונה 5">
+            <a:extLst>
+              <a:ext uri="{FF2B5EF4-FFF2-40B4-BE49-F238E27FC236}">
+                <a16:creationId xmlns:a16="http://schemas.microsoft.com/office/drawing/2014/main" id="{2A51FD1F-2283-424E-AF24-27CEAE7A83C3}"/>
+              </a:ext>
+            </a:extLst>
+          </p:cNvPr>
+          <p:cNvPicPr>
+            <a:picLocks noChangeAspect="1"/>
+          </p:cNvPicPr>
+          <p:nvPr/>
+        </p:nvPicPr>
+        <p:blipFill>
+          <a:blip r:embed="rId4"/>
+          <a:stretch>
+            <a:fillRect/>
+          </a:stretch>
+        </p:blipFill>
+        <p:spPr>
+          <a:xfrm>
+            <a:off x="6028620" y="2519994"/>
+            <a:ext cx="233363" cy="257176"/>
+          </a:xfrm>
+          <a:prstGeom prst="rect">
+            <a:avLst/>
+          </a:prstGeom>
+        </p:spPr>
+      </p:pic>
+      <p:sp>
+        <p:nvSpPr>
+          <p:cNvPr id="21" name="תיבת טקסט 20">
+            <a:extLst>
+              <a:ext uri="{FF2B5EF4-FFF2-40B4-BE49-F238E27FC236}">
+                <a16:creationId xmlns:a16="http://schemas.microsoft.com/office/drawing/2014/main" id="{BE09BB2C-0E92-4E10-AD8A-CAA8858AA0EF}"/>
+              </a:ext>
+            </a:extLst>
+          </p:cNvPr>
+          <p:cNvSpPr txBox="1"/>
+          <p:nvPr/>
+        </p:nvSpPr>
+        <p:spPr>
+          <a:xfrm>
+            <a:off x="4823084" y="2498463"/>
+            <a:ext cx="1179317" cy="307777"/>
+          </a:xfrm>
+          <a:prstGeom prst="rect">
+            <a:avLst/>
+          </a:prstGeom>
+          <a:noFill/>
+        </p:spPr>
+        <p:txBody>
+          <a:bodyPr wrap="square" rtlCol="1">
+            <a:spAutoFit/>
+          </a:bodyPr>
+          <a:lstStyle/>
+          <a:p>
+            <a:pPr algn="r"/>
+            <a:r>
+              <a:rPr lang="he-IL" dirty="0">
+                <a:solidFill>
+                  <a:schemeClr val="bg1">
+                    <a:lumMod val="65000"/>
+                  </a:schemeClr>
+                </a:solidFill>
+              </a:rPr>
+              <a:t>סיסמה</a:t>
+            </a:r>
+          </a:p>
+        </p:txBody>
+      </p:sp>
+      <p:pic>
+        <p:nvPicPr>
+          <p:cNvPr id="9" name="תמונה 8">
+            <a:extLst>
+              <a:ext uri="{FF2B5EF4-FFF2-40B4-BE49-F238E27FC236}">
+                <a16:creationId xmlns:a16="http://schemas.microsoft.com/office/drawing/2014/main" id="{4BE0609B-506D-4B1E-B65D-B16B447523BC}"/>
+              </a:ext>
+            </a:extLst>
+          </p:cNvPr>
+          <p:cNvPicPr>
+            <a:picLocks noChangeAspect="1"/>
+          </p:cNvPicPr>
+          <p:nvPr/>
+        </p:nvPicPr>
+        <p:blipFill>
+          <a:blip r:embed="rId5"/>
+          <a:stretch>
+            <a:fillRect/>
+          </a:stretch>
+        </p:blipFill>
+        <p:spPr>
+          <a:xfrm>
+            <a:off x="3019646" y="2541337"/>
+            <a:ext cx="312906" cy="230832"/>
+          </a:xfrm>
+          <a:prstGeom prst="rect">
+            <a:avLst/>
+          </a:prstGeom>
+        </p:spPr>
+      </p:pic>
+      <p:sp>
+        <p:nvSpPr>
+          <p:cNvPr id="12" name="תיבת טקסט 11">
+            <a:extLst>
+              <a:ext uri="{FF2B5EF4-FFF2-40B4-BE49-F238E27FC236}">
+                <a16:creationId xmlns:a16="http://schemas.microsoft.com/office/drawing/2014/main" id="{6C13E352-83B7-4433-A4CE-18C2036E70B8}"/>
+              </a:ext>
+            </a:extLst>
+          </p:cNvPr>
+          <p:cNvSpPr txBox="1"/>
+          <p:nvPr/>
+        </p:nvSpPr>
+        <p:spPr>
+          <a:xfrm>
+            <a:off x="2673770" y="4147632"/>
+            <a:ext cx="1785251" cy="253916"/>
+          </a:xfrm>
+          <a:prstGeom prst="rect">
+            <a:avLst/>
+          </a:prstGeom>
+          <a:noFill/>
+        </p:spPr>
+        <p:txBody>
+          <a:bodyPr wrap="square" rtlCol="1">
+            <a:spAutoFit/>
+          </a:bodyPr>
+          <a:lstStyle/>
+          <a:p>
+            <a:pPr algn="r"/>
+            <a:r>
+              <a:rPr lang="he-IL" sz="1050" u="sng" dirty="0">
+                <a:solidFill>
+                  <a:srgbClr val="0000FF"/>
+                </a:solidFill>
+              </a:rPr>
+              <a:t>עוד לא נרשמת? הצטרף אלינו!</a:t>
+            </a:r>
+          </a:p>
+        </p:txBody>
+      </p:sp>
+      <p:pic>
+        <p:nvPicPr>
+          <p:cNvPr id="14" name="תמונה 13">
+            <a:extLst>
+              <a:ext uri="{FF2B5EF4-FFF2-40B4-BE49-F238E27FC236}">
+                <a16:creationId xmlns:a16="http://schemas.microsoft.com/office/drawing/2014/main" id="{0C17A21C-57CF-4D5A-ADA3-6C2290B1EDFF}"/>
+              </a:ext>
+            </a:extLst>
+          </p:cNvPr>
+          <p:cNvPicPr>
+            <a:picLocks noChangeAspect="1"/>
+          </p:cNvPicPr>
+          <p:nvPr/>
+        </p:nvPicPr>
+        <p:blipFill>
+          <a:blip r:embed="rId6"/>
+          <a:stretch>
+            <a:fillRect/>
+          </a:stretch>
+        </p:blipFill>
+        <p:spPr>
+          <a:xfrm>
+            <a:off x="6038174" y="3120145"/>
+            <a:ext cx="180975" cy="171450"/>
+          </a:xfrm>
+          <a:prstGeom prst="rect">
+            <a:avLst/>
+          </a:prstGeom>
+        </p:spPr>
+      </p:pic>
+      <p:sp>
+        <p:nvSpPr>
+          <p:cNvPr id="15" name="תיבת טקסט 14">
+            <a:extLst>
+              <a:ext uri="{FF2B5EF4-FFF2-40B4-BE49-F238E27FC236}">
+                <a16:creationId xmlns:a16="http://schemas.microsoft.com/office/drawing/2014/main" id="{D703060E-6D37-4D99-AD14-3288D408B318}"/>
+              </a:ext>
+            </a:extLst>
+          </p:cNvPr>
+          <p:cNvSpPr txBox="1"/>
+          <p:nvPr/>
+        </p:nvSpPr>
+        <p:spPr>
+          <a:xfrm>
+            <a:off x="4988211" y="3057113"/>
+            <a:ext cx="1014190" cy="307777"/>
+          </a:xfrm>
+          <a:prstGeom prst="rect">
+            <a:avLst/>
+          </a:prstGeom>
+          <a:noFill/>
+        </p:spPr>
+        <p:txBody>
+          <a:bodyPr wrap="square" rtlCol="1">
+            <a:spAutoFit/>
+          </a:bodyPr>
+          <a:lstStyle/>
+          <a:p>
+            <a:pPr algn="r"/>
+            <a:r>
+              <a:rPr lang="he-IL" dirty="0"/>
+              <a:t>זכור אותי</a:t>
+            </a:r>
+          </a:p>
+        </p:txBody>
+      </p:sp>
+      <p:sp>
+        <p:nvSpPr>
+          <p:cNvPr id="39" name="תיבת טקסט 38">
+            <a:extLst>
+              <a:ext uri="{FF2B5EF4-FFF2-40B4-BE49-F238E27FC236}">
+                <a16:creationId xmlns:a16="http://schemas.microsoft.com/office/drawing/2014/main" id="{05D77574-3F58-440F-8890-6998F9CE21C7}"/>
+              </a:ext>
+            </a:extLst>
+          </p:cNvPr>
+          <p:cNvSpPr txBox="1"/>
+          <p:nvPr/>
+        </p:nvSpPr>
+        <p:spPr>
+          <a:xfrm>
+            <a:off x="3019645" y="3092896"/>
+            <a:ext cx="1014190" cy="253916"/>
+          </a:xfrm>
+          <a:prstGeom prst="rect">
+            <a:avLst/>
+          </a:prstGeom>
+          <a:noFill/>
+        </p:spPr>
+        <p:txBody>
+          <a:bodyPr wrap="square" rtlCol="1">
+            <a:spAutoFit/>
+          </a:bodyPr>
+          <a:lstStyle/>
+          <a:p>
+            <a:pPr algn="r"/>
+            <a:r>
+              <a:rPr lang="he-IL" sz="1050" u="sng" dirty="0">
+                <a:solidFill>
+                  <a:srgbClr val="0000FF"/>
+                </a:solidFill>
+              </a:rPr>
+              <a:t>שכחת סיסמה?</a:t>
+            </a:r>
           </a:p>
         </p:txBody>
       </p:sp>

--- a/ux_course/מסכים.pptx
+++ b/ux_course/מסכים.pptx
@@ -1274,7 +1274,7 @@
         </p:nvSpPr>
         <p:spPr>
           <a:xfrm>
-            <a:off x="381300" y="685800"/>
+            <a:off x="381000" y="685800"/>
             <a:ext cx="6096000" cy="3429000"/>
           </a:xfrm>
           <a:custGeom>
@@ -15621,216 +15621,24 @@
       </p:sp>
       <p:sp>
         <p:nvSpPr>
-          <p:cNvPr id="74" name="Google Shape;74;p14"/>
+          <p:cNvPr id="78" name="Google Shape;78;p14"/>
           <p:cNvSpPr/>
           <p:nvPr/>
         </p:nvSpPr>
         <p:spPr>
           <a:xfrm>
-            <a:off x="2897700" y="1049000"/>
-            <a:ext cx="3348600" cy="437400"/>
+            <a:off x="2795999" y="4375796"/>
+            <a:ext cx="1093500" cy="437400"/>
           </a:xfrm>
           <a:prstGeom prst="rect">
             <a:avLst/>
           </a:prstGeom>
           <a:solidFill>
-            <a:srgbClr val="FFFFFF"/>
+            <a:srgbClr val="1976D2"/>
           </a:solidFill>
           <a:ln w="9525" cap="flat" cmpd="sng">
             <a:solidFill>
-              <a:srgbClr val="B4D0E7"/>
-            </a:solidFill>
-            <a:prstDash val="solid"/>
-            <a:round/>
-            <a:headEnd type="none" w="sm" len="sm"/>
-            <a:tailEnd type="none" w="sm" len="sm"/>
-          </a:ln>
-        </p:spPr>
-        <p:txBody>
-          <a:bodyPr spcFirstLastPara="1" wrap="square" lIns="91425" tIns="91425" rIns="91425" bIns="91425" anchor="ctr" anchorCtr="0">
-            <a:noAutofit/>
-          </a:bodyPr>
-          <a:lstStyle/>
-          <a:p>
-            <a:pPr marL="0" lvl="0" indent="0" algn="l" rtl="0">
-              <a:spcBef>
-                <a:spcPts val="0"/>
-              </a:spcBef>
-              <a:spcAft>
-                <a:spcPts val="0"/>
-              </a:spcAft>
-              <a:buNone/>
-            </a:pPr>
-            <a:endParaRPr/>
-          </a:p>
-        </p:txBody>
-      </p:sp>
-      <p:sp>
-        <p:nvSpPr>
-          <p:cNvPr id="75" name="Google Shape;75;p14"/>
-          <p:cNvSpPr txBox="1"/>
-          <p:nvPr/>
-        </p:nvSpPr>
-        <p:spPr>
-          <a:xfrm>
-            <a:off x="4770000" y="1049000"/>
-            <a:ext cx="1476300" cy="437400"/>
-          </a:xfrm>
-          <a:prstGeom prst="rect">
-            <a:avLst/>
-          </a:prstGeom>
-          <a:noFill/>
-          <a:ln>
-            <a:noFill/>
-          </a:ln>
-        </p:spPr>
-        <p:txBody>
-          <a:bodyPr spcFirstLastPara="1" wrap="square" lIns="91425" tIns="91425" rIns="91425" bIns="91425" anchor="t" anchorCtr="0">
-            <a:noAutofit/>
-          </a:bodyPr>
-          <a:lstStyle/>
-          <a:p>
-            <a:pPr marL="0" lvl="0" indent="0" algn="r" rtl="1">
-              <a:spcBef>
-                <a:spcPts val="0"/>
-              </a:spcBef>
-              <a:spcAft>
-                <a:spcPts val="0"/>
-              </a:spcAft>
-              <a:buNone/>
-            </a:pPr>
-            <a:r>
-              <a:rPr lang="iw">
-                <a:solidFill>
-                  <a:srgbClr val="999999"/>
-                </a:solidFill>
-              </a:rPr>
-              <a:t>שם משתמש</a:t>
-            </a:r>
-            <a:endParaRPr>
-              <a:solidFill>
-                <a:srgbClr val="999999"/>
-              </a:solidFill>
-            </a:endParaRPr>
-          </a:p>
-        </p:txBody>
-      </p:sp>
-      <p:sp>
-        <p:nvSpPr>
-          <p:cNvPr id="76" name="Google Shape;76;p14"/>
-          <p:cNvSpPr/>
-          <p:nvPr/>
-        </p:nvSpPr>
-        <p:spPr>
-          <a:xfrm>
-            <a:off x="2897700" y="2292500"/>
-            <a:ext cx="3348600" cy="437400"/>
-          </a:xfrm>
-          <a:prstGeom prst="rect">
-            <a:avLst/>
-          </a:prstGeom>
-          <a:solidFill>
-            <a:srgbClr val="FFFFFF"/>
-          </a:solidFill>
-          <a:ln w="9525" cap="flat" cmpd="sng">
-            <a:solidFill>
-              <a:srgbClr val="B4D0E7"/>
-            </a:solidFill>
-            <a:prstDash val="solid"/>
-            <a:round/>
-            <a:headEnd type="none" w="sm" len="sm"/>
-            <a:tailEnd type="none" w="sm" len="sm"/>
-          </a:ln>
-        </p:spPr>
-        <p:txBody>
-          <a:bodyPr spcFirstLastPara="1" wrap="square" lIns="91425" tIns="91425" rIns="91425" bIns="91425" anchor="ctr" anchorCtr="0">
-            <a:noAutofit/>
-          </a:bodyPr>
-          <a:lstStyle/>
-          <a:p>
-            <a:pPr marL="0" lvl="0" indent="0" algn="l" rtl="0">
-              <a:spcBef>
-                <a:spcPts val="0"/>
-              </a:spcBef>
-              <a:spcAft>
-                <a:spcPts val="0"/>
-              </a:spcAft>
-              <a:buNone/>
-            </a:pPr>
-            <a:endParaRPr/>
-          </a:p>
-        </p:txBody>
-      </p:sp>
-      <p:sp>
-        <p:nvSpPr>
-          <p:cNvPr id="77" name="Google Shape;77;p14"/>
-          <p:cNvSpPr txBox="1"/>
-          <p:nvPr/>
-        </p:nvSpPr>
-        <p:spPr>
-          <a:xfrm>
-            <a:off x="4701900" y="2292500"/>
-            <a:ext cx="1476300" cy="437400"/>
-          </a:xfrm>
-          <a:prstGeom prst="rect">
-            <a:avLst/>
-          </a:prstGeom>
-          <a:noFill/>
-          <a:ln>
-            <a:noFill/>
-          </a:ln>
-        </p:spPr>
-        <p:txBody>
-          <a:bodyPr spcFirstLastPara="1" wrap="square" lIns="91425" tIns="91425" rIns="91425" bIns="91425" anchor="t" anchorCtr="0">
-            <a:noAutofit/>
-          </a:bodyPr>
-          <a:lstStyle/>
-          <a:p>
-            <a:pPr marL="0" lvl="0" indent="0" algn="r" rtl="1">
-              <a:spcBef>
-                <a:spcPts val="0"/>
-              </a:spcBef>
-              <a:spcAft>
-                <a:spcPts val="0"/>
-              </a:spcAft>
-              <a:buNone/>
-            </a:pPr>
-            <a:r>
-              <a:rPr lang="iw">
-                <a:solidFill>
-                  <a:srgbClr val="999999"/>
-                </a:solidFill>
-              </a:rPr>
-              <a:t>אימייל</a:t>
-            </a:r>
-            <a:endParaRPr>
-              <a:solidFill>
-                <a:srgbClr val="999999"/>
-              </a:solidFill>
-            </a:endParaRPr>
-          </a:p>
-        </p:txBody>
-      </p:sp>
-      <p:sp>
-        <p:nvSpPr>
-          <p:cNvPr id="78" name="Google Shape;78;p14"/>
-          <p:cNvSpPr/>
-          <p:nvPr/>
-        </p:nvSpPr>
-        <p:spPr>
-          <a:xfrm>
-            <a:off x="5152950" y="4384050"/>
-            <a:ext cx="1093500" cy="437400"/>
-          </a:xfrm>
-          <a:prstGeom prst="rect">
-            <a:avLst/>
-          </a:prstGeom>
-          <a:solidFill>
-            <a:srgbClr val="B4D0E7"/>
-          </a:solidFill>
-          <a:ln w="9525" cap="flat" cmpd="sng">
-            <a:solidFill>
-              <a:srgbClr val="B4D0E7"/>
+              <a:srgbClr val="1976D2"/>
             </a:solidFill>
             <a:prstDash val="solid"/>
             <a:round/>
@@ -15861,14 +15669,14 @@
               <a:buNone/>
             </a:pPr>
             <a:r>
-              <a:rPr lang="iw">
+              <a:rPr lang="iw" dirty="0">
                 <a:solidFill>
                   <a:srgbClr val="FFFFFF"/>
                 </a:solidFill>
               </a:rPr>
               <a:t>הירשם</a:t>
             </a:r>
-            <a:endParaRPr>
+            <a:endParaRPr dirty="0">
               <a:solidFill>
                 <a:srgbClr val="FFFFFF"/>
               </a:solidFill>
@@ -15878,369 +15686,1097 @@
       </p:sp>
       <p:sp>
         <p:nvSpPr>
-          <p:cNvPr id="79" name="Google Shape;79;p14"/>
-          <p:cNvSpPr/>
-          <p:nvPr/>
-        </p:nvSpPr>
-        <p:spPr>
-          <a:xfrm>
-            <a:off x="2897700" y="1670750"/>
-            <a:ext cx="3348600" cy="437400"/>
-          </a:xfrm>
-          <a:prstGeom prst="rect">
-            <a:avLst/>
-          </a:prstGeom>
-          <a:solidFill>
-            <a:srgbClr val="FFFFFF"/>
-          </a:solidFill>
-          <a:ln w="9525" cap="flat" cmpd="sng">
-            <a:solidFill>
-              <a:srgbClr val="B4D0E7"/>
-            </a:solidFill>
-            <a:prstDash val="solid"/>
-            <a:round/>
-            <a:headEnd type="none" w="sm" len="sm"/>
-            <a:tailEnd type="none" w="sm" len="sm"/>
-          </a:ln>
-        </p:spPr>
-        <p:txBody>
-          <a:bodyPr spcFirstLastPara="1" wrap="square" lIns="91425" tIns="91425" rIns="91425" bIns="91425" anchor="ctr" anchorCtr="0">
-            <a:noAutofit/>
-          </a:bodyPr>
-          <a:lstStyle/>
-          <a:p>
-            <a:pPr marL="0" lvl="0" indent="0" algn="l" rtl="0">
-              <a:spcBef>
-                <a:spcPts val="0"/>
-              </a:spcBef>
-              <a:spcAft>
-                <a:spcPts val="0"/>
-              </a:spcAft>
-              <a:buNone/>
-            </a:pPr>
-            <a:endParaRPr/>
-          </a:p>
-        </p:txBody>
-      </p:sp>
-      <p:sp>
-        <p:nvSpPr>
-          <p:cNvPr id="80" name="Google Shape;80;p14"/>
+          <p:cNvPr id="21" name="תיבת טקסט 20">
+            <a:extLst>
+              <a:ext uri="{FF2B5EF4-FFF2-40B4-BE49-F238E27FC236}">
+                <a16:creationId xmlns:a16="http://schemas.microsoft.com/office/drawing/2014/main" id="{999FDD59-B2DE-47D7-A9AA-D4ABFEBBBDFF}"/>
+              </a:ext>
+            </a:extLst>
+          </p:cNvPr>
           <p:cNvSpPr txBox="1"/>
           <p:nvPr/>
         </p:nvSpPr>
         <p:spPr>
           <a:xfrm>
-            <a:off x="4701900" y="1670750"/>
-            <a:ext cx="1476300" cy="437400"/>
+            <a:off x="4776254" y="1024822"/>
+            <a:ext cx="1179317" cy="307777"/>
           </a:xfrm>
           <a:prstGeom prst="rect">
             <a:avLst/>
           </a:prstGeom>
           <a:noFill/>
-          <a:ln>
-            <a:noFill/>
-          </a:ln>
-        </p:spPr>
-        <p:txBody>
-          <a:bodyPr spcFirstLastPara="1" wrap="square" lIns="91425" tIns="91425" rIns="91425" bIns="91425" anchor="t" anchorCtr="0">
-            <a:noAutofit/>
-          </a:bodyPr>
-          <a:lstStyle/>
-          <a:p>
-            <a:pPr marL="0" lvl="0" indent="0" algn="r" rtl="1">
-              <a:spcBef>
-                <a:spcPts val="0"/>
-              </a:spcBef>
-              <a:spcAft>
-                <a:spcPts val="0"/>
-              </a:spcAft>
-              <a:buNone/>
-            </a:pPr>
+        </p:spPr>
+        <p:txBody>
+          <a:bodyPr wrap="square" rtlCol="1">
+            <a:spAutoFit/>
+          </a:bodyPr>
+          <a:lstStyle/>
+          <a:p>
+            <a:pPr algn="r"/>
             <a:r>
-              <a:rPr lang="iw">
+              <a:rPr lang="he-IL" dirty="0">
                 <a:solidFill>
-                  <a:srgbClr val="999999"/>
+                  <a:schemeClr val="bg1">
+                    <a:lumMod val="65000"/>
+                  </a:schemeClr>
                 </a:solidFill>
               </a:rPr>
-              <a:t>סיסמא</a:t>
+              <a:t>שם משתמש</a:t>
             </a:r>
-            <a:endParaRPr>
-              <a:solidFill>
-                <a:srgbClr val="999999"/>
-              </a:solidFill>
-            </a:endParaRPr>
-          </a:p>
-        </p:txBody>
-      </p:sp>
-      <p:sp>
-        <p:nvSpPr>
-          <p:cNvPr id="81" name="Google Shape;81;p14"/>
-          <p:cNvSpPr/>
-          <p:nvPr/>
-        </p:nvSpPr>
-        <p:spPr>
-          <a:xfrm>
-            <a:off x="2897700" y="2981800"/>
-            <a:ext cx="3348600" cy="437400"/>
-          </a:xfrm>
-          <a:prstGeom prst="rect">
-            <a:avLst/>
-          </a:prstGeom>
-          <a:solidFill>
-            <a:srgbClr val="FFFFFF"/>
-          </a:solidFill>
-          <a:ln w="9525" cap="flat" cmpd="sng">
+          </a:p>
+        </p:txBody>
+      </p:sp>
+      <p:pic>
+        <p:nvPicPr>
+          <p:cNvPr id="22" name="תמונה 21">
+            <a:extLst>
+              <a:ext uri="{FF2B5EF4-FFF2-40B4-BE49-F238E27FC236}">
+                <a16:creationId xmlns:a16="http://schemas.microsoft.com/office/drawing/2014/main" id="{E91DF085-307D-4053-9376-CEA14D57036E}"/>
+              </a:ext>
+            </a:extLst>
+          </p:cNvPr>
+          <p:cNvPicPr>
+            <a:picLocks noChangeAspect="1"/>
+          </p:cNvPicPr>
+          <p:nvPr/>
+        </p:nvPicPr>
+        <p:blipFill>
+          <a:blip r:embed="rId3"/>
+          <a:stretch>
+            <a:fillRect/>
+          </a:stretch>
+        </p:blipFill>
+        <p:spPr>
+          <a:xfrm>
+            <a:off x="5986552" y="1056924"/>
+            <a:ext cx="228600" cy="257175"/>
+          </a:xfrm>
+          <a:prstGeom prst="rect">
+            <a:avLst/>
+          </a:prstGeom>
+        </p:spPr>
+      </p:pic>
+      <p:cxnSp>
+        <p:nvCxnSpPr>
+          <p:cNvPr id="23" name="מחבר ישר 22">
+            <a:extLst>
+              <a:ext uri="{FF2B5EF4-FFF2-40B4-BE49-F238E27FC236}">
+                <a16:creationId xmlns:a16="http://schemas.microsoft.com/office/drawing/2014/main" id="{0AB917D7-8D1D-4707-BE40-434ABA1DA5E6}"/>
+              </a:ext>
+            </a:extLst>
+          </p:cNvPr>
+          <p:cNvCxnSpPr/>
+          <p:nvPr/>
+        </p:nvCxnSpPr>
+        <p:spPr>
+          <a:xfrm flipH="1">
+            <a:off x="3003797" y="1894183"/>
+            <a:ext cx="3199503" cy="0"/>
+          </a:xfrm>
+          <a:prstGeom prst="line">
+            <a:avLst/>
+          </a:prstGeom>
+          <a:ln>
             <a:solidFill>
-              <a:srgbClr val="B4D0E7"/>
+              <a:schemeClr val="tx1"/>
             </a:solidFill>
-            <a:prstDash val="solid"/>
-            <a:round/>
-            <a:headEnd type="none" w="sm" len="sm"/>
-            <a:tailEnd type="none" w="sm" len="sm"/>
-          </a:ln>
-        </p:spPr>
-        <p:txBody>
-          <a:bodyPr spcFirstLastPara="1" wrap="square" lIns="91425" tIns="91425" rIns="91425" bIns="91425" anchor="ctr" anchorCtr="0">
-            <a:noAutofit/>
-          </a:bodyPr>
-          <a:lstStyle/>
-          <a:p>
-            <a:pPr marL="0" lvl="0" indent="0" algn="l" rtl="0">
-              <a:spcBef>
-                <a:spcPts val="0"/>
-              </a:spcBef>
-              <a:spcAft>
-                <a:spcPts val="0"/>
-              </a:spcAft>
-              <a:buNone/>
-            </a:pPr>
-            <a:endParaRPr/>
-          </a:p>
-        </p:txBody>
-      </p:sp>
-      <p:sp>
-        <p:nvSpPr>
-          <p:cNvPr id="82" name="Google Shape;82;p14"/>
+          </a:ln>
+        </p:spPr>
+        <p:style>
+          <a:lnRef idx="1">
+            <a:schemeClr val="accent1"/>
+          </a:lnRef>
+          <a:fillRef idx="0">
+            <a:schemeClr val="accent1"/>
+          </a:fillRef>
+          <a:effectRef idx="0">
+            <a:schemeClr val="accent1"/>
+          </a:effectRef>
+          <a:fontRef idx="minor">
+            <a:schemeClr val="tx1"/>
+          </a:fontRef>
+        </p:style>
+      </p:cxnSp>
+      <p:pic>
+        <p:nvPicPr>
+          <p:cNvPr id="24" name="תמונה 23">
+            <a:extLst>
+              <a:ext uri="{FF2B5EF4-FFF2-40B4-BE49-F238E27FC236}">
+                <a16:creationId xmlns:a16="http://schemas.microsoft.com/office/drawing/2014/main" id="{C2A72332-1E1F-462F-959D-49BE978C44D3}"/>
+              </a:ext>
+            </a:extLst>
+          </p:cNvPr>
+          <p:cNvPicPr>
+            <a:picLocks noChangeAspect="1"/>
+          </p:cNvPicPr>
+          <p:nvPr/>
+        </p:nvPicPr>
+        <p:blipFill>
+          <a:blip r:embed="rId4"/>
+          <a:stretch>
+            <a:fillRect/>
+          </a:stretch>
+        </p:blipFill>
+        <p:spPr>
+          <a:xfrm>
+            <a:off x="6012771" y="1614270"/>
+            <a:ext cx="233363" cy="257176"/>
+          </a:xfrm>
+          <a:prstGeom prst="rect">
+            <a:avLst/>
+          </a:prstGeom>
+        </p:spPr>
+      </p:pic>
+      <p:sp>
+        <p:nvSpPr>
+          <p:cNvPr id="25" name="תיבת טקסט 24">
+            <a:extLst>
+              <a:ext uri="{FF2B5EF4-FFF2-40B4-BE49-F238E27FC236}">
+                <a16:creationId xmlns:a16="http://schemas.microsoft.com/office/drawing/2014/main" id="{B607CE7D-DA7B-45FE-A543-08D441813EB4}"/>
+              </a:ext>
+            </a:extLst>
+          </p:cNvPr>
           <p:cNvSpPr txBox="1"/>
           <p:nvPr/>
         </p:nvSpPr>
         <p:spPr>
           <a:xfrm>
-            <a:off x="4701900" y="2981800"/>
-            <a:ext cx="1476300" cy="437400"/>
+            <a:off x="4807235" y="1592739"/>
+            <a:ext cx="1179317" cy="307777"/>
           </a:xfrm>
           <a:prstGeom prst="rect">
             <a:avLst/>
           </a:prstGeom>
           <a:noFill/>
+        </p:spPr>
+        <p:txBody>
+          <a:bodyPr wrap="square" rtlCol="1">
+            <a:spAutoFit/>
+          </a:bodyPr>
+          <a:lstStyle/>
+          <a:p>
+            <a:pPr algn="r"/>
+            <a:r>
+              <a:rPr lang="he-IL" dirty="0">
+                <a:solidFill>
+                  <a:schemeClr val="bg1">
+                    <a:lumMod val="65000"/>
+                  </a:schemeClr>
+                </a:solidFill>
+              </a:rPr>
+              <a:t>סיסמה</a:t>
+            </a:r>
+          </a:p>
+        </p:txBody>
+      </p:sp>
+      <p:cxnSp>
+        <p:nvCxnSpPr>
+          <p:cNvPr id="26" name="מחבר ישר 25">
+            <a:extLst>
+              <a:ext uri="{FF2B5EF4-FFF2-40B4-BE49-F238E27FC236}">
+                <a16:creationId xmlns:a16="http://schemas.microsoft.com/office/drawing/2014/main" id="{04D6BC42-62A4-4B9E-9C27-6287334132B5}"/>
+              </a:ext>
+            </a:extLst>
+          </p:cNvPr>
+          <p:cNvCxnSpPr/>
+          <p:nvPr/>
+        </p:nvCxnSpPr>
+        <p:spPr>
+          <a:xfrm flipH="1">
+            <a:off x="3021221" y="2524164"/>
+            <a:ext cx="3199503" cy="0"/>
+          </a:xfrm>
+          <a:prstGeom prst="line">
+            <a:avLst/>
+          </a:prstGeom>
           <a:ln>
-            <a:noFill/>
-          </a:ln>
-        </p:spPr>
-        <p:txBody>
-          <a:bodyPr spcFirstLastPara="1" wrap="square" lIns="91425" tIns="91425" rIns="91425" bIns="91425" anchor="t" anchorCtr="0">
-            <a:noAutofit/>
-          </a:bodyPr>
-          <a:lstStyle/>
-          <a:p>
-            <a:pPr marL="0" lvl="0" indent="0" algn="r" rtl="1">
-              <a:spcBef>
-                <a:spcPts val="0"/>
-              </a:spcBef>
-              <a:spcAft>
-                <a:spcPts val="0"/>
-              </a:spcAft>
-              <a:buNone/>
-            </a:pPr>
+            <a:solidFill>
+              <a:schemeClr val="tx1"/>
+            </a:solidFill>
+          </a:ln>
+        </p:spPr>
+        <p:style>
+          <a:lnRef idx="1">
+            <a:schemeClr val="accent1"/>
+          </a:lnRef>
+          <a:fillRef idx="0">
+            <a:schemeClr val="accent1"/>
+          </a:fillRef>
+          <a:effectRef idx="0">
+            <a:schemeClr val="accent1"/>
+          </a:effectRef>
+          <a:fontRef idx="minor">
+            <a:schemeClr val="tx1"/>
+          </a:fontRef>
+        </p:style>
+      </p:cxnSp>
+      <p:sp>
+        <p:nvSpPr>
+          <p:cNvPr id="28" name="תיבת טקסט 27">
+            <a:extLst>
+              <a:ext uri="{FF2B5EF4-FFF2-40B4-BE49-F238E27FC236}">
+                <a16:creationId xmlns:a16="http://schemas.microsoft.com/office/drawing/2014/main" id="{2AB7A8A8-474F-4485-B4C8-738E220C3840}"/>
+              </a:ext>
+            </a:extLst>
+          </p:cNvPr>
+          <p:cNvSpPr txBox="1"/>
+          <p:nvPr/>
+        </p:nvSpPr>
+        <p:spPr>
+          <a:xfrm>
+            <a:off x="4824659" y="2222720"/>
+            <a:ext cx="1179317" cy="307777"/>
+          </a:xfrm>
+          <a:prstGeom prst="rect">
+            <a:avLst/>
+          </a:prstGeom>
+          <a:noFill/>
+        </p:spPr>
+        <p:txBody>
+          <a:bodyPr wrap="square" rtlCol="1">
+            <a:spAutoFit/>
+          </a:bodyPr>
+          <a:lstStyle/>
+          <a:p>
+            <a:pPr algn="r"/>
             <a:r>
-              <a:rPr lang="iw">
+              <a:rPr lang="he-IL" dirty="0">
                 <a:solidFill>
-                  <a:srgbClr val="999999"/>
+                  <a:schemeClr val="bg1">
+                    <a:lumMod val="65000"/>
+                  </a:schemeClr>
+                </a:solidFill>
+              </a:rPr>
+              <a:t>אימייל</a:t>
+            </a:r>
+          </a:p>
+        </p:txBody>
+      </p:sp>
+      <p:cxnSp>
+        <p:nvCxnSpPr>
+          <p:cNvPr id="29" name="מחבר ישר 28">
+            <a:extLst>
+              <a:ext uri="{FF2B5EF4-FFF2-40B4-BE49-F238E27FC236}">
+                <a16:creationId xmlns:a16="http://schemas.microsoft.com/office/drawing/2014/main" id="{2ED1B3AF-5F3F-4474-BAC1-C4CC8323C8BC}"/>
+              </a:ext>
+            </a:extLst>
+          </p:cNvPr>
+          <p:cNvCxnSpPr/>
+          <p:nvPr/>
+        </p:nvCxnSpPr>
+        <p:spPr>
+          <a:xfrm flipH="1">
+            <a:off x="3021221" y="3127053"/>
+            <a:ext cx="3199503" cy="0"/>
+          </a:xfrm>
+          <a:prstGeom prst="line">
+            <a:avLst/>
+          </a:prstGeom>
+          <a:ln>
+            <a:solidFill>
+              <a:schemeClr val="tx1"/>
+            </a:solidFill>
+          </a:ln>
+        </p:spPr>
+        <p:style>
+          <a:lnRef idx="1">
+            <a:schemeClr val="accent1"/>
+          </a:lnRef>
+          <a:fillRef idx="0">
+            <a:schemeClr val="accent1"/>
+          </a:fillRef>
+          <a:effectRef idx="0">
+            <a:schemeClr val="accent1"/>
+          </a:effectRef>
+          <a:fontRef idx="minor">
+            <a:schemeClr val="tx1"/>
+          </a:fontRef>
+        </p:style>
+      </p:cxnSp>
+      <p:sp>
+        <p:nvSpPr>
+          <p:cNvPr id="31" name="תיבת טקסט 30">
+            <a:extLst>
+              <a:ext uri="{FF2B5EF4-FFF2-40B4-BE49-F238E27FC236}">
+                <a16:creationId xmlns:a16="http://schemas.microsoft.com/office/drawing/2014/main" id="{1D46B478-34D2-4ECC-8708-8D4633F9AE84}"/>
+              </a:ext>
+            </a:extLst>
+          </p:cNvPr>
+          <p:cNvSpPr txBox="1"/>
+          <p:nvPr/>
+        </p:nvSpPr>
+        <p:spPr>
+          <a:xfrm>
+            <a:off x="4824659" y="2825609"/>
+            <a:ext cx="1179317" cy="307777"/>
+          </a:xfrm>
+          <a:prstGeom prst="rect">
+            <a:avLst/>
+          </a:prstGeom>
+          <a:noFill/>
+        </p:spPr>
+        <p:txBody>
+          <a:bodyPr wrap="square" rtlCol="1">
+            <a:spAutoFit/>
+          </a:bodyPr>
+          <a:lstStyle/>
+          <a:p>
+            <a:pPr algn="r"/>
+            <a:r>
+              <a:rPr lang="he-IL" dirty="0">
+                <a:solidFill>
+                  <a:schemeClr val="bg1">
+                    <a:lumMod val="65000"/>
+                  </a:schemeClr>
                 </a:solidFill>
               </a:rPr>
               <a:t>כתובת</a:t>
             </a:r>
-            <a:endParaRPr>
-              <a:solidFill>
-                <a:srgbClr val="999999"/>
-              </a:solidFill>
-            </a:endParaRPr>
-          </a:p>
-        </p:txBody>
-      </p:sp>
-      <p:sp>
-        <p:nvSpPr>
-          <p:cNvPr id="83" name="Google Shape;83;p14"/>
-          <p:cNvSpPr/>
-          <p:nvPr/>
-        </p:nvSpPr>
-        <p:spPr>
-          <a:xfrm>
-            <a:off x="6123325" y="3672175"/>
-            <a:ext cx="123000" cy="123000"/>
-          </a:xfrm>
-          <a:prstGeom prst="flowChartConnector">
-            <a:avLst/>
-          </a:prstGeom>
-          <a:solidFill>
-            <a:srgbClr val="FFFFFF"/>
-          </a:solidFill>
-          <a:ln w="9525" cap="flat" cmpd="sng">
-            <a:solidFill>
-              <a:srgbClr val="000000"/>
-            </a:solidFill>
-            <a:prstDash val="solid"/>
-            <a:round/>
-            <a:headEnd type="none" w="sm" len="sm"/>
-            <a:tailEnd type="none" w="sm" len="sm"/>
-          </a:ln>
-        </p:spPr>
-        <p:txBody>
-          <a:bodyPr spcFirstLastPara="1" wrap="square" lIns="91425" tIns="91425" rIns="91425" bIns="91425" anchor="ctr" anchorCtr="0">
-            <a:noAutofit/>
-          </a:bodyPr>
-          <a:lstStyle/>
-          <a:p>
-            <a:pPr marL="0" lvl="0" indent="0" algn="l" rtl="0">
-              <a:spcBef>
-                <a:spcPts val="0"/>
-              </a:spcBef>
-              <a:spcAft>
-                <a:spcPts val="0"/>
-              </a:spcAft>
-              <a:buNone/>
-            </a:pPr>
-            <a:endParaRPr/>
-          </a:p>
-        </p:txBody>
-      </p:sp>
-      <p:sp>
-        <p:nvSpPr>
-          <p:cNvPr id="84" name="Google Shape;84;p14"/>
+          </a:p>
+        </p:txBody>
+      </p:sp>
+      <p:pic>
+        <p:nvPicPr>
+          <p:cNvPr id="2" name="תמונה 1">
+            <a:extLst>
+              <a:ext uri="{FF2B5EF4-FFF2-40B4-BE49-F238E27FC236}">
+                <a16:creationId xmlns:a16="http://schemas.microsoft.com/office/drawing/2014/main" id="{9C81B53C-BA51-4D33-8883-4D686618CDA7}"/>
+              </a:ext>
+            </a:extLst>
+          </p:cNvPr>
+          <p:cNvPicPr>
+            <a:picLocks noChangeAspect="1"/>
+          </p:cNvPicPr>
+          <p:nvPr/>
+        </p:nvPicPr>
+        <p:blipFill>
+          <a:blip r:embed="rId5"/>
+          <a:stretch>
+            <a:fillRect/>
+          </a:stretch>
+        </p:blipFill>
+        <p:spPr>
+          <a:xfrm>
+            <a:off x="6015355" y="2296798"/>
+            <a:ext cx="215939" cy="167353"/>
+          </a:xfrm>
+          <a:prstGeom prst="rect">
+            <a:avLst/>
+          </a:prstGeom>
+        </p:spPr>
+      </p:pic>
+      <p:pic>
+        <p:nvPicPr>
+          <p:cNvPr id="3" name="תמונה 2">
+            <a:extLst>
+              <a:ext uri="{FF2B5EF4-FFF2-40B4-BE49-F238E27FC236}">
+                <a16:creationId xmlns:a16="http://schemas.microsoft.com/office/drawing/2014/main" id="{BA2E44E3-9222-496D-8C21-8799AFF7069C}"/>
+              </a:ext>
+            </a:extLst>
+          </p:cNvPr>
+          <p:cNvPicPr>
+            <a:picLocks noChangeAspect="1"/>
+          </p:cNvPicPr>
+          <p:nvPr/>
+        </p:nvPicPr>
+        <p:blipFill>
+          <a:blip r:embed="rId6"/>
+          <a:stretch>
+            <a:fillRect/>
+          </a:stretch>
+        </p:blipFill>
+        <p:spPr>
+          <a:xfrm>
+            <a:off x="5992455" y="2845348"/>
+            <a:ext cx="231174" cy="242451"/>
+          </a:xfrm>
+          <a:prstGeom prst="rect">
+            <a:avLst/>
+          </a:prstGeom>
+        </p:spPr>
+      </p:pic>
+      <p:sp>
+        <p:nvSpPr>
+          <p:cNvPr id="35" name="תיבת טקסט 34">
+            <a:extLst>
+              <a:ext uri="{FF2B5EF4-FFF2-40B4-BE49-F238E27FC236}">
+                <a16:creationId xmlns:a16="http://schemas.microsoft.com/office/drawing/2014/main" id="{80245655-6D19-4518-98D1-ED31C1BA1F57}"/>
+              </a:ext>
+            </a:extLst>
+          </p:cNvPr>
           <p:cNvSpPr txBox="1"/>
           <p:nvPr/>
         </p:nvSpPr>
         <p:spPr>
           <a:xfrm>
-            <a:off x="5282850" y="3536000"/>
-            <a:ext cx="833700" cy="393600"/>
+            <a:off x="5784112" y="3291978"/>
+            <a:ext cx="505246" cy="307777"/>
           </a:xfrm>
           <a:prstGeom prst="rect">
             <a:avLst/>
           </a:prstGeom>
           <a:noFill/>
-          <a:ln>
-            <a:noFill/>
-          </a:ln>
-        </p:spPr>
-        <p:txBody>
-          <a:bodyPr spcFirstLastPara="1" wrap="square" lIns="91425" tIns="91425" rIns="91425" bIns="91425" anchor="t" anchorCtr="0">
-            <a:noAutofit/>
-          </a:bodyPr>
-          <a:lstStyle/>
-          <a:p>
-            <a:pPr marL="0" lvl="0" indent="0" algn="r" rtl="1">
-              <a:spcBef>
-                <a:spcPts val="0"/>
-              </a:spcBef>
-              <a:spcAft>
-                <a:spcPts val="0"/>
-              </a:spcAft>
-              <a:buNone/>
-            </a:pPr>
+        </p:spPr>
+        <p:txBody>
+          <a:bodyPr wrap="square" rtlCol="1">
+            <a:spAutoFit/>
+          </a:bodyPr>
+          <a:lstStyle/>
+          <a:p>
+            <a:pPr algn="r"/>
             <a:r>
-              <a:rPr lang="iw"/>
+              <a:rPr lang="he-IL" dirty="0">
+                <a:solidFill>
+                  <a:schemeClr val="bg1">
+                    <a:lumMod val="65000"/>
+                  </a:schemeClr>
+                </a:solidFill>
+              </a:rPr>
+              <a:t>מין :</a:t>
+            </a:r>
+          </a:p>
+        </p:txBody>
+      </p:sp>
+      <p:sp>
+        <p:nvSpPr>
+          <p:cNvPr id="36" name="תיבת טקסט 35">
+            <a:extLst>
+              <a:ext uri="{FF2B5EF4-FFF2-40B4-BE49-F238E27FC236}">
+                <a16:creationId xmlns:a16="http://schemas.microsoft.com/office/drawing/2014/main" id="{3517E6CE-67E1-43EC-BAFC-50C9575A4EC6}"/>
+              </a:ext>
+            </a:extLst>
+          </p:cNvPr>
+          <p:cNvSpPr txBox="1"/>
+          <p:nvPr/>
+        </p:nvSpPr>
+        <p:spPr>
+          <a:xfrm>
+            <a:off x="5029950" y="3308460"/>
+            <a:ext cx="505246" cy="307777"/>
+          </a:xfrm>
+          <a:prstGeom prst="rect">
+            <a:avLst/>
+          </a:prstGeom>
+          <a:noFill/>
+        </p:spPr>
+        <p:txBody>
+          <a:bodyPr wrap="square" rtlCol="1">
+            <a:spAutoFit/>
+          </a:bodyPr>
+          <a:lstStyle/>
+          <a:p>
+            <a:pPr algn="r"/>
+            <a:r>
+              <a:rPr lang="he-IL" dirty="0">
+                <a:solidFill>
+                  <a:schemeClr val="bg1">
+                    <a:lumMod val="65000"/>
+                  </a:schemeClr>
+                </a:solidFill>
+              </a:rPr>
               <a:t>זכר</a:t>
             </a:r>
-            <a:endParaRPr/>
-          </a:p>
-        </p:txBody>
-      </p:sp>
-      <p:sp>
-        <p:nvSpPr>
-          <p:cNvPr id="85" name="Google Shape;85;p14"/>
-          <p:cNvSpPr/>
-          <p:nvPr/>
-        </p:nvSpPr>
-        <p:spPr>
-          <a:xfrm>
-            <a:off x="5236950" y="3672175"/>
-            <a:ext cx="123000" cy="123000"/>
-          </a:xfrm>
-          <a:prstGeom prst="flowChartConnector">
-            <a:avLst/>
-          </a:prstGeom>
-          <a:solidFill>
-            <a:srgbClr val="FFFFFF"/>
-          </a:solidFill>
-          <a:ln w="9525" cap="flat" cmpd="sng">
-            <a:solidFill>
-              <a:srgbClr val="000000"/>
-            </a:solidFill>
-            <a:prstDash val="solid"/>
-            <a:round/>
-            <a:headEnd type="none" w="sm" len="sm"/>
-            <a:tailEnd type="none" w="sm" len="sm"/>
-          </a:ln>
-        </p:spPr>
-        <p:txBody>
-          <a:bodyPr spcFirstLastPara="1" wrap="square" lIns="91425" tIns="91425" rIns="91425" bIns="91425" anchor="ctr" anchorCtr="0">
-            <a:noAutofit/>
-          </a:bodyPr>
-          <a:lstStyle/>
-          <a:p>
-            <a:pPr marL="0" lvl="0" indent="0" algn="l" rtl="0">
-              <a:spcBef>
-                <a:spcPts val="0"/>
-              </a:spcBef>
-              <a:spcAft>
-                <a:spcPts val="0"/>
-              </a:spcAft>
-              <a:buNone/>
-            </a:pPr>
-            <a:endParaRPr/>
-          </a:p>
-        </p:txBody>
-      </p:sp>
-      <p:sp>
-        <p:nvSpPr>
-          <p:cNvPr id="86" name="Google Shape;86;p14"/>
+          </a:p>
+        </p:txBody>
+      </p:sp>
+      <p:sp>
+        <p:nvSpPr>
+          <p:cNvPr id="37" name="תיבת טקסט 36">
+            <a:extLst>
+              <a:ext uri="{FF2B5EF4-FFF2-40B4-BE49-F238E27FC236}">
+                <a16:creationId xmlns:a16="http://schemas.microsoft.com/office/drawing/2014/main" id="{73FB06B3-FC47-4D5A-9E22-4DF8B8A02CAD}"/>
+              </a:ext>
+            </a:extLst>
+          </p:cNvPr>
           <p:cNvSpPr txBox="1"/>
           <p:nvPr/>
         </p:nvSpPr>
         <p:spPr>
           <a:xfrm>
-            <a:off x="4396475" y="3536000"/>
-            <a:ext cx="833700" cy="393600"/>
+            <a:off x="4184206" y="3309377"/>
+            <a:ext cx="551037" cy="307777"/>
           </a:xfrm>
           <a:prstGeom prst="rect">
             <a:avLst/>
           </a:prstGeom>
           <a:noFill/>
-          <a:ln>
-            <a:noFill/>
-          </a:ln>
-        </p:spPr>
-        <p:txBody>
-          <a:bodyPr spcFirstLastPara="1" wrap="square" lIns="91425" tIns="91425" rIns="91425" bIns="91425" anchor="t" anchorCtr="0">
-            <a:noAutofit/>
-          </a:bodyPr>
-          <a:lstStyle/>
-          <a:p>
-            <a:pPr marL="0" lvl="0" indent="0" algn="r" rtl="1">
-              <a:spcBef>
-                <a:spcPts val="0"/>
-              </a:spcBef>
-              <a:spcAft>
-                <a:spcPts val="0"/>
-              </a:spcAft>
-              <a:buNone/>
-            </a:pPr>
+        </p:spPr>
+        <p:txBody>
+          <a:bodyPr wrap="square" rtlCol="1">
+            <a:spAutoFit/>
+          </a:bodyPr>
+          <a:lstStyle/>
+          <a:p>
+            <a:pPr algn="r"/>
             <a:r>
-              <a:rPr lang="iw"/>
+              <a:rPr lang="he-IL" dirty="0">
+                <a:solidFill>
+                  <a:schemeClr val="bg1">
+                    <a:lumMod val="65000"/>
+                  </a:schemeClr>
+                </a:solidFill>
+              </a:rPr>
               <a:t>נקבה</a:t>
             </a:r>
-            <a:endParaRPr/>
+          </a:p>
+        </p:txBody>
+      </p:sp>
+      <p:sp>
+        <p:nvSpPr>
+          <p:cNvPr id="38" name="תיבת טקסט 37">
+            <a:extLst>
+              <a:ext uri="{FF2B5EF4-FFF2-40B4-BE49-F238E27FC236}">
+                <a16:creationId xmlns:a16="http://schemas.microsoft.com/office/drawing/2014/main" id="{05E59B41-3BE6-4372-942A-20CC644A48E2}"/>
+              </a:ext>
+            </a:extLst>
+          </p:cNvPr>
+          <p:cNvSpPr txBox="1"/>
+          <p:nvPr/>
+        </p:nvSpPr>
+        <p:spPr>
+          <a:xfrm>
+            <a:off x="3384253" y="3310194"/>
+            <a:ext cx="505246" cy="307777"/>
+          </a:xfrm>
+          <a:prstGeom prst="rect">
+            <a:avLst/>
+          </a:prstGeom>
+          <a:noFill/>
+        </p:spPr>
+        <p:txBody>
+          <a:bodyPr wrap="square" rtlCol="1">
+            <a:spAutoFit/>
+          </a:bodyPr>
+          <a:lstStyle/>
+          <a:p>
+            <a:pPr algn="r"/>
+            <a:r>
+              <a:rPr lang="he-IL" dirty="0">
+                <a:solidFill>
+                  <a:schemeClr val="bg1">
+                    <a:lumMod val="65000"/>
+                  </a:schemeClr>
+                </a:solidFill>
+              </a:rPr>
+              <a:t>אחר</a:t>
+            </a:r>
+          </a:p>
+        </p:txBody>
+      </p:sp>
+      <p:pic>
+        <p:nvPicPr>
+          <p:cNvPr id="5" name="תמונה 4">
+            <a:extLst>
+              <a:ext uri="{FF2B5EF4-FFF2-40B4-BE49-F238E27FC236}">
+                <a16:creationId xmlns:a16="http://schemas.microsoft.com/office/drawing/2014/main" id="{DF8B0A41-B381-4021-A1E2-DA95E25C4DF2}"/>
+              </a:ext>
+            </a:extLst>
+          </p:cNvPr>
+          <p:cNvPicPr>
+            <a:picLocks noChangeAspect="1"/>
+          </p:cNvPicPr>
+          <p:nvPr/>
+        </p:nvPicPr>
+        <p:blipFill>
+          <a:blip r:embed="rId7"/>
+          <a:stretch>
+            <a:fillRect/>
+          </a:stretch>
+        </p:blipFill>
+        <p:spPr>
+          <a:xfrm>
+            <a:off x="5541788" y="3349437"/>
+            <a:ext cx="209550" cy="209550"/>
+          </a:xfrm>
+          <a:prstGeom prst="rect">
+            <a:avLst/>
+          </a:prstGeom>
+        </p:spPr>
+      </p:pic>
+      <p:pic>
+        <p:nvPicPr>
+          <p:cNvPr id="7" name="תמונה 6">
+            <a:extLst>
+              <a:ext uri="{FF2B5EF4-FFF2-40B4-BE49-F238E27FC236}">
+                <a16:creationId xmlns:a16="http://schemas.microsoft.com/office/drawing/2014/main" id="{2D538D5A-EBDD-4137-A781-94F2BFDE55F7}"/>
+              </a:ext>
+            </a:extLst>
+          </p:cNvPr>
+          <p:cNvPicPr>
+            <a:picLocks noChangeAspect="1"/>
+          </p:cNvPicPr>
+          <p:nvPr/>
+        </p:nvPicPr>
+        <p:blipFill>
+          <a:blip r:embed="rId8"/>
+          <a:stretch>
+            <a:fillRect/>
+          </a:stretch>
+        </p:blipFill>
+        <p:spPr>
+          <a:xfrm>
+            <a:off x="4824285" y="3373249"/>
+            <a:ext cx="195263" cy="185738"/>
+          </a:xfrm>
+          <a:prstGeom prst="rect">
+            <a:avLst/>
+          </a:prstGeom>
+        </p:spPr>
+      </p:pic>
+      <p:pic>
+        <p:nvPicPr>
+          <p:cNvPr id="42" name="תמונה 41">
+            <a:extLst>
+              <a:ext uri="{FF2B5EF4-FFF2-40B4-BE49-F238E27FC236}">
+                <a16:creationId xmlns:a16="http://schemas.microsoft.com/office/drawing/2014/main" id="{D372851D-4604-4424-9850-21D90001BC5C}"/>
+              </a:ext>
+            </a:extLst>
+          </p:cNvPr>
+          <p:cNvPicPr>
+            <a:picLocks noChangeAspect="1"/>
+          </p:cNvPicPr>
+          <p:nvPr/>
+        </p:nvPicPr>
+        <p:blipFill>
+          <a:blip r:embed="rId8"/>
+          <a:stretch>
+            <a:fillRect/>
+          </a:stretch>
+        </p:blipFill>
+        <p:spPr>
+          <a:xfrm>
+            <a:off x="3935290" y="3377127"/>
+            <a:ext cx="195263" cy="185738"/>
+          </a:xfrm>
+          <a:prstGeom prst="rect">
+            <a:avLst/>
+          </a:prstGeom>
+        </p:spPr>
+      </p:pic>
+      <p:cxnSp>
+        <p:nvCxnSpPr>
+          <p:cNvPr id="45" name="מחבר ישר 44">
+            <a:extLst>
+              <a:ext uri="{FF2B5EF4-FFF2-40B4-BE49-F238E27FC236}">
+                <a16:creationId xmlns:a16="http://schemas.microsoft.com/office/drawing/2014/main" id="{40814027-D2B6-4392-BF52-EE0ADA9F6382}"/>
+              </a:ext>
+            </a:extLst>
+          </p:cNvPr>
+          <p:cNvCxnSpPr/>
+          <p:nvPr/>
+        </p:nvCxnSpPr>
+        <p:spPr>
+          <a:xfrm flipH="1">
+            <a:off x="3015649" y="1348363"/>
+            <a:ext cx="3199503" cy="0"/>
+          </a:xfrm>
+          <a:prstGeom prst="line">
+            <a:avLst/>
+          </a:prstGeom>
+          <a:ln>
+            <a:solidFill>
+              <a:schemeClr val="tx1"/>
+            </a:solidFill>
+          </a:ln>
+        </p:spPr>
+        <p:style>
+          <a:lnRef idx="1">
+            <a:schemeClr val="accent1"/>
+          </a:lnRef>
+          <a:fillRef idx="0">
+            <a:schemeClr val="accent1"/>
+          </a:fillRef>
+          <a:effectRef idx="0">
+            <a:schemeClr val="accent1"/>
+          </a:effectRef>
+          <a:fontRef idx="minor">
+            <a:schemeClr val="tx1"/>
+          </a:fontRef>
+        </p:style>
+      </p:cxnSp>
+      <p:sp>
+        <p:nvSpPr>
+          <p:cNvPr id="46" name="תיבת טקסט 45">
+            <a:extLst>
+              <a:ext uri="{FF2B5EF4-FFF2-40B4-BE49-F238E27FC236}">
+                <a16:creationId xmlns:a16="http://schemas.microsoft.com/office/drawing/2014/main" id="{700F23A1-8788-448E-8781-8E31250B9EA6}"/>
+              </a:ext>
+            </a:extLst>
+          </p:cNvPr>
+          <p:cNvSpPr txBox="1"/>
+          <p:nvPr/>
+        </p:nvSpPr>
+        <p:spPr>
+          <a:xfrm>
+            <a:off x="6145355" y="951021"/>
+            <a:ext cx="201555" cy="369332"/>
+          </a:xfrm>
+          <a:prstGeom prst="rect">
+            <a:avLst/>
+          </a:prstGeom>
+          <a:noFill/>
+        </p:spPr>
+        <p:txBody>
+          <a:bodyPr wrap="square" rtlCol="1">
+            <a:spAutoFit/>
+          </a:bodyPr>
+          <a:lstStyle/>
+          <a:p>
+            <a:pPr algn="r"/>
+            <a:r>
+              <a:rPr lang="he-IL" sz="1800" dirty="0">
+                <a:solidFill>
+                  <a:schemeClr val="bg1">
+                    <a:lumMod val="50000"/>
+                  </a:schemeClr>
+                </a:solidFill>
+              </a:rPr>
+              <a:t>*</a:t>
+            </a:r>
+          </a:p>
+        </p:txBody>
+      </p:sp>
+      <p:sp>
+        <p:nvSpPr>
+          <p:cNvPr id="47" name="תיבת טקסט 46">
+            <a:extLst>
+              <a:ext uri="{FF2B5EF4-FFF2-40B4-BE49-F238E27FC236}">
+                <a16:creationId xmlns:a16="http://schemas.microsoft.com/office/drawing/2014/main" id="{8B28BB43-796E-46F3-924F-F2E6701B5AC8}"/>
+              </a:ext>
+            </a:extLst>
+          </p:cNvPr>
+          <p:cNvSpPr txBox="1"/>
+          <p:nvPr/>
+        </p:nvSpPr>
+        <p:spPr>
+          <a:xfrm>
+            <a:off x="6167894" y="1441356"/>
+            <a:ext cx="201555" cy="369332"/>
+          </a:xfrm>
+          <a:prstGeom prst="rect">
+            <a:avLst/>
+          </a:prstGeom>
+          <a:noFill/>
+        </p:spPr>
+        <p:txBody>
+          <a:bodyPr wrap="square" rtlCol="1">
+            <a:spAutoFit/>
+          </a:bodyPr>
+          <a:lstStyle/>
+          <a:p>
+            <a:pPr algn="r"/>
+            <a:r>
+              <a:rPr lang="he-IL" sz="1800" dirty="0">
+                <a:solidFill>
+                  <a:schemeClr val="bg1">
+                    <a:lumMod val="50000"/>
+                  </a:schemeClr>
+                </a:solidFill>
+              </a:rPr>
+              <a:t>*</a:t>
+            </a:r>
+          </a:p>
+        </p:txBody>
+      </p:sp>
+      <p:sp>
+        <p:nvSpPr>
+          <p:cNvPr id="48" name="תיבת טקסט 47">
+            <a:extLst>
+              <a:ext uri="{FF2B5EF4-FFF2-40B4-BE49-F238E27FC236}">
+                <a16:creationId xmlns:a16="http://schemas.microsoft.com/office/drawing/2014/main" id="{7733EBD5-E64C-4531-B42C-364ECA11488F}"/>
+              </a:ext>
+            </a:extLst>
+          </p:cNvPr>
+          <p:cNvSpPr txBox="1"/>
+          <p:nvPr/>
+        </p:nvSpPr>
+        <p:spPr>
+          <a:xfrm>
+            <a:off x="6167895" y="2070671"/>
+            <a:ext cx="201555" cy="369332"/>
+          </a:xfrm>
+          <a:prstGeom prst="rect">
+            <a:avLst/>
+          </a:prstGeom>
+          <a:noFill/>
+        </p:spPr>
+        <p:txBody>
+          <a:bodyPr wrap="square" rtlCol="1">
+            <a:spAutoFit/>
+          </a:bodyPr>
+          <a:lstStyle/>
+          <a:p>
+            <a:pPr algn="r"/>
+            <a:r>
+              <a:rPr lang="he-IL" sz="1800" dirty="0">
+                <a:solidFill>
+                  <a:schemeClr val="bg1">
+                    <a:lumMod val="50000"/>
+                  </a:schemeClr>
+                </a:solidFill>
+              </a:rPr>
+              <a:t>*</a:t>
+            </a:r>
+          </a:p>
+        </p:txBody>
+      </p:sp>
+      <p:sp>
+        <p:nvSpPr>
+          <p:cNvPr id="49" name="תיבת טקסט 48">
+            <a:extLst>
+              <a:ext uri="{FF2B5EF4-FFF2-40B4-BE49-F238E27FC236}">
+                <a16:creationId xmlns:a16="http://schemas.microsoft.com/office/drawing/2014/main" id="{5771ABA7-C7FA-47AE-BCB6-04D92FCE0797}"/>
+              </a:ext>
+            </a:extLst>
+          </p:cNvPr>
+          <p:cNvSpPr txBox="1"/>
+          <p:nvPr/>
+        </p:nvSpPr>
+        <p:spPr>
+          <a:xfrm>
+            <a:off x="6167893" y="2665815"/>
+            <a:ext cx="201555" cy="369332"/>
+          </a:xfrm>
+          <a:prstGeom prst="rect">
+            <a:avLst/>
+          </a:prstGeom>
+          <a:noFill/>
+        </p:spPr>
+        <p:txBody>
+          <a:bodyPr wrap="square" rtlCol="1">
+            <a:spAutoFit/>
+          </a:bodyPr>
+          <a:lstStyle/>
+          <a:p>
+            <a:pPr algn="r"/>
+            <a:r>
+              <a:rPr lang="he-IL" sz="1800" dirty="0">
+                <a:solidFill>
+                  <a:schemeClr val="bg1">
+                    <a:lumMod val="50000"/>
+                  </a:schemeClr>
+                </a:solidFill>
+              </a:rPr>
+              <a:t>*</a:t>
+            </a:r>
+          </a:p>
+        </p:txBody>
+      </p:sp>
+      <p:sp>
+        <p:nvSpPr>
+          <p:cNvPr id="50" name="תיבת טקסט 49">
+            <a:extLst>
+              <a:ext uri="{FF2B5EF4-FFF2-40B4-BE49-F238E27FC236}">
+                <a16:creationId xmlns:a16="http://schemas.microsoft.com/office/drawing/2014/main" id="{11841229-2D0D-4286-AEF9-D7DF29503017}"/>
+              </a:ext>
+            </a:extLst>
+          </p:cNvPr>
+          <p:cNvSpPr txBox="1"/>
+          <p:nvPr/>
+        </p:nvSpPr>
+        <p:spPr>
+          <a:xfrm>
+            <a:off x="6169197" y="3176797"/>
+            <a:ext cx="201555" cy="369332"/>
+          </a:xfrm>
+          <a:prstGeom prst="rect">
+            <a:avLst/>
+          </a:prstGeom>
+          <a:noFill/>
+        </p:spPr>
+        <p:txBody>
+          <a:bodyPr wrap="square" rtlCol="1">
+            <a:spAutoFit/>
+          </a:bodyPr>
+          <a:lstStyle/>
+          <a:p>
+            <a:pPr algn="r"/>
+            <a:r>
+              <a:rPr lang="he-IL" sz="1800" dirty="0">
+                <a:solidFill>
+                  <a:schemeClr val="bg1">
+                    <a:lumMod val="50000"/>
+                  </a:schemeClr>
+                </a:solidFill>
+              </a:rPr>
+              <a:t>*</a:t>
+            </a:r>
+          </a:p>
+        </p:txBody>
+      </p:sp>
+      <p:sp>
+        <p:nvSpPr>
+          <p:cNvPr id="51" name="תיבת טקסט 50">
+            <a:extLst>
+              <a:ext uri="{FF2B5EF4-FFF2-40B4-BE49-F238E27FC236}">
+                <a16:creationId xmlns:a16="http://schemas.microsoft.com/office/drawing/2014/main" id="{1B948E63-3E70-461D-B420-48EFF0F8BB37}"/>
+              </a:ext>
+            </a:extLst>
+          </p:cNvPr>
+          <p:cNvSpPr txBox="1"/>
+          <p:nvPr/>
+        </p:nvSpPr>
+        <p:spPr>
+          <a:xfrm>
+            <a:off x="4550735" y="3652811"/>
+            <a:ext cx="1888056" cy="369332"/>
+          </a:xfrm>
+          <a:prstGeom prst="rect">
+            <a:avLst/>
+          </a:prstGeom>
+          <a:noFill/>
+        </p:spPr>
+        <p:txBody>
+          <a:bodyPr wrap="square" rtlCol="1">
+            <a:spAutoFit/>
+          </a:bodyPr>
+          <a:lstStyle/>
+          <a:p>
+            <a:pPr algn="r"/>
+            <a:r>
+              <a:rPr lang="he-IL" sz="1800" dirty="0">
+                <a:solidFill>
+                  <a:schemeClr val="bg1">
+                    <a:lumMod val="50000"/>
+                  </a:schemeClr>
+                </a:solidFill>
+              </a:rPr>
+              <a:t>*</a:t>
+            </a:r>
+            <a:r>
+              <a:rPr lang="he-IL" sz="1200" dirty="0">
+                <a:solidFill>
+                  <a:schemeClr val="bg1">
+                    <a:lumMod val="50000"/>
+                  </a:schemeClr>
+                </a:solidFill>
+              </a:rPr>
+              <a:t> שדות חובה</a:t>
+            </a:r>
+          </a:p>
+        </p:txBody>
+      </p:sp>
+      <p:pic>
+        <p:nvPicPr>
+          <p:cNvPr id="12" name="תמונה 11">
+            <a:extLst>
+              <a:ext uri="{FF2B5EF4-FFF2-40B4-BE49-F238E27FC236}">
+                <a16:creationId xmlns:a16="http://schemas.microsoft.com/office/drawing/2014/main" id="{5902FE88-D140-4230-9F48-9D7F6F4D4A2B}"/>
+              </a:ext>
+            </a:extLst>
+          </p:cNvPr>
+          <p:cNvPicPr>
+            <a:picLocks noChangeAspect="1"/>
+          </p:cNvPicPr>
+          <p:nvPr/>
+        </p:nvPicPr>
+        <p:blipFill>
+          <a:blip r:embed="rId9"/>
+          <a:stretch>
+            <a:fillRect/>
+          </a:stretch>
+        </p:blipFill>
+        <p:spPr>
+          <a:xfrm>
+            <a:off x="5247521" y="4400211"/>
+            <a:ext cx="1053788" cy="412352"/>
+          </a:xfrm>
+          <a:prstGeom prst="rect">
+            <a:avLst/>
+          </a:prstGeom>
+        </p:spPr>
+      </p:pic>
+      <p:sp>
+        <p:nvSpPr>
+          <p:cNvPr id="13" name="מלבן 12">
+            <a:extLst>
+              <a:ext uri="{FF2B5EF4-FFF2-40B4-BE49-F238E27FC236}">
+                <a16:creationId xmlns:a16="http://schemas.microsoft.com/office/drawing/2014/main" id="{B9E01441-1CBA-4FC2-A8A3-CE1C6473F4F9}"/>
+              </a:ext>
+            </a:extLst>
+          </p:cNvPr>
+          <p:cNvSpPr/>
+          <p:nvPr/>
+        </p:nvSpPr>
+        <p:spPr>
+          <a:xfrm>
+            <a:off x="5327661" y="4497175"/>
+            <a:ext cx="913390" cy="233994"/>
+          </a:xfrm>
+          <a:prstGeom prst="rect">
+            <a:avLst/>
+          </a:prstGeom>
+          <a:solidFill>
+            <a:srgbClr val="F5F5F5"/>
+          </a:solidFill>
+          <a:ln>
+            <a:solidFill>
+              <a:srgbClr val="F5F5F5"/>
+            </a:solidFill>
+          </a:ln>
+        </p:spPr>
+        <p:style>
+          <a:lnRef idx="2">
+            <a:schemeClr val="accent1">
+              <a:shade val="50000"/>
+            </a:schemeClr>
+          </a:lnRef>
+          <a:fillRef idx="1">
+            <a:schemeClr val="accent1"/>
+          </a:fillRef>
+          <a:effectRef idx="0">
+            <a:schemeClr val="accent1"/>
+          </a:effectRef>
+          <a:fontRef idx="minor">
+            <a:schemeClr val="lt1"/>
+          </a:fontRef>
+        </p:style>
+        <p:txBody>
+          <a:bodyPr rtlCol="1" anchor="ctr"/>
+          <a:lstStyle/>
+          <a:p>
+            <a:pPr algn="ctr"/>
+            <a:endParaRPr lang="he-IL"/>
+          </a:p>
+        </p:txBody>
+      </p:sp>
+      <p:sp>
+        <p:nvSpPr>
+          <p:cNvPr id="14" name="תיבת טקסט 13">
+            <a:extLst>
+              <a:ext uri="{FF2B5EF4-FFF2-40B4-BE49-F238E27FC236}">
+                <a16:creationId xmlns:a16="http://schemas.microsoft.com/office/drawing/2014/main" id="{AE31F58A-F247-49ED-8DB1-BF87EDD3BD28}"/>
+              </a:ext>
+            </a:extLst>
+          </p:cNvPr>
+          <p:cNvSpPr txBox="1"/>
+          <p:nvPr/>
+        </p:nvSpPr>
+        <p:spPr>
+          <a:xfrm>
+            <a:off x="5485506" y="4433241"/>
+            <a:ext cx="592864" cy="338554"/>
+          </a:xfrm>
+          <a:prstGeom prst="rect">
+            <a:avLst/>
+          </a:prstGeom>
+          <a:noFill/>
+        </p:spPr>
+        <p:txBody>
+          <a:bodyPr wrap="square" rtlCol="1">
+            <a:spAutoFit/>
+          </a:bodyPr>
+          <a:lstStyle/>
+          <a:p>
+            <a:pPr algn="r"/>
+            <a:r>
+              <a:rPr lang="he-IL" sz="1600" dirty="0">
+                <a:solidFill>
+                  <a:srgbClr val="89B7E3"/>
+                </a:solidFill>
+              </a:rPr>
+              <a:t>חזור</a:t>
+            </a:r>
           </a:p>
         </p:txBody>
       </p:sp>

--- a/ux_course/מסכים.pptx
+++ b/ux_course/מסכים.pptx
@@ -5,22 +5,23 @@
     <p:sldMasterId id="2147483659" r:id="rId1"/>
   </p:sldMasterIdLst>
   <p:notesMasterIdLst>
-    <p:notesMasterId r:id="rId15"/>
+    <p:notesMasterId r:id="rId16"/>
   </p:notesMasterIdLst>
   <p:sldIdLst>
     <p:sldId id="256" r:id="rId2"/>
     <p:sldId id="257" r:id="rId3"/>
     <p:sldId id="258" r:id="rId4"/>
     <p:sldId id="259" r:id="rId5"/>
-    <p:sldId id="260" r:id="rId6"/>
-    <p:sldId id="261" r:id="rId7"/>
-    <p:sldId id="262" r:id="rId8"/>
-    <p:sldId id="263" r:id="rId9"/>
-    <p:sldId id="264" r:id="rId10"/>
-    <p:sldId id="265" r:id="rId11"/>
-    <p:sldId id="266" r:id="rId12"/>
-    <p:sldId id="267" r:id="rId13"/>
-    <p:sldId id="268" r:id="rId14"/>
+    <p:sldId id="269" r:id="rId6"/>
+    <p:sldId id="260" r:id="rId7"/>
+    <p:sldId id="261" r:id="rId8"/>
+    <p:sldId id="262" r:id="rId9"/>
+    <p:sldId id="263" r:id="rId10"/>
+    <p:sldId id="264" r:id="rId11"/>
+    <p:sldId id="265" r:id="rId12"/>
+    <p:sldId id="266" r:id="rId13"/>
+    <p:sldId id="267" r:id="rId14"/>
+    <p:sldId id="268" r:id="rId15"/>
   </p:sldIdLst>
   <p:sldSz cx="9144000" cy="5143500" type="screen16x9"/>
   <p:notesSz cx="6858000" cy="9144000"/>
@@ -834,7 +835,7 @@
   <p:cSld>
     <p:spTree>
       <p:nvGrpSpPr>
-        <p:cNvPr id="1" name="Shape 307"/>
+        <p:cNvPr id="1" name="Shape 256"/>
         <p:cNvGrpSpPr/>
         <p:nvPr/>
       </p:nvGrpSpPr>
@@ -848,7 +849,7 @@
       </p:grpSpPr>
       <p:sp>
         <p:nvSpPr>
-          <p:cNvPr id="308" name="Google Shape;308;g462b420985_0_182:notes"/>
+          <p:cNvPr id="257" name="Google Shape;257;g462b420985_0_132:notes"/>
           <p:cNvSpPr>
             <a:spLocks noGrp="1" noRot="1" noChangeAspect="1"/>
           </p:cNvSpPr>
@@ -889,7 +890,7 @@
       </p:sp>
       <p:sp>
         <p:nvSpPr>
-          <p:cNvPr id="309" name="Google Shape;309;g462b420985_0_182:notes"/>
+          <p:cNvPr id="258" name="Google Shape;258;g462b420985_0_132:notes"/>
           <p:cNvSpPr txBox="1">
             <a:spLocks noGrp="1"/>
           </p:cNvSpPr>
@@ -938,7 +939,7 @@
   <p:cSld>
     <p:spTree>
       <p:nvGrpSpPr>
-        <p:cNvPr id="1" name="Shape 352"/>
+        <p:cNvPr id="1" name="Shape 307"/>
         <p:cNvGrpSpPr/>
         <p:nvPr/>
       </p:nvGrpSpPr>
@@ -952,7 +953,7 @@
       </p:grpSpPr>
       <p:sp>
         <p:nvSpPr>
-          <p:cNvPr id="353" name="Google Shape;353;g462b420985_0_223:notes"/>
+          <p:cNvPr id="308" name="Google Shape;308;g462b420985_0_182:notes"/>
           <p:cNvSpPr>
             <a:spLocks noGrp="1" noRot="1" noChangeAspect="1"/>
           </p:cNvSpPr>
@@ -993,7 +994,7 @@
       </p:sp>
       <p:sp>
         <p:nvSpPr>
-          <p:cNvPr id="354" name="Google Shape;354;g462b420985_0_223:notes"/>
+          <p:cNvPr id="309" name="Google Shape;309;g462b420985_0_182:notes"/>
           <p:cNvSpPr txBox="1">
             <a:spLocks noGrp="1"/>
           </p:cNvSpPr>
@@ -1042,7 +1043,7 @@
   <p:cSld>
     <p:spTree>
       <p:nvGrpSpPr>
-        <p:cNvPr id="1" name="Shape 397"/>
+        <p:cNvPr id="1" name="Shape 352"/>
         <p:cNvGrpSpPr/>
         <p:nvPr/>
       </p:nvGrpSpPr>
@@ -1056,7 +1057,7 @@
       </p:grpSpPr>
       <p:sp>
         <p:nvSpPr>
-          <p:cNvPr id="398" name="Google Shape;398;g462b420985_0_267:notes"/>
+          <p:cNvPr id="353" name="Google Shape;353;g462b420985_0_223:notes"/>
           <p:cNvSpPr>
             <a:spLocks noGrp="1" noRot="1" noChangeAspect="1"/>
           </p:cNvSpPr>
@@ -1097,7 +1098,7 @@
       </p:sp>
       <p:sp>
         <p:nvSpPr>
-          <p:cNvPr id="399" name="Google Shape;399;g462b420985_0_267:notes"/>
+          <p:cNvPr id="354" name="Google Shape;354;g462b420985_0_223:notes"/>
           <p:cNvSpPr txBox="1">
             <a:spLocks noGrp="1"/>
           </p:cNvSpPr>
@@ -1142,6 +1143,110 @@
 </file>
 
 <file path=ppt/notesSlides/notesSlide13.xml><?xml version="1.0" encoding="utf-8"?>
+<p:notes xmlns:a="http://schemas.openxmlformats.org/drawingml/2006/main" xmlns:r="http://schemas.openxmlformats.org/officeDocument/2006/relationships" xmlns:p="http://schemas.openxmlformats.org/presentationml/2006/main" showMasterSp="0" showMasterPhAnim="0">
+  <p:cSld>
+    <p:spTree>
+      <p:nvGrpSpPr>
+        <p:cNvPr id="1" name="Shape 397"/>
+        <p:cNvGrpSpPr/>
+        <p:nvPr/>
+      </p:nvGrpSpPr>
+      <p:grpSpPr>
+        <a:xfrm>
+          <a:off x="0" y="0"/>
+          <a:ext cx="0" cy="0"/>
+          <a:chOff x="0" y="0"/>
+          <a:chExt cx="0" cy="0"/>
+        </a:xfrm>
+      </p:grpSpPr>
+      <p:sp>
+        <p:nvSpPr>
+          <p:cNvPr id="398" name="Google Shape;398;g462b420985_0_267:notes"/>
+          <p:cNvSpPr>
+            <a:spLocks noGrp="1" noRot="1" noChangeAspect="1"/>
+          </p:cNvSpPr>
+          <p:nvPr>
+            <p:ph type="sldImg" idx="2"/>
+          </p:nvPr>
+        </p:nvSpPr>
+        <p:spPr>
+          <a:xfrm>
+            <a:off x="381300" y="685800"/>
+            <a:ext cx="6096000" cy="3429000"/>
+          </a:xfrm>
+          <a:custGeom>
+            <a:avLst/>
+            <a:gdLst/>
+            <a:ahLst/>
+            <a:cxnLst/>
+            <a:rect l="l" t="t" r="r" b="b"/>
+            <a:pathLst>
+              <a:path w="120000" h="120000" extrusionOk="0">
+                <a:moveTo>
+                  <a:pt x="0" y="0"/>
+                </a:moveTo>
+                <a:lnTo>
+                  <a:pt x="120000" y="0"/>
+                </a:lnTo>
+                <a:lnTo>
+                  <a:pt x="120000" y="120000"/>
+                </a:lnTo>
+                <a:lnTo>
+                  <a:pt x="0" y="120000"/>
+                </a:lnTo>
+                <a:close/>
+              </a:path>
+            </a:pathLst>
+          </a:custGeom>
+        </p:spPr>
+      </p:sp>
+      <p:sp>
+        <p:nvSpPr>
+          <p:cNvPr id="399" name="Google Shape;399;g462b420985_0_267:notes"/>
+          <p:cNvSpPr txBox="1">
+            <a:spLocks noGrp="1"/>
+          </p:cNvSpPr>
+          <p:nvPr>
+            <p:ph type="body" idx="1"/>
+          </p:nvPr>
+        </p:nvSpPr>
+        <p:spPr>
+          <a:xfrm>
+            <a:off x="685800" y="4343400"/>
+            <a:ext cx="5486400" cy="4114800"/>
+          </a:xfrm>
+          <a:prstGeom prst="rect">
+            <a:avLst/>
+          </a:prstGeom>
+        </p:spPr>
+        <p:txBody>
+          <a:bodyPr spcFirstLastPara="1" wrap="square" lIns="91425" tIns="91425" rIns="91425" bIns="91425" anchor="t" anchorCtr="0">
+            <a:noAutofit/>
+          </a:bodyPr>
+          <a:lstStyle/>
+          <a:p>
+            <a:pPr marL="0" lvl="0" indent="0" algn="l" rtl="0">
+              <a:spcBef>
+                <a:spcPts val="0"/>
+              </a:spcBef>
+              <a:spcAft>
+                <a:spcPts val="0"/>
+              </a:spcAft>
+              <a:buNone/>
+            </a:pPr>
+            <a:endParaRPr/>
+          </a:p>
+        </p:txBody>
+      </p:sp>
+    </p:spTree>
+  </p:cSld>
+  <p:clrMapOvr>
+    <a:masterClrMapping/>
+  </p:clrMapOvr>
+</p:notes>
+</file>
+
+<file path=ppt/notesSlides/notesSlide14.xml><?xml version="1.0" encoding="utf-8"?>
 <p:notes xmlns:a="http://schemas.openxmlformats.org/drawingml/2006/main" xmlns:r="http://schemas.openxmlformats.org/officeDocument/2006/relationships" xmlns:p="http://schemas.openxmlformats.org/presentationml/2006/main" showMasterSp="0" showMasterPhAnim="0">
   <p:cSld>
     <p:spTree>
@@ -1482,7 +1587,7 @@
         </p:nvSpPr>
         <p:spPr>
           <a:xfrm>
-            <a:off x="381300" y="685800"/>
+            <a:off x="381000" y="685800"/>
             <a:ext cx="6096000" cy="3429000"/>
           </a:xfrm>
           <a:custGeom>
@@ -1562,7 +1667,7 @@
   <p:cSld>
     <p:spTree>
       <p:nvGrpSpPr>
-        <p:cNvPr id="1" name="Shape 117"/>
+        <p:cNvPr id="1" name="Shape 97"/>
         <p:cNvGrpSpPr/>
         <p:nvPr/>
       </p:nvGrpSpPr>
@@ -1576,7 +1681,7 @@
       </p:grpSpPr>
       <p:sp>
         <p:nvSpPr>
-          <p:cNvPr id="118" name="Google Shape;118;g45e9c3bf19_0_73:notes"/>
+          <p:cNvPr id="98" name="Google Shape;98;g45e9c3bf19_0_59:notes"/>
           <p:cNvSpPr>
             <a:spLocks noGrp="1" noRot="1" noChangeAspect="1"/>
           </p:cNvSpPr>
@@ -1586,7 +1691,7 @@
         </p:nvSpPr>
         <p:spPr>
           <a:xfrm>
-            <a:off x="381300" y="685800"/>
+            <a:off x="381000" y="685800"/>
             <a:ext cx="6096000" cy="3429000"/>
           </a:xfrm>
           <a:custGeom>
@@ -1617,7 +1722,7 @@
       </p:sp>
       <p:sp>
         <p:nvSpPr>
-          <p:cNvPr id="119" name="Google Shape;119;g45e9c3bf19_0_73:notes"/>
+          <p:cNvPr id="99" name="Google Shape;99;g45e9c3bf19_0_59:notes"/>
           <p:cNvSpPr txBox="1">
             <a:spLocks noGrp="1"/>
           </p:cNvSpPr>
@@ -1654,6 +1759,11 @@
         </p:txBody>
       </p:sp>
     </p:spTree>
+    <p:extLst>
+      <p:ext uri="{BB962C8B-B14F-4D97-AF65-F5344CB8AC3E}">
+        <p14:creationId xmlns:p14="http://schemas.microsoft.com/office/powerpoint/2010/main" val="368302238"/>
+      </p:ext>
+    </p:extLst>
   </p:cSld>
   <p:clrMapOvr>
     <a:masterClrMapping/>
@@ -1666,7 +1776,7 @@
   <p:cSld>
     <p:spTree>
       <p:nvGrpSpPr>
-        <p:cNvPr id="1" name="Shape 142"/>
+        <p:cNvPr id="1" name="Shape 117"/>
         <p:cNvGrpSpPr/>
         <p:nvPr/>
       </p:nvGrpSpPr>
@@ -1680,7 +1790,7 @@
       </p:grpSpPr>
       <p:sp>
         <p:nvSpPr>
-          <p:cNvPr id="143" name="Google Shape;143;g462b420985_0_414:notes"/>
+          <p:cNvPr id="118" name="Google Shape;118;g45e9c3bf19_0_73:notes"/>
           <p:cNvSpPr>
             <a:spLocks noGrp="1" noRot="1" noChangeAspect="1"/>
           </p:cNvSpPr>
@@ -1721,7 +1831,7 @@
       </p:sp>
       <p:sp>
         <p:nvSpPr>
-          <p:cNvPr id="144" name="Google Shape;144;g462b420985_0_414:notes"/>
+          <p:cNvPr id="119" name="Google Shape;119;g45e9c3bf19_0_73:notes"/>
           <p:cNvSpPr txBox="1">
             <a:spLocks noGrp="1"/>
           </p:cNvSpPr>
@@ -1770,7 +1880,7 @@
   <p:cSld>
     <p:spTree>
       <p:nvGrpSpPr>
-        <p:cNvPr id="1" name="Shape 166"/>
+        <p:cNvPr id="1" name="Shape 142"/>
         <p:cNvGrpSpPr/>
         <p:nvPr/>
       </p:nvGrpSpPr>
@@ -1784,7 +1894,7 @@
       </p:grpSpPr>
       <p:sp>
         <p:nvSpPr>
-          <p:cNvPr id="167" name="Google Shape;167;g462b420985_0_24:notes"/>
+          <p:cNvPr id="143" name="Google Shape;143;g462b420985_0_414:notes"/>
           <p:cNvSpPr>
             <a:spLocks noGrp="1" noRot="1" noChangeAspect="1"/>
           </p:cNvSpPr>
@@ -1794,7 +1904,7 @@
         </p:nvSpPr>
         <p:spPr>
           <a:xfrm>
-            <a:off x="381300" y="685800"/>
+            <a:off x="381000" y="685800"/>
             <a:ext cx="6096000" cy="3429000"/>
           </a:xfrm>
           <a:custGeom>
@@ -1825,7 +1935,7 @@
       </p:sp>
       <p:sp>
         <p:nvSpPr>
-          <p:cNvPr id="168" name="Google Shape;168;g462b420985_0_24:notes"/>
+          <p:cNvPr id="144" name="Google Shape;144;g462b420985_0_414:notes"/>
           <p:cNvSpPr txBox="1">
             <a:spLocks noGrp="1"/>
           </p:cNvSpPr>
@@ -1874,7 +1984,7 @@
   <p:cSld>
     <p:spTree>
       <p:nvGrpSpPr>
-        <p:cNvPr id="1" name="Shape 203"/>
+        <p:cNvPr id="1" name="Shape 166"/>
         <p:cNvGrpSpPr/>
         <p:nvPr/>
       </p:nvGrpSpPr>
@@ -1888,7 +1998,7 @@
       </p:grpSpPr>
       <p:sp>
         <p:nvSpPr>
-          <p:cNvPr id="204" name="Google Shape;204;g462b420985_0_73:notes"/>
+          <p:cNvPr id="167" name="Google Shape;167;g462b420985_0_24:notes"/>
           <p:cNvSpPr>
             <a:spLocks noGrp="1" noRot="1" noChangeAspect="1"/>
           </p:cNvSpPr>
@@ -1929,7 +2039,7 @@
       </p:sp>
       <p:sp>
         <p:nvSpPr>
-          <p:cNvPr id="205" name="Google Shape;205;g462b420985_0_73:notes"/>
+          <p:cNvPr id="168" name="Google Shape;168;g462b420985_0_24:notes"/>
           <p:cNvSpPr txBox="1">
             <a:spLocks noGrp="1"/>
           </p:cNvSpPr>
@@ -1978,7 +2088,7 @@
   <p:cSld>
     <p:spTree>
       <p:nvGrpSpPr>
-        <p:cNvPr id="1" name="Shape 256"/>
+        <p:cNvPr id="1" name="Shape 203"/>
         <p:cNvGrpSpPr/>
         <p:nvPr/>
       </p:nvGrpSpPr>
@@ -1992,7 +2102,7 @@
       </p:grpSpPr>
       <p:sp>
         <p:nvSpPr>
-          <p:cNvPr id="257" name="Google Shape;257;g462b420985_0_132:notes"/>
+          <p:cNvPr id="204" name="Google Shape;204;g462b420985_0_73:notes"/>
           <p:cNvSpPr>
             <a:spLocks noGrp="1" noRot="1" noChangeAspect="1"/>
           </p:cNvSpPr>
@@ -2033,7 +2143,7 @@
       </p:sp>
       <p:sp>
         <p:nvSpPr>
-          <p:cNvPr id="258" name="Google Shape;258;g462b420985_0_132:notes"/>
+          <p:cNvPr id="205" name="Google Shape;205;g462b420985_0_73:notes"/>
           <p:cNvSpPr txBox="1">
             <a:spLocks noGrp="1"/>
           </p:cNvSpPr>
@@ -7575,7 +7685,7 @@
   <p:cSld>
     <p:spTree>
       <p:nvGrpSpPr>
-        <p:cNvPr id="1" name="Shape 310"/>
+        <p:cNvPr id="1" name="Shape 259"/>
         <p:cNvGrpSpPr/>
         <p:nvPr/>
       </p:nvGrpSpPr>
@@ -7589,7 +7699,7 @@
       </p:grpSpPr>
       <p:sp>
         <p:nvSpPr>
-          <p:cNvPr id="311" name="Google Shape;311;p22"/>
+          <p:cNvPr id="260" name="Google Shape;260;p21"/>
           <p:cNvSpPr/>
           <p:nvPr/>
         </p:nvSpPr>
@@ -7642,7 +7752,7 @@
       </p:sp>
       <p:sp>
         <p:nvSpPr>
-          <p:cNvPr id="312" name="Google Shape;312;p22"/>
+          <p:cNvPr id="261" name="Google Shape;261;p21"/>
           <p:cNvSpPr txBox="1"/>
           <p:nvPr/>
         </p:nvSpPr>
@@ -7692,7 +7802,7 @@
       </p:sp>
       <p:sp>
         <p:nvSpPr>
-          <p:cNvPr id="313" name="Google Shape;313;p22"/>
+          <p:cNvPr id="262" name="Google Shape;262;p21"/>
           <p:cNvSpPr txBox="1"/>
           <p:nvPr/>
         </p:nvSpPr>
@@ -7742,7 +7852,7 @@
       </p:sp>
       <p:sp>
         <p:nvSpPr>
-          <p:cNvPr id="314" name="Google Shape;314;p22"/>
+          <p:cNvPr id="263" name="Google Shape;263;p21"/>
           <p:cNvSpPr txBox="1"/>
           <p:nvPr/>
         </p:nvSpPr>
@@ -7792,7 +7902,7 @@
       </p:sp>
       <p:sp>
         <p:nvSpPr>
-          <p:cNvPr id="315" name="Google Shape;315;p22"/>
+          <p:cNvPr id="264" name="Google Shape;264;p21"/>
           <p:cNvSpPr txBox="1"/>
           <p:nvPr/>
         </p:nvSpPr>
@@ -7842,7 +7952,7 @@
       </p:sp>
       <p:sp>
         <p:nvSpPr>
-          <p:cNvPr id="316" name="Google Shape;316;p22"/>
+          <p:cNvPr id="265" name="Google Shape;265;p21"/>
           <p:cNvSpPr/>
           <p:nvPr/>
         </p:nvSpPr>
@@ -7895,7 +8005,7 @@
       </p:sp>
       <p:sp>
         <p:nvSpPr>
-          <p:cNvPr id="317" name="Google Shape;317;p22"/>
+          <p:cNvPr id="266" name="Google Shape;266;p21"/>
           <p:cNvSpPr/>
           <p:nvPr/>
         </p:nvSpPr>
@@ -7948,7 +8058,7 @@
       </p:sp>
       <p:sp>
         <p:nvSpPr>
-          <p:cNvPr id="318" name="Google Shape;318;p22"/>
+          <p:cNvPr id="267" name="Google Shape;267;p21"/>
           <p:cNvSpPr txBox="1"/>
           <p:nvPr/>
         </p:nvSpPr>
@@ -7998,7 +8108,7 @@
       </p:sp>
       <p:sp>
         <p:nvSpPr>
-          <p:cNvPr id="319" name="Google Shape;319;p22"/>
+          <p:cNvPr id="268" name="Google Shape;268;p21"/>
           <p:cNvSpPr txBox="1"/>
           <p:nvPr/>
         </p:nvSpPr>
@@ -8040,7 +8150,7 @@
       </p:sp>
       <p:sp>
         <p:nvSpPr>
-          <p:cNvPr id="320" name="Google Shape;320;p22"/>
+          <p:cNvPr id="269" name="Google Shape;269;p21"/>
           <p:cNvSpPr txBox="1"/>
           <p:nvPr/>
         </p:nvSpPr>
@@ -8082,7 +8192,7 @@
       </p:sp>
       <p:pic>
         <p:nvPicPr>
-          <p:cNvPr id="321" name="Google Shape;321;p22"/>
+          <p:cNvPr id="270" name="Google Shape;270;p21"/>
           <p:cNvPicPr preferRelativeResize="0"/>
           <p:nvPr/>
         </p:nvPicPr>
@@ -8110,7 +8220,7 @@
       </p:pic>
       <p:pic>
         <p:nvPicPr>
-          <p:cNvPr id="322" name="Google Shape;322;p22"/>
+          <p:cNvPr id="271" name="Google Shape;271;p21"/>
           <p:cNvPicPr preferRelativeResize="0"/>
           <p:nvPr/>
         </p:nvPicPr>
@@ -8138,7 +8248,7 @@
       </p:pic>
       <p:sp>
         <p:nvSpPr>
-          <p:cNvPr id="323" name="Google Shape;323;p22"/>
+          <p:cNvPr id="272" name="Google Shape;272;p21"/>
           <p:cNvSpPr/>
           <p:nvPr/>
         </p:nvSpPr>
@@ -8191,7 +8301,7 @@
       </p:sp>
       <p:sp>
         <p:nvSpPr>
-          <p:cNvPr id="324" name="Google Shape;324;p22"/>
+          <p:cNvPr id="273" name="Google Shape;273;p21"/>
           <p:cNvSpPr/>
           <p:nvPr/>
         </p:nvSpPr>
@@ -8244,7 +8354,7 @@
       </p:sp>
       <p:sp>
         <p:nvSpPr>
-          <p:cNvPr id="325" name="Google Shape;325;p22"/>
+          <p:cNvPr id="274" name="Google Shape;274;p21"/>
           <p:cNvSpPr txBox="1"/>
           <p:nvPr/>
         </p:nvSpPr>
@@ -8294,7 +8404,7 @@
       </p:sp>
       <p:sp>
         <p:nvSpPr>
-          <p:cNvPr id="326" name="Google Shape;326;p22"/>
+          <p:cNvPr id="275" name="Google Shape;275;p21"/>
           <p:cNvSpPr txBox="1"/>
           <p:nvPr/>
         </p:nvSpPr>
@@ -8336,7 +8446,7 @@
       </p:sp>
       <p:sp>
         <p:nvSpPr>
-          <p:cNvPr id="327" name="Google Shape;327;p22"/>
+          <p:cNvPr id="276" name="Google Shape;276;p21"/>
           <p:cNvSpPr txBox="1"/>
           <p:nvPr/>
         </p:nvSpPr>
@@ -8378,7 +8488,7 @@
       </p:sp>
       <p:pic>
         <p:nvPicPr>
-          <p:cNvPr id="328" name="Google Shape;328;p22"/>
+          <p:cNvPr id="277" name="Google Shape;277;p21"/>
           <p:cNvPicPr preferRelativeResize="0"/>
           <p:nvPr/>
         </p:nvPicPr>
@@ -8406,7 +8516,7 @@
       </p:pic>
       <p:pic>
         <p:nvPicPr>
-          <p:cNvPr id="329" name="Google Shape;329;p22"/>
+          <p:cNvPr id="278" name="Google Shape;278;p21"/>
           <p:cNvPicPr preferRelativeResize="0"/>
           <p:nvPr/>
         </p:nvPicPr>
@@ -8434,7 +8544,7 @@
       </p:pic>
       <p:pic>
         <p:nvPicPr>
-          <p:cNvPr id="330" name="Google Shape;330;p22"/>
+          <p:cNvPr id="279" name="Google Shape;279;p21"/>
           <p:cNvPicPr preferRelativeResize="0"/>
           <p:nvPr/>
         </p:nvPicPr>
@@ -8462,7 +8572,7 @@
       </p:pic>
       <p:pic>
         <p:nvPicPr>
-          <p:cNvPr id="331" name="Google Shape;331;p22"/>
+          <p:cNvPr id="280" name="Google Shape;280;p21"/>
           <p:cNvPicPr preferRelativeResize="0"/>
           <p:nvPr/>
         </p:nvPicPr>
@@ -8490,7 +8600,7 @@
       </p:pic>
       <p:sp>
         <p:nvSpPr>
-          <p:cNvPr id="332" name="Google Shape;332;p22"/>
+          <p:cNvPr id="281" name="Google Shape;281;p21"/>
           <p:cNvSpPr/>
           <p:nvPr/>
         </p:nvSpPr>
@@ -8555,7 +8665,7 @@
       </p:sp>
       <p:sp>
         <p:nvSpPr>
-          <p:cNvPr id="333" name="Google Shape;333;p22"/>
+          <p:cNvPr id="282" name="Google Shape;282;p21"/>
           <p:cNvSpPr/>
           <p:nvPr/>
         </p:nvSpPr>
@@ -8608,7 +8718,7 @@
       </p:sp>
       <p:sp>
         <p:nvSpPr>
-          <p:cNvPr id="334" name="Google Shape;334;p22"/>
+          <p:cNvPr id="283" name="Google Shape;283;p21"/>
           <p:cNvSpPr/>
           <p:nvPr/>
         </p:nvSpPr>
@@ -8661,7 +8771,7 @@
       </p:sp>
       <p:sp>
         <p:nvSpPr>
-          <p:cNvPr id="335" name="Google Shape;335;p22"/>
+          <p:cNvPr id="284" name="Google Shape;284;p21"/>
           <p:cNvSpPr txBox="1"/>
           <p:nvPr/>
         </p:nvSpPr>
@@ -8711,6 +8821,2188 @@
       </p:sp>
       <p:sp>
         <p:nvSpPr>
+          <p:cNvPr id="285" name="Google Shape;285;p21"/>
+          <p:cNvSpPr txBox="1"/>
+          <p:nvPr/>
+        </p:nvSpPr>
+        <p:spPr>
+          <a:xfrm>
+            <a:off x="1276025" y="1690300"/>
+            <a:ext cx="2203200" cy="327900"/>
+          </a:xfrm>
+          <a:prstGeom prst="rect">
+            <a:avLst/>
+          </a:prstGeom>
+          <a:noFill/>
+          <a:ln>
+            <a:noFill/>
+          </a:ln>
+        </p:spPr>
+        <p:txBody>
+          <a:bodyPr spcFirstLastPara="1" wrap="square" lIns="91425" tIns="91425" rIns="91425" bIns="91425" anchor="t" anchorCtr="0">
+            <a:noAutofit/>
+          </a:bodyPr>
+          <a:lstStyle/>
+          <a:p>
+            <a:pPr marL="0" lvl="0" indent="0" algn="r" rtl="1">
+              <a:spcBef>
+                <a:spcPts val="0"/>
+              </a:spcBef>
+              <a:spcAft>
+                <a:spcPts val="0"/>
+              </a:spcAft>
+              <a:buNone/>
+            </a:pPr>
+            <a:r>
+              <a:rPr lang="iw"/>
+              <a:t>פגישה א - 25.11.2018</a:t>
+            </a:r>
+            <a:endParaRPr/>
+          </a:p>
+        </p:txBody>
+      </p:sp>
+      <p:sp>
+        <p:nvSpPr>
+          <p:cNvPr id="286" name="Google Shape;286;p21"/>
+          <p:cNvSpPr txBox="1"/>
+          <p:nvPr/>
+        </p:nvSpPr>
+        <p:spPr>
+          <a:xfrm>
+            <a:off x="1315925" y="2184350"/>
+            <a:ext cx="2203200" cy="327900"/>
+          </a:xfrm>
+          <a:prstGeom prst="rect">
+            <a:avLst/>
+          </a:prstGeom>
+          <a:noFill/>
+          <a:ln>
+            <a:noFill/>
+          </a:ln>
+        </p:spPr>
+        <p:txBody>
+          <a:bodyPr spcFirstLastPara="1" wrap="square" lIns="91425" tIns="91425" rIns="91425" bIns="91425" anchor="t" anchorCtr="0">
+            <a:noAutofit/>
+          </a:bodyPr>
+          <a:lstStyle/>
+          <a:p>
+            <a:pPr marL="0" lvl="0" indent="0" algn="r" rtl="1">
+              <a:spcBef>
+                <a:spcPts val="0"/>
+              </a:spcBef>
+              <a:spcAft>
+                <a:spcPts val="0"/>
+              </a:spcAft>
+              <a:buNone/>
+            </a:pPr>
+            <a:r>
+              <a:rPr lang="iw"/>
+              <a:t> פגישה ב- 30.11.2018</a:t>
+            </a:r>
+            <a:endParaRPr/>
+          </a:p>
+        </p:txBody>
+      </p:sp>
+      <p:pic>
+        <p:nvPicPr>
+          <p:cNvPr id="287" name="Google Shape;287;p21"/>
+          <p:cNvPicPr preferRelativeResize="0"/>
+          <p:nvPr/>
+        </p:nvPicPr>
+        <p:blipFill>
+          <a:blip r:embed="rId4">
+            <a:alphaModFix/>
+          </a:blip>
+          <a:stretch>
+            <a:fillRect/>
+          </a:stretch>
+        </p:blipFill>
+        <p:spPr>
+          <a:xfrm>
+            <a:off x="631925" y="1772238"/>
+            <a:ext cx="227700" cy="146229"/>
+          </a:xfrm>
+          <a:prstGeom prst="rect">
+            <a:avLst/>
+          </a:prstGeom>
+          <a:noFill/>
+          <a:ln>
+            <a:noFill/>
+          </a:ln>
+        </p:spPr>
+      </p:pic>
+      <p:pic>
+        <p:nvPicPr>
+          <p:cNvPr id="288" name="Google Shape;288;p21"/>
+          <p:cNvPicPr preferRelativeResize="0"/>
+          <p:nvPr/>
+        </p:nvPicPr>
+        <p:blipFill>
+          <a:blip r:embed="rId4">
+            <a:alphaModFix/>
+          </a:blip>
+          <a:stretch>
+            <a:fillRect/>
+          </a:stretch>
+        </p:blipFill>
+        <p:spPr>
+          <a:xfrm>
+            <a:off x="631925" y="2275163"/>
+            <a:ext cx="227700" cy="146229"/>
+          </a:xfrm>
+          <a:prstGeom prst="rect">
+            <a:avLst/>
+          </a:prstGeom>
+          <a:noFill/>
+          <a:ln>
+            <a:noFill/>
+          </a:ln>
+        </p:spPr>
+      </p:pic>
+      <p:sp>
+        <p:nvSpPr>
+          <p:cNvPr id="289" name="Google Shape;289;p21"/>
+          <p:cNvSpPr/>
+          <p:nvPr/>
+        </p:nvSpPr>
+        <p:spPr>
+          <a:xfrm>
+            <a:off x="3895625" y="1755850"/>
+            <a:ext cx="293100" cy="312300"/>
+          </a:xfrm>
+          <a:prstGeom prst="mathMultiply">
+            <a:avLst>
+              <a:gd name="adj1" fmla="val 23520"/>
+            </a:avLst>
+          </a:prstGeom>
+          <a:solidFill>
+            <a:srgbClr val="FF0000"/>
+          </a:solidFill>
+          <a:ln w="9525" cap="flat" cmpd="sng">
+            <a:solidFill>
+              <a:schemeClr val="dk2"/>
+            </a:solidFill>
+            <a:prstDash val="solid"/>
+            <a:round/>
+            <a:headEnd type="none" w="sm" len="sm"/>
+            <a:tailEnd type="none" w="sm" len="sm"/>
+          </a:ln>
+        </p:spPr>
+        <p:txBody>
+          <a:bodyPr spcFirstLastPara="1" wrap="square" lIns="91425" tIns="91425" rIns="91425" bIns="91425" anchor="ctr" anchorCtr="0">
+            <a:noAutofit/>
+          </a:bodyPr>
+          <a:lstStyle/>
+          <a:p>
+            <a:pPr marL="0" lvl="0" indent="0" algn="l" rtl="0">
+              <a:spcBef>
+                <a:spcPts val="0"/>
+              </a:spcBef>
+              <a:spcAft>
+                <a:spcPts val="0"/>
+              </a:spcAft>
+              <a:buNone/>
+            </a:pPr>
+            <a:endParaRPr/>
+          </a:p>
+        </p:txBody>
+      </p:sp>
+      <p:sp>
+        <p:nvSpPr>
+          <p:cNvPr id="290" name="Google Shape;290;p21"/>
+          <p:cNvSpPr/>
+          <p:nvPr/>
+        </p:nvSpPr>
+        <p:spPr>
+          <a:xfrm>
+            <a:off x="3895625" y="2192150"/>
+            <a:ext cx="293100" cy="312300"/>
+          </a:xfrm>
+          <a:prstGeom prst="mathMultiply">
+            <a:avLst>
+              <a:gd name="adj1" fmla="val 23520"/>
+            </a:avLst>
+          </a:prstGeom>
+          <a:solidFill>
+            <a:srgbClr val="FF0000"/>
+          </a:solidFill>
+          <a:ln w="9525" cap="flat" cmpd="sng">
+            <a:solidFill>
+              <a:schemeClr val="dk2"/>
+            </a:solidFill>
+            <a:prstDash val="solid"/>
+            <a:round/>
+            <a:headEnd type="none" w="sm" len="sm"/>
+            <a:tailEnd type="none" w="sm" len="sm"/>
+          </a:ln>
+        </p:spPr>
+        <p:txBody>
+          <a:bodyPr spcFirstLastPara="1" wrap="square" lIns="91425" tIns="91425" rIns="91425" bIns="91425" anchor="ctr" anchorCtr="0">
+            <a:noAutofit/>
+          </a:bodyPr>
+          <a:lstStyle/>
+          <a:p>
+            <a:pPr marL="0" lvl="0" indent="0" algn="l" rtl="0">
+              <a:spcBef>
+                <a:spcPts val="0"/>
+              </a:spcBef>
+              <a:spcAft>
+                <a:spcPts val="0"/>
+              </a:spcAft>
+              <a:buNone/>
+            </a:pPr>
+            <a:endParaRPr/>
+          </a:p>
+        </p:txBody>
+      </p:sp>
+      <p:pic>
+        <p:nvPicPr>
+          <p:cNvPr id="291" name="Google Shape;291;p21"/>
+          <p:cNvPicPr preferRelativeResize="0"/>
+          <p:nvPr/>
+        </p:nvPicPr>
+        <p:blipFill>
+          <a:blip r:embed="rId6">
+            <a:alphaModFix/>
+          </a:blip>
+          <a:stretch>
+            <a:fillRect/>
+          </a:stretch>
+        </p:blipFill>
+        <p:spPr>
+          <a:xfrm>
+            <a:off x="3540871" y="2204725"/>
+            <a:ext cx="293100" cy="287118"/>
+          </a:xfrm>
+          <a:prstGeom prst="rect">
+            <a:avLst/>
+          </a:prstGeom>
+          <a:noFill/>
+          <a:ln>
+            <a:noFill/>
+          </a:ln>
+        </p:spPr>
+      </p:pic>
+      <p:pic>
+        <p:nvPicPr>
+          <p:cNvPr id="292" name="Google Shape;292;p21"/>
+          <p:cNvPicPr preferRelativeResize="0"/>
+          <p:nvPr/>
+        </p:nvPicPr>
+        <p:blipFill>
+          <a:blip r:embed="rId6">
+            <a:alphaModFix/>
+          </a:blip>
+          <a:stretch>
+            <a:fillRect/>
+          </a:stretch>
+        </p:blipFill>
+        <p:spPr>
+          <a:xfrm>
+            <a:off x="3540871" y="1755850"/>
+            <a:ext cx="293100" cy="287118"/>
+          </a:xfrm>
+          <a:prstGeom prst="rect">
+            <a:avLst/>
+          </a:prstGeom>
+          <a:noFill/>
+          <a:ln>
+            <a:noFill/>
+          </a:ln>
+        </p:spPr>
+      </p:pic>
+      <p:sp>
+        <p:nvSpPr>
+          <p:cNvPr id="293" name="Google Shape;293;p21"/>
+          <p:cNvSpPr/>
+          <p:nvPr/>
+        </p:nvSpPr>
+        <p:spPr>
+          <a:xfrm>
+            <a:off x="2542200" y="539775"/>
+            <a:ext cx="4059600" cy="4429800"/>
+          </a:xfrm>
+          <a:prstGeom prst="rect">
+            <a:avLst/>
+          </a:prstGeom>
+          <a:solidFill>
+            <a:srgbClr val="FFFFFF"/>
+          </a:solidFill>
+          <a:ln w="9525" cap="flat" cmpd="sng">
+            <a:solidFill>
+              <a:srgbClr val="FFFFFF"/>
+            </a:solidFill>
+            <a:prstDash val="solid"/>
+            <a:round/>
+            <a:headEnd type="none" w="sm" len="sm"/>
+            <a:tailEnd type="none" w="sm" len="sm"/>
+          </a:ln>
+          <a:effectLst>
+            <a:outerShdw blurRad="57150" dist="19050" dir="5400000" algn="bl" rotWithShape="0">
+              <a:srgbClr val="000000">
+                <a:alpha val="83000"/>
+              </a:srgbClr>
+            </a:outerShdw>
+          </a:effectLst>
+        </p:spPr>
+        <p:txBody>
+          <a:bodyPr spcFirstLastPara="1" wrap="square" lIns="91425" tIns="91425" rIns="91425" bIns="91425" anchor="ctr" anchorCtr="0">
+            <a:noAutofit/>
+          </a:bodyPr>
+          <a:lstStyle/>
+          <a:p>
+            <a:pPr marL="0" lvl="0" indent="0" algn="l" rtl="0">
+              <a:spcBef>
+                <a:spcPts val="0"/>
+              </a:spcBef>
+              <a:spcAft>
+                <a:spcPts val="0"/>
+              </a:spcAft>
+              <a:buNone/>
+            </a:pPr>
+            <a:endParaRPr/>
+          </a:p>
+        </p:txBody>
+      </p:sp>
+      <p:sp>
+        <p:nvSpPr>
+          <p:cNvPr id="294" name="Google Shape;294;p21"/>
+          <p:cNvSpPr/>
+          <p:nvPr/>
+        </p:nvSpPr>
+        <p:spPr>
+          <a:xfrm>
+            <a:off x="2542200" y="527175"/>
+            <a:ext cx="4059600" cy="639000"/>
+          </a:xfrm>
+          <a:prstGeom prst="rect">
+            <a:avLst/>
+          </a:prstGeom>
+          <a:solidFill>
+            <a:srgbClr val="CFD8DC"/>
+          </a:solidFill>
+          <a:ln w="9525" cap="flat" cmpd="sng">
+            <a:solidFill>
+              <a:srgbClr val="CFD8DC"/>
+            </a:solidFill>
+            <a:prstDash val="solid"/>
+            <a:round/>
+            <a:headEnd type="none" w="sm" len="sm"/>
+            <a:tailEnd type="none" w="sm" len="sm"/>
+          </a:ln>
+          <a:effectLst>
+            <a:outerShdw blurRad="57150" dist="19050" dir="5400000" algn="bl" rotWithShape="0">
+              <a:srgbClr val="000000">
+                <a:alpha val="50000"/>
+              </a:srgbClr>
+            </a:outerShdw>
+          </a:effectLst>
+        </p:spPr>
+        <p:txBody>
+          <a:bodyPr spcFirstLastPara="1" wrap="square" lIns="91425" tIns="91425" rIns="91425" bIns="91425" anchor="ctr" anchorCtr="0">
+            <a:noAutofit/>
+          </a:bodyPr>
+          <a:lstStyle/>
+          <a:p>
+            <a:pPr marL="0" lvl="0" indent="0" algn="l" rtl="0">
+              <a:spcBef>
+                <a:spcPts val="0"/>
+              </a:spcBef>
+              <a:spcAft>
+                <a:spcPts val="0"/>
+              </a:spcAft>
+              <a:buNone/>
+            </a:pPr>
+            <a:endParaRPr/>
+          </a:p>
+        </p:txBody>
+      </p:sp>
+      <p:sp>
+        <p:nvSpPr>
+          <p:cNvPr id="295" name="Google Shape;295;p21"/>
+          <p:cNvSpPr txBox="1"/>
+          <p:nvPr/>
+        </p:nvSpPr>
+        <p:spPr>
+          <a:xfrm>
+            <a:off x="4797750" y="644988"/>
+            <a:ext cx="1476000" cy="437400"/>
+          </a:xfrm>
+          <a:prstGeom prst="rect">
+            <a:avLst/>
+          </a:prstGeom>
+          <a:noFill/>
+          <a:ln>
+            <a:noFill/>
+          </a:ln>
+        </p:spPr>
+        <p:txBody>
+          <a:bodyPr spcFirstLastPara="1" wrap="square" lIns="91425" tIns="91425" rIns="91425" bIns="91425" anchor="t" anchorCtr="0">
+            <a:noAutofit/>
+          </a:bodyPr>
+          <a:lstStyle/>
+          <a:p>
+            <a:pPr marL="0" lvl="0" indent="0" algn="r" rtl="1">
+              <a:spcBef>
+                <a:spcPts val="0"/>
+              </a:spcBef>
+              <a:spcAft>
+                <a:spcPts val="0"/>
+              </a:spcAft>
+              <a:buNone/>
+            </a:pPr>
+            <a:r>
+              <a:rPr lang="iw" sz="1800" b="1">
+                <a:solidFill>
+                  <a:srgbClr val="FFFFFF"/>
+                </a:solidFill>
+              </a:rPr>
+              <a:t>עריכת פגישה</a:t>
+            </a:r>
+            <a:endParaRPr sz="1800" b="1">
+              <a:solidFill>
+                <a:srgbClr val="FFFFFF"/>
+              </a:solidFill>
+            </a:endParaRPr>
+          </a:p>
+        </p:txBody>
+      </p:sp>
+      <p:sp>
+        <p:nvSpPr>
+          <p:cNvPr id="296" name="Google Shape;296;p21"/>
+          <p:cNvSpPr/>
+          <p:nvPr/>
+        </p:nvSpPr>
+        <p:spPr>
+          <a:xfrm>
+            <a:off x="2993375" y="1938063"/>
+            <a:ext cx="3348600" cy="437400"/>
+          </a:xfrm>
+          <a:prstGeom prst="rect">
+            <a:avLst/>
+          </a:prstGeom>
+          <a:solidFill>
+            <a:srgbClr val="FFFFFF"/>
+          </a:solidFill>
+          <a:ln w="9525" cap="flat" cmpd="sng">
+            <a:solidFill>
+              <a:srgbClr val="B4D0E7"/>
+            </a:solidFill>
+            <a:prstDash val="solid"/>
+            <a:round/>
+            <a:headEnd type="none" w="sm" len="sm"/>
+            <a:tailEnd type="none" w="sm" len="sm"/>
+          </a:ln>
+        </p:spPr>
+        <p:txBody>
+          <a:bodyPr spcFirstLastPara="1" wrap="square" lIns="91425" tIns="91425" rIns="91425" bIns="91425" anchor="ctr" anchorCtr="0">
+            <a:noAutofit/>
+          </a:bodyPr>
+          <a:lstStyle/>
+          <a:p>
+            <a:pPr marL="0" lvl="0" indent="0" algn="l" rtl="0">
+              <a:spcBef>
+                <a:spcPts val="0"/>
+              </a:spcBef>
+              <a:spcAft>
+                <a:spcPts val="0"/>
+              </a:spcAft>
+              <a:buNone/>
+            </a:pPr>
+            <a:endParaRPr/>
+          </a:p>
+        </p:txBody>
+      </p:sp>
+      <p:sp>
+        <p:nvSpPr>
+          <p:cNvPr id="297" name="Google Shape;297;p21"/>
+          <p:cNvSpPr txBox="1"/>
+          <p:nvPr/>
+        </p:nvSpPr>
+        <p:spPr>
+          <a:xfrm>
+            <a:off x="3922725" y="1972375"/>
+            <a:ext cx="2351100" cy="437400"/>
+          </a:xfrm>
+          <a:prstGeom prst="rect">
+            <a:avLst/>
+          </a:prstGeom>
+          <a:noFill/>
+          <a:ln>
+            <a:noFill/>
+          </a:ln>
+        </p:spPr>
+        <p:txBody>
+          <a:bodyPr spcFirstLastPara="1" wrap="square" lIns="91425" tIns="91425" rIns="91425" bIns="91425" anchor="t" anchorCtr="0">
+            <a:noAutofit/>
+          </a:bodyPr>
+          <a:lstStyle/>
+          <a:p>
+            <a:pPr marL="0" lvl="0" indent="0" algn="r" rtl="1">
+              <a:spcBef>
+                <a:spcPts val="0"/>
+              </a:spcBef>
+              <a:spcAft>
+                <a:spcPts val="0"/>
+              </a:spcAft>
+              <a:buClr>
+                <a:schemeClr val="dk1"/>
+              </a:buClr>
+              <a:buSzPts val="1100"/>
+              <a:buFont typeface="Arial"/>
+              <a:buNone/>
+            </a:pPr>
+            <a:r>
+              <a:rPr lang="iw">
+                <a:solidFill>
+                  <a:srgbClr val="999999"/>
+                </a:solidFill>
+              </a:rPr>
+              <a:t>24.11.2018, 17:55</a:t>
+            </a:r>
+            <a:endParaRPr>
+              <a:solidFill>
+                <a:srgbClr val="999999"/>
+              </a:solidFill>
+            </a:endParaRPr>
+          </a:p>
+          <a:p>
+            <a:pPr marL="0" lvl="0" indent="0" algn="r" rtl="1">
+              <a:spcBef>
+                <a:spcPts val="0"/>
+              </a:spcBef>
+              <a:spcAft>
+                <a:spcPts val="0"/>
+              </a:spcAft>
+              <a:buNone/>
+            </a:pPr>
+            <a:endParaRPr>
+              <a:solidFill>
+                <a:srgbClr val="999999"/>
+              </a:solidFill>
+            </a:endParaRPr>
+          </a:p>
+        </p:txBody>
+      </p:sp>
+      <p:sp>
+        <p:nvSpPr>
+          <p:cNvPr id="298" name="Google Shape;298;p21"/>
+          <p:cNvSpPr/>
+          <p:nvPr/>
+        </p:nvSpPr>
+        <p:spPr>
+          <a:xfrm>
+            <a:off x="2993375" y="2535975"/>
+            <a:ext cx="3348600" cy="437400"/>
+          </a:xfrm>
+          <a:prstGeom prst="rect">
+            <a:avLst/>
+          </a:prstGeom>
+          <a:solidFill>
+            <a:srgbClr val="FFFFFF"/>
+          </a:solidFill>
+          <a:ln w="9525" cap="flat" cmpd="sng">
+            <a:solidFill>
+              <a:srgbClr val="B4D0E7"/>
+            </a:solidFill>
+            <a:prstDash val="solid"/>
+            <a:round/>
+            <a:headEnd type="none" w="sm" len="sm"/>
+            <a:tailEnd type="none" w="sm" len="sm"/>
+          </a:ln>
+        </p:spPr>
+        <p:txBody>
+          <a:bodyPr spcFirstLastPara="1" wrap="square" lIns="91425" tIns="91425" rIns="91425" bIns="91425" anchor="ctr" anchorCtr="0">
+            <a:noAutofit/>
+          </a:bodyPr>
+          <a:lstStyle/>
+          <a:p>
+            <a:pPr marL="0" lvl="0" indent="0" algn="l" rtl="0">
+              <a:spcBef>
+                <a:spcPts val="0"/>
+              </a:spcBef>
+              <a:spcAft>
+                <a:spcPts val="0"/>
+              </a:spcAft>
+              <a:buNone/>
+            </a:pPr>
+            <a:endParaRPr/>
+          </a:p>
+        </p:txBody>
+      </p:sp>
+      <p:sp>
+        <p:nvSpPr>
+          <p:cNvPr id="299" name="Google Shape;299;p21"/>
+          <p:cNvSpPr txBox="1"/>
+          <p:nvPr/>
+        </p:nvSpPr>
+        <p:spPr>
+          <a:xfrm>
+            <a:off x="3828875" y="2586225"/>
+            <a:ext cx="2513100" cy="437400"/>
+          </a:xfrm>
+          <a:prstGeom prst="rect">
+            <a:avLst/>
+          </a:prstGeom>
+          <a:noFill/>
+          <a:ln>
+            <a:noFill/>
+          </a:ln>
+        </p:spPr>
+        <p:txBody>
+          <a:bodyPr spcFirstLastPara="1" wrap="square" lIns="91425" tIns="91425" rIns="91425" bIns="91425" anchor="t" anchorCtr="0">
+            <a:noAutofit/>
+          </a:bodyPr>
+          <a:lstStyle/>
+          <a:p>
+            <a:pPr marL="0" lvl="0" indent="0" algn="r" rtl="1">
+              <a:spcBef>
+                <a:spcPts val="0"/>
+              </a:spcBef>
+              <a:spcAft>
+                <a:spcPts val="0"/>
+              </a:spcAft>
+              <a:buClr>
+                <a:schemeClr val="dk1"/>
+              </a:buClr>
+              <a:buSzPts val="1100"/>
+              <a:buFont typeface="Arial"/>
+              <a:buNone/>
+            </a:pPr>
+            <a:r>
+              <a:rPr lang="iw">
+                <a:solidFill>
+                  <a:srgbClr val="999999"/>
+                </a:solidFill>
+              </a:rPr>
+              <a:t>24.11.2018, 17:56</a:t>
+            </a:r>
+            <a:endParaRPr>
+              <a:solidFill>
+                <a:srgbClr val="999999"/>
+              </a:solidFill>
+            </a:endParaRPr>
+          </a:p>
+          <a:p>
+            <a:pPr marL="0" lvl="0" indent="0" algn="r" rtl="1">
+              <a:spcBef>
+                <a:spcPts val="0"/>
+              </a:spcBef>
+              <a:spcAft>
+                <a:spcPts val="0"/>
+              </a:spcAft>
+              <a:buNone/>
+            </a:pPr>
+            <a:endParaRPr>
+              <a:solidFill>
+                <a:srgbClr val="999999"/>
+              </a:solidFill>
+            </a:endParaRPr>
+          </a:p>
+        </p:txBody>
+      </p:sp>
+      <p:sp>
+        <p:nvSpPr>
+          <p:cNvPr id="300" name="Google Shape;300;p21"/>
+          <p:cNvSpPr/>
+          <p:nvPr/>
+        </p:nvSpPr>
+        <p:spPr>
+          <a:xfrm>
+            <a:off x="2993375" y="1340150"/>
+            <a:ext cx="3348600" cy="437400"/>
+          </a:xfrm>
+          <a:prstGeom prst="rect">
+            <a:avLst/>
+          </a:prstGeom>
+          <a:solidFill>
+            <a:srgbClr val="FFFFFF"/>
+          </a:solidFill>
+          <a:ln w="9525" cap="flat" cmpd="sng">
+            <a:solidFill>
+              <a:srgbClr val="B4D0E7"/>
+            </a:solidFill>
+            <a:prstDash val="solid"/>
+            <a:round/>
+            <a:headEnd type="none" w="sm" len="sm"/>
+            <a:tailEnd type="none" w="sm" len="sm"/>
+          </a:ln>
+        </p:spPr>
+        <p:txBody>
+          <a:bodyPr spcFirstLastPara="1" wrap="square" lIns="91425" tIns="91425" rIns="91425" bIns="91425" anchor="ctr" anchorCtr="0">
+            <a:noAutofit/>
+          </a:bodyPr>
+          <a:lstStyle/>
+          <a:p>
+            <a:pPr marL="0" lvl="0" indent="0" algn="l" rtl="0">
+              <a:spcBef>
+                <a:spcPts val="0"/>
+              </a:spcBef>
+              <a:spcAft>
+                <a:spcPts val="0"/>
+              </a:spcAft>
+              <a:buNone/>
+            </a:pPr>
+            <a:endParaRPr/>
+          </a:p>
+        </p:txBody>
+      </p:sp>
+      <p:sp>
+        <p:nvSpPr>
+          <p:cNvPr id="301" name="Google Shape;301;p21"/>
+          <p:cNvSpPr txBox="1"/>
+          <p:nvPr/>
+        </p:nvSpPr>
+        <p:spPr>
+          <a:xfrm>
+            <a:off x="4319100" y="1358525"/>
+            <a:ext cx="1954800" cy="437400"/>
+          </a:xfrm>
+          <a:prstGeom prst="rect">
+            <a:avLst/>
+          </a:prstGeom>
+          <a:noFill/>
+          <a:ln>
+            <a:noFill/>
+          </a:ln>
+        </p:spPr>
+        <p:txBody>
+          <a:bodyPr spcFirstLastPara="1" wrap="square" lIns="91425" tIns="91425" rIns="91425" bIns="91425" anchor="t" anchorCtr="0">
+            <a:noAutofit/>
+          </a:bodyPr>
+          <a:lstStyle/>
+          <a:p>
+            <a:pPr marL="0" lvl="0" indent="0" algn="r" rtl="1">
+              <a:spcBef>
+                <a:spcPts val="0"/>
+              </a:spcBef>
+              <a:spcAft>
+                <a:spcPts val="0"/>
+              </a:spcAft>
+              <a:buNone/>
+            </a:pPr>
+            <a:r>
+              <a:rPr lang="iw">
+                <a:solidFill>
+                  <a:srgbClr val="999999"/>
+                </a:solidFill>
+              </a:rPr>
+              <a:t>עושה חיים עם חיים</a:t>
+            </a:r>
+            <a:endParaRPr>
+              <a:solidFill>
+                <a:srgbClr val="999999"/>
+              </a:solidFill>
+            </a:endParaRPr>
+          </a:p>
+        </p:txBody>
+      </p:sp>
+      <p:sp>
+        <p:nvSpPr>
+          <p:cNvPr id="302" name="Google Shape;302;p21"/>
+          <p:cNvSpPr/>
+          <p:nvPr/>
+        </p:nvSpPr>
+        <p:spPr>
+          <a:xfrm>
+            <a:off x="5248475" y="4361800"/>
+            <a:ext cx="1093500" cy="437400"/>
+          </a:xfrm>
+          <a:prstGeom prst="rect">
+            <a:avLst/>
+          </a:prstGeom>
+          <a:solidFill>
+            <a:srgbClr val="B4D0E7"/>
+          </a:solidFill>
+          <a:ln w="9525" cap="flat" cmpd="sng">
+            <a:solidFill>
+              <a:srgbClr val="B4D0E7"/>
+            </a:solidFill>
+            <a:prstDash val="solid"/>
+            <a:round/>
+            <a:headEnd type="none" w="sm" len="sm"/>
+            <a:tailEnd type="none" w="sm" len="sm"/>
+          </a:ln>
+          <a:effectLst>
+            <a:outerShdw blurRad="57150" dist="19050" dir="5400000" algn="bl" rotWithShape="0">
+              <a:schemeClr val="dk1">
+                <a:alpha val="50000"/>
+              </a:schemeClr>
+            </a:outerShdw>
+          </a:effectLst>
+        </p:spPr>
+        <p:txBody>
+          <a:bodyPr spcFirstLastPara="1" wrap="square" lIns="91425" tIns="91425" rIns="91425" bIns="91425" anchor="ctr" anchorCtr="0">
+            <a:noAutofit/>
+          </a:bodyPr>
+          <a:lstStyle/>
+          <a:p>
+            <a:pPr marL="0" lvl="0" indent="0" algn="ctr" rtl="1">
+              <a:spcBef>
+                <a:spcPts val="0"/>
+              </a:spcBef>
+              <a:spcAft>
+                <a:spcPts val="0"/>
+              </a:spcAft>
+              <a:buNone/>
+            </a:pPr>
+            <a:r>
+              <a:rPr lang="iw">
+                <a:solidFill>
+                  <a:srgbClr val="FFFFFF"/>
+                </a:solidFill>
+              </a:rPr>
+              <a:t>שמור</a:t>
+            </a:r>
+            <a:endParaRPr>
+              <a:solidFill>
+                <a:srgbClr val="FFFFFF"/>
+              </a:solidFill>
+            </a:endParaRPr>
+          </a:p>
+        </p:txBody>
+      </p:sp>
+      <p:sp>
+        <p:nvSpPr>
+          <p:cNvPr id="303" name="Google Shape;303;p21"/>
+          <p:cNvSpPr/>
+          <p:nvPr/>
+        </p:nvSpPr>
+        <p:spPr>
+          <a:xfrm>
+            <a:off x="2993375" y="3154950"/>
+            <a:ext cx="3348600" cy="437400"/>
+          </a:xfrm>
+          <a:prstGeom prst="rect">
+            <a:avLst/>
+          </a:prstGeom>
+          <a:solidFill>
+            <a:srgbClr val="FFFFFF"/>
+          </a:solidFill>
+          <a:ln w="9525" cap="flat" cmpd="sng">
+            <a:solidFill>
+              <a:srgbClr val="B4D0E7"/>
+            </a:solidFill>
+            <a:prstDash val="solid"/>
+            <a:round/>
+            <a:headEnd type="none" w="sm" len="sm"/>
+            <a:tailEnd type="none" w="sm" len="sm"/>
+          </a:ln>
+        </p:spPr>
+        <p:txBody>
+          <a:bodyPr spcFirstLastPara="1" wrap="square" lIns="91425" tIns="91425" rIns="91425" bIns="91425" anchor="ctr" anchorCtr="0">
+            <a:noAutofit/>
+          </a:bodyPr>
+          <a:lstStyle/>
+          <a:p>
+            <a:pPr marL="0" lvl="0" indent="0" algn="l" rtl="0">
+              <a:spcBef>
+                <a:spcPts val="0"/>
+              </a:spcBef>
+              <a:spcAft>
+                <a:spcPts val="0"/>
+              </a:spcAft>
+              <a:buNone/>
+            </a:pPr>
+            <a:endParaRPr/>
+          </a:p>
+        </p:txBody>
+      </p:sp>
+      <p:sp>
+        <p:nvSpPr>
+          <p:cNvPr id="304" name="Google Shape;304;p21"/>
+          <p:cNvSpPr txBox="1"/>
+          <p:nvPr/>
+        </p:nvSpPr>
+        <p:spPr>
+          <a:xfrm>
+            <a:off x="4865675" y="3205188"/>
+            <a:ext cx="1476300" cy="437400"/>
+          </a:xfrm>
+          <a:prstGeom prst="rect">
+            <a:avLst/>
+          </a:prstGeom>
+          <a:noFill/>
+          <a:ln>
+            <a:noFill/>
+          </a:ln>
+        </p:spPr>
+        <p:txBody>
+          <a:bodyPr spcFirstLastPara="1" wrap="square" lIns="91425" tIns="91425" rIns="91425" bIns="91425" anchor="t" anchorCtr="0">
+            <a:noAutofit/>
+          </a:bodyPr>
+          <a:lstStyle/>
+          <a:p>
+            <a:pPr marL="0" lvl="0" indent="0" algn="r" rtl="1">
+              <a:spcBef>
+                <a:spcPts val="0"/>
+              </a:spcBef>
+              <a:spcAft>
+                <a:spcPts val="0"/>
+              </a:spcAft>
+              <a:buNone/>
+            </a:pPr>
+            <a:r>
+              <a:rPr lang="iw">
+                <a:solidFill>
+                  <a:srgbClr val="999999"/>
+                </a:solidFill>
+              </a:rPr>
+              <a:t>חיים כהן ואני</a:t>
+            </a:r>
+            <a:endParaRPr>
+              <a:solidFill>
+                <a:srgbClr val="999999"/>
+              </a:solidFill>
+            </a:endParaRPr>
+          </a:p>
+        </p:txBody>
+      </p:sp>
+      <p:sp>
+        <p:nvSpPr>
+          <p:cNvPr id="305" name="Google Shape;305;p21"/>
+          <p:cNvSpPr/>
+          <p:nvPr/>
+        </p:nvSpPr>
+        <p:spPr>
+          <a:xfrm>
+            <a:off x="2993375" y="3771363"/>
+            <a:ext cx="3348600" cy="437400"/>
+          </a:xfrm>
+          <a:prstGeom prst="rect">
+            <a:avLst/>
+          </a:prstGeom>
+          <a:solidFill>
+            <a:srgbClr val="FFFFFF"/>
+          </a:solidFill>
+          <a:ln w="9525" cap="flat" cmpd="sng">
+            <a:solidFill>
+              <a:srgbClr val="B4D0E7"/>
+            </a:solidFill>
+            <a:prstDash val="solid"/>
+            <a:round/>
+            <a:headEnd type="none" w="sm" len="sm"/>
+            <a:tailEnd type="none" w="sm" len="sm"/>
+          </a:ln>
+        </p:spPr>
+        <p:txBody>
+          <a:bodyPr spcFirstLastPara="1" wrap="square" lIns="91425" tIns="91425" rIns="91425" bIns="91425" anchor="ctr" anchorCtr="0">
+            <a:noAutofit/>
+          </a:bodyPr>
+          <a:lstStyle/>
+          <a:p>
+            <a:pPr marL="0" lvl="0" indent="0" algn="l" rtl="0">
+              <a:spcBef>
+                <a:spcPts val="0"/>
+              </a:spcBef>
+              <a:spcAft>
+                <a:spcPts val="0"/>
+              </a:spcAft>
+              <a:buNone/>
+            </a:pPr>
+            <a:endParaRPr/>
+          </a:p>
+        </p:txBody>
+      </p:sp>
+      <p:sp>
+        <p:nvSpPr>
+          <p:cNvPr id="306" name="Google Shape;306;p21"/>
+          <p:cNvSpPr txBox="1"/>
+          <p:nvPr/>
+        </p:nvSpPr>
+        <p:spPr>
+          <a:xfrm>
+            <a:off x="4865675" y="3821600"/>
+            <a:ext cx="1476300" cy="437400"/>
+          </a:xfrm>
+          <a:prstGeom prst="rect">
+            <a:avLst/>
+          </a:prstGeom>
+          <a:noFill/>
+          <a:ln>
+            <a:noFill/>
+          </a:ln>
+        </p:spPr>
+        <p:txBody>
+          <a:bodyPr spcFirstLastPara="1" wrap="square" lIns="91425" tIns="91425" rIns="91425" bIns="91425" anchor="t" anchorCtr="0">
+            <a:noAutofit/>
+          </a:bodyPr>
+          <a:lstStyle/>
+          <a:p>
+            <a:pPr marL="0" lvl="0" indent="0" algn="r" rtl="1">
+              <a:spcBef>
+                <a:spcPts val="0"/>
+              </a:spcBef>
+              <a:spcAft>
+                <a:spcPts val="0"/>
+              </a:spcAft>
+              <a:buNone/>
+            </a:pPr>
+            <a:r>
+              <a:rPr lang="iw">
+                <a:solidFill>
+                  <a:srgbClr val="999999"/>
+                </a:solidFill>
+              </a:rPr>
+              <a:t>הקפה של חיים</a:t>
+            </a:r>
+            <a:endParaRPr>
+              <a:solidFill>
+                <a:srgbClr val="999999"/>
+              </a:solidFill>
+            </a:endParaRPr>
+          </a:p>
+        </p:txBody>
+      </p:sp>
+    </p:spTree>
+  </p:cSld>
+  <p:clrMapOvr>
+    <a:masterClrMapping/>
+  </p:clrMapOvr>
+</p:sld>
+</file>
+
+<file path=ppt/slides/slide11.xml><?xml version="1.0" encoding="utf-8"?>
+<p:sld xmlns:a="http://schemas.openxmlformats.org/drawingml/2006/main" xmlns:r="http://schemas.openxmlformats.org/officeDocument/2006/relationships" xmlns:p="http://schemas.openxmlformats.org/presentationml/2006/main">
+  <p:cSld>
+    <p:spTree>
+      <p:nvGrpSpPr>
+        <p:cNvPr id="1" name="Shape 310"/>
+        <p:cNvGrpSpPr/>
+        <p:nvPr/>
+      </p:nvGrpSpPr>
+      <p:grpSpPr>
+        <a:xfrm>
+          <a:off x="0" y="0"/>
+          <a:ext cx="0" cy="0"/>
+          <a:chOff x="0" y="0"/>
+          <a:chExt cx="0" cy="0"/>
+        </a:xfrm>
+      </p:grpSpPr>
+      <p:sp>
+        <p:nvSpPr>
+          <p:cNvPr id="311" name="Google Shape;311;p22"/>
+          <p:cNvSpPr/>
+          <p:nvPr/>
+        </p:nvSpPr>
+        <p:spPr>
+          <a:xfrm>
+            <a:off x="0" y="0"/>
+            <a:ext cx="9144000" cy="583200"/>
+          </a:xfrm>
+          <a:prstGeom prst="rect">
+            <a:avLst/>
+          </a:prstGeom>
+          <a:solidFill>
+            <a:srgbClr val="B4D0E7"/>
+          </a:solidFill>
+          <a:ln w="9525" cap="flat" cmpd="sng">
+            <a:solidFill>
+              <a:srgbClr val="B4D0E7"/>
+            </a:solidFill>
+            <a:prstDash val="solid"/>
+            <a:round/>
+            <a:headEnd type="none" w="sm" len="sm"/>
+            <a:tailEnd type="none" w="sm" len="sm"/>
+          </a:ln>
+          <a:effectLst>
+            <a:outerShdw blurRad="57150" dist="19050" dir="5400000" algn="bl" rotWithShape="0">
+              <a:schemeClr val="dk1">
+                <a:alpha val="50000"/>
+              </a:schemeClr>
+            </a:outerShdw>
+          </a:effectLst>
+        </p:spPr>
+        <p:txBody>
+          <a:bodyPr spcFirstLastPara="1" wrap="square" lIns="91425" tIns="91425" rIns="91425" bIns="91425" anchor="ctr" anchorCtr="0">
+            <a:noAutofit/>
+          </a:bodyPr>
+          <a:lstStyle/>
+          <a:p>
+            <a:pPr marL="0" lvl="0" indent="0" algn="l" rtl="0">
+              <a:spcBef>
+                <a:spcPts val="0"/>
+              </a:spcBef>
+              <a:spcAft>
+                <a:spcPts val="0"/>
+              </a:spcAft>
+              <a:buNone/>
+            </a:pPr>
+            <a:endParaRPr/>
+          </a:p>
+        </p:txBody>
+      </p:sp>
+      <p:sp>
+        <p:nvSpPr>
+          <p:cNvPr id="312" name="Google Shape;312;p22"/>
+          <p:cNvSpPr txBox="1"/>
+          <p:nvPr/>
+        </p:nvSpPr>
+        <p:spPr>
+          <a:xfrm>
+            <a:off x="8119250" y="120750"/>
+            <a:ext cx="970500" cy="341700"/>
+          </a:xfrm>
+          <a:prstGeom prst="rect">
+            <a:avLst/>
+          </a:prstGeom>
+          <a:noFill/>
+          <a:ln>
+            <a:noFill/>
+          </a:ln>
+        </p:spPr>
+        <p:txBody>
+          <a:bodyPr spcFirstLastPara="1" wrap="square" lIns="91425" tIns="91425" rIns="91425" bIns="91425" anchor="t" anchorCtr="0">
+            <a:noAutofit/>
+          </a:bodyPr>
+          <a:lstStyle/>
+          <a:p>
+            <a:pPr marL="0" lvl="0" indent="0" algn="r" rtl="0">
+              <a:spcBef>
+                <a:spcPts val="0"/>
+              </a:spcBef>
+              <a:spcAft>
+                <a:spcPts val="0"/>
+              </a:spcAft>
+              <a:buNone/>
+            </a:pPr>
+            <a:r>
+              <a:rPr lang="iw">
+                <a:solidFill>
+                  <a:srgbClr val="FFFFFF"/>
+                </a:solidFill>
+              </a:rPr>
+              <a:t>WeMeet</a:t>
+            </a:r>
+            <a:endParaRPr>
+              <a:solidFill>
+                <a:srgbClr val="FFFFFF"/>
+              </a:solidFill>
+            </a:endParaRPr>
+          </a:p>
+        </p:txBody>
+      </p:sp>
+      <p:sp>
+        <p:nvSpPr>
+          <p:cNvPr id="313" name="Google Shape;313;p22"/>
+          <p:cNvSpPr txBox="1"/>
+          <p:nvPr/>
+        </p:nvSpPr>
+        <p:spPr>
+          <a:xfrm>
+            <a:off x="7039250" y="127650"/>
+            <a:ext cx="1080000" cy="327900"/>
+          </a:xfrm>
+          <a:prstGeom prst="rect">
+            <a:avLst/>
+          </a:prstGeom>
+          <a:noFill/>
+          <a:ln>
+            <a:noFill/>
+          </a:ln>
+        </p:spPr>
+        <p:txBody>
+          <a:bodyPr spcFirstLastPara="1" wrap="square" lIns="91425" tIns="91425" rIns="91425" bIns="91425" anchor="t" anchorCtr="0">
+            <a:noAutofit/>
+          </a:bodyPr>
+          <a:lstStyle/>
+          <a:p>
+            <a:pPr marL="0" lvl="0" indent="0" algn="r" rtl="1">
+              <a:spcBef>
+                <a:spcPts val="0"/>
+              </a:spcBef>
+              <a:spcAft>
+                <a:spcPts val="0"/>
+              </a:spcAft>
+              <a:buNone/>
+            </a:pPr>
+            <a:r>
+              <a:rPr lang="iw">
+                <a:solidFill>
+                  <a:srgbClr val="FFFFFF"/>
+                </a:solidFill>
+              </a:rPr>
+              <a:t>אזור אישי</a:t>
+            </a:r>
+            <a:endParaRPr>
+              <a:solidFill>
+                <a:srgbClr val="FFFFFF"/>
+              </a:solidFill>
+            </a:endParaRPr>
+          </a:p>
+        </p:txBody>
+      </p:sp>
+      <p:sp>
+        <p:nvSpPr>
+          <p:cNvPr id="314" name="Google Shape;314;p22"/>
+          <p:cNvSpPr txBox="1"/>
+          <p:nvPr/>
+        </p:nvSpPr>
+        <p:spPr>
+          <a:xfrm>
+            <a:off x="5781600" y="127650"/>
+            <a:ext cx="1476000" cy="327900"/>
+          </a:xfrm>
+          <a:prstGeom prst="rect">
+            <a:avLst/>
+          </a:prstGeom>
+          <a:noFill/>
+          <a:ln>
+            <a:noFill/>
+          </a:ln>
+        </p:spPr>
+        <p:txBody>
+          <a:bodyPr spcFirstLastPara="1" wrap="square" lIns="91425" tIns="91425" rIns="91425" bIns="91425" anchor="t" anchorCtr="0">
+            <a:noAutofit/>
+          </a:bodyPr>
+          <a:lstStyle/>
+          <a:p>
+            <a:pPr marL="0" lvl="0" indent="0" algn="r" rtl="1">
+              <a:spcBef>
+                <a:spcPts val="0"/>
+              </a:spcBef>
+              <a:spcAft>
+                <a:spcPts val="0"/>
+              </a:spcAft>
+              <a:buNone/>
+            </a:pPr>
+            <a:r>
+              <a:rPr lang="iw">
+                <a:solidFill>
+                  <a:srgbClr val="FFFFFF"/>
+                </a:solidFill>
+              </a:rPr>
+              <a:t>פגישה חדשה</a:t>
+            </a:r>
+            <a:endParaRPr>
+              <a:solidFill>
+                <a:srgbClr val="FFFFFF"/>
+              </a:solidFill>
+            </a:endParaRPr>
+          </a:p>
+        </p:txBody>
+      </p:sp>
+      <p:sp>
+        <p:nvSpPr>
+          <p:cNvPr id="315" name="Google Shape;315;p22"/>
+          <p:cNvSpPr txBox="1"/>
+          <p:nvPr/>
+        </p:nvSpPr>
+        <p:spPr>
+          <a:xfrm>
+            <a:off x="314375" y="127650"/>
+            <a:ext cx="862800" cy="327900"/>
+          </a:xfrm>
+          <a:prstGeom prst="rect">
+            <a:avLst/>
+          </a:prstGeom>
+          <a:noFill/>
+          <a:ln>
+            <a:noFill/>
+          </a:ln>
+        </p:spPr>
+        <p:txBody>
+          <a:bodyPr spcFirstLastPara="1" wrap="square" lIns="91425" tIns="91425" rIns="91425" bIns="91425" anchor="t" anchorCtr="0">
+            <a:noAutofit/>
+          </a:bodyPr>
+          <a:lstStyle/>
+          <a:p>
+            <a:pPr marL="0" lvl="0" indent="0" algn="r" rtl="1">
+              <a:spcBef>
+                <a:spcPts val="0"/>
+              </a:spcBef>
+              <a:spcAft>
+                <a:spcPts val="0"/>
+              </a:spcAft>
+              <a:buNone/>
+            </a:pPr>
+            <a:r>
+              <a:rPr lang="iw">
+                <a:solidFill>
+                  <a:srgbClr val="FFFFFF"/>
+                </a:solidFill>
+              </a:rPr>
+              <a:t>התנתק</a:t>
+            </a:r>
+            <a:endParaRPr>
+              <a:solidFill>
+                <a:srgbClr val="FFFFFF"/>
+              </a:solidFill>
+            </a:endParaRPr>
+          </a:p>
+        </p:txBody>
+      </p:sp>
+      <p:sp>
+        <p:nvSpPr>
+          <p:cNvPr id="316" name="Google Shape;316;p22"/>
+          <p:cNvSpPr/>
+          <p:nvPr/>
+        </p:nvSpPr>
+        <p:spPr>
+          <a:xfrm>
+            <a:off x="5709175" y="890750"/>
+            <a:ext cx="3143400" cy="1769700"/>
+          </a:xfrm>
+          <a:prstGeom prst="rect">
+            <a:avLst/>
+          </a:prstGeom>
+          <a:solidFill>
+            <a:srgbClr val="FFFFFF"/>
+          </a:solidFill>
+          <a:ln w="9525" cap="flat" cmpd="sng">
+            <a:solidFill>
+              <a:srgbClr val="FFFFFF"/>
+            </a:solidFill>
+            <a:prstDash val="solid"/>
+            <a:round/>
+            <a:headEnd type="none" w="sm" len="sm"/>
+            <a:tailEnd type="none" w="sm" len="sm"/>
+          </a:ln>
+          <a:effectLst>
+            <a:outerShdw blurRad="57150" dist="19050" dir="5400000" algn="bl" rotWithShape="0">
+              <a:srgbClr val="000000">
+                <a:alpha val="50000"/>
+              </a:srgbClr>
+            </a:outerShdw>
+          </a:effectLst>
+        </p:spPr>
+        <p:txBody>
+          <a:bodyPr spcFirstLastPara="1" wrap="square" lIns="91425" tIns="91425" rIns="91425" bIns="91425" anchor="ctr" anchorCtr="0">
+            <a:noAutofit/>
+          </a:bodyPr>
+          <a:lstStyle/>
+          <a:p>
+            <a:pPr marL="0" lvl="0" indent="0" algn="l" rtl="0">
+              <a:spcBef>
+                <a:spcPts val="0"/>
+              </a:spcBef>
+              <a:spcAft>
+                <a:spcPts val="0"/>
+              </a:spcAft>
+              <a:buNone/>
+            </a:pPr>
+            <a:endParaRPr/>
+          </a:p>
+        </p:txBody>
+      </p:sp>
+      <p:sp>
+        <p:nvSpPr>
+          <p:cNvPr id="317" name="Google Shape;317;p22"/>
+          <p:cNvSpPr/>
+          <p:nvPr/>
+        </p:nvSpPr>
+        <p:spPr>
+          <a:xfrm>
+            <a:off x="5709175" y="890750"/>
+            <a:ext cx="3143400" cy="492000"/>
+          </a:xfrm>
+          <a:prstGeom prst="rect">
+            <a:avLst/>
+          </a:prstGeom>
+          <a:solidFill>
+            <a:srgbClr val="CFD8DC"/>
+          </a:solidFill>
+          <a:ln w="9525" cap="flat" cmpd="sng">
+            <a:solidFill>
+              <a:srgbClr val="CFD8DC"/>
+            </a:solidFill>
+            <a:prstDash val="solid"/>
+            <a:round/>
+            <a:headEnd type="none" w="sm" len="sm"/>
+            <a:tailEnd type="none" w="sm" len="sm"/>
+          </a:ln>
+          <a:effectLst>
+            <a:outerShdw blurRad="57150" dist="19050" dir="5400000" algn="bl" rotWithShape="0">
+              <a:srgbClr val="000000">
+                <a:alpha val="50000"/>
+              </a:srgbClr>
+            </a:outerShdw>
+          </a:effectLst>
+        </p:spPr>
+        <p:txBody>
+          <a:bodyPr spcFirstLastPara="1" wrap="square" lIns="91425" tIns="91425" rIns="91425" bIns="91425" anchor="ctr" anchorCtr="0">
+            <a:noAutofit/>
+          </a:bodyPr>
+          <a:lstStyle/>
+          <a:p>
+            <a:pPr marL="0" lvl="0" indent="0" algn="l" rtl="0">
+              <a:spcBef>
+                <a:spcPts val="0"/>
+              </a:spcBef>
+              <a:spcAft>
+                <a:spcPts val="0"/>
+              </a:spcAft>
+              <a:buNone/>
+            </a:pPr>
+            <a:endParaRPr/>
+          </a:p>
+        </p:txBody>
+      </p:sp>
+      <p:sp>
+        <p:nvSpPr>
+          <p:cNvPr id="318" name="Google Shape;318;p22"/>
+          <p:cNvSpPr txBox="1"/>
+          <p:nvPr/>
+        </p:nvSpPr>
+        <p:spPr>
+          <a:xfrm>
+            <a:off x="5709175" y="890750"/>
+            <a:ext cx="3143400" cy="492000"/>
+          </a:xfrm>
+          <a:prstGeom prst="rect">
+            <a:avLst/>
+          </a:prstGeom>
+          <a:noFill/>
+          <a:ln>
+            <a:noFill/>
+          </a:ln>
+        </p:spPr>
+        <p:txBody>
+          <a:bodyPr spcFirstLastPara="1" wrap="square" lIns="91425" tIns="91425" rIns="91425" bIns="91425" anchor="ctr" anchorCtr="0">
+            <a:noAutofit/>
+          </a:bodyPr>
+          <a:lstStyle/>
+          <a:p>
+            <a:pPr marL="0" lvl="0" indent="0" algn="r" rtl="1">
+              <a:spcBef>
+                <a:spcPts val="0"/>
+              </a:spcBef>
+              <a:spcAft>
+                <a:spcPts val="0"/>
+              </a:spcAft>
+              <a:buNone/>
+            </a:pPr>
+            <a:r>
+              <a:rPr lang="iw" sz="1800">
+                <a:solidFill>
+                  <a:srgbClr val="FFFFFF"/>
+                </a:solidFill>
+              </a:rPr>
+              <a:t>הפגישות שלי</a:t>
+            </a:r>
+            <a:endParaRPr sz="1800">
+              <a:solidFill>
+                <a:srgbClr val="FFFFFF"/>
+              </a:solidFill>
+            </a:endParaRPr>
+          </a:p>
+        </p:txBody>
+      </p:sp>
+      <p:sp>
+        <p:nvSpPr>
+          <p:cNvPr id="319" name="Google Shape;319;p22"/>
+          <p:cNvSpPr txBox="1"/>
+          <p:nvPr/>
+        </p:nvSpPr>
+        <p:spPr>
+          <a:xfrm>
+            <a:off x="5709175" y="1574150"/>
+            <a:ext cx="3143400" cy="327900"/>
+          </a:xfrm>
+          <a:prstGeom prst="rect">
+            <a:avLst/>
+          </a:prstGeom>
+          <a:noFill/>
+          <a:ln>
+            <a:noFill/>
+          </a:ln>
+        </p:spPr>
+        <p:txBody>
+          <a:bodyPr spcFirstLastPara="1" wrap="square" lIns="91425" tIns="91425" rIns="91425" bIns="91425" anchor="t" anchorCtr="0">
+            <a:noAutofit/>
+          </a:bodyPr>
+          <a:lstStyle/>
+          <a:p>
+            <a:pPr marL="0" lvl="0" indent="0" algn="r" rtl="1">
+              <a:spcBef>
+                <a:spcPts val="0"/>
+              </a:spcBef>
+              <a:spcAft>
+                <a:spcPts val="0"/>
+              </a:spcAft>
+              <a:buNone/>
+            </a:pPr>
+            <a:r>
+              <a:rPr lang="iw"/>
+              <a:t>עושה חיים עם חיים - 25.11.2018</a:t>
+            </a:r>
+            <a:endParaRPr/>
+          </a:p>
+        </p:txBody>
+      </p:sp>
+      <p:sp>
+        <p:nvSpPr>
+          <p:cNvPr id="320" name="Google Shape;320;p22"/>
+          <p:cNvSpPr txBox="1"/>
+          <p:nvPr/>
+        </p:nvSpPr>
+        <p:spPr>
+          <a:xfrm>
+            <a:off x="5709175" y="1956800"/>
+            <a:ext cx="3143400" cy="327900"/>
+          </a:xfrm>
+          <a:prstGeom prst="rect">
+            <a:avLst/>
+          </a:prstGeom>
+          <a:noFill/>
+          <a:ln>
+            <a:noFill/>
+          </a:ln>
+        </p:spPr>
+        <p:txBody>
+          <a:bodyPr spcFirstLastPara="1" wrap="square" lIns="91425" tIns="91425" rIns="91425" bIns="91425" anchor="t" anchorCtr="0">
+            <a:noAutofit/>
+          </a:bodyPr>
+          <a:lstStyle/>
+          <a:p>
+            <a:pPr marL="0" lvl="0" indent="0" algn="r" rtl="1">
+              <a:spcBef>
+                <a:spcPts val="0"/>
+              </a:spcBef>
+              <a:spcAft>
+                <a:spcPts val="0"/>
+              </a:spcAft>
+              <a:buNone/>
+            </a:pPr>
+            <a:r>
+              <a:rPr lang="iw"/>
+              <a:t>פגישת פרויקט- 21.11.2018</a:t>
+            </a:r>
+            <a:endParaRPr/>
+          </a:p>
+        </p:txBody>
+      </p:sp>
+      <p:pic>
+        <p:nvPicPr>
+          <p:cNvPr id="321" name="Google Shape;321;p22"/>
+          <p:cNvPicPr preferRelativeResize="0"/>
+          <p:nvPr/>
+        </p:nvPicPr>
+        <p:blipFill>
+          <a:blip r:embed="rId3">
+            <a:alphaModFix/>
+          </a:blip>
+          <a:stretch>
+            <a:fillRect/>
+          </a:stretch>
+        </p:blipFill>
+        <p:spPr>
+          <a:xfrm>
+            <a:off x="5713800" y="2093450"/>
+            <a:ext cx="227700" cy="182150"/>
+          </a:xfrm>
+          <a:prstGeom prst="rect">
+            <a:avLst/>
+          </a:prstGeom>
+          <a:noFill/>
+          <a:ln>
+            <a:noFill/>
+          </a:ln>
+        </p:spPr>
+      </p:pic>
+      <p:pic>
+        <p:nvPicPr>
+          <p:cNvPr id="322" name="Google Shape;322;p22"/>
+          <p:cNvPicPr preferRelativeResize="0"/>
+          <p:nvPr/>
+        </p:nvPicPr>
+        <p:blipFill>
+          <a:blip r:embed="rId4">
+            <a:alphaModFix/>
+          </a:blip>
+          <a:stretch>
+            <a:fillRect/>
+          </a:stretch>
+        </p:blipFill>
+        <p:spPr>
+          <a:xfrm>
+            <a:off x="5713800" y="1755825"/>
+            <a:ext cx="227700" cy="146229"/>
+          </a:xfrm>
+          <a:prstGeom prst="rect">
+            <a:avLst/>
+          </a:prstGeom>
+          <a:noFill/>
+          <a:ln>
+            <a:noFill/>
+          </a:ln>
+        </p:spPr>
+      </p:pic>
+      <p:sp>
+        <p:nvSpPr>
+          <p:cNvPr id="323" name="Google Shape;323;p22"/>
+          <p:cNvSpPr/>
+          <p:nvPr/>
+        </p:nvSpPr>
+        <p:spPr>
+          <a:xfrm>
+            <a:off x="5709175" y="2858750"/>
+            <a:ext cx="3143400" cy="2133600"/>
+          </a:xfrm>
+          <a:prstGeom prst="rect">
+            <a:avLst/>
+          </a:prstGeom>
+          <a:solidFill>
+            <a:srgbClr val="FFFFFF"/>
+          </a:solidFill>
+          <a:ln w="9525" cap="flat" cmpd="sng">
+            <a:solidFill>
+              <a:srgbClr val="FFFFFF"/>
+            </a:solidFill>
+            <a:prstDash val="solid"/>
+            <a:round/>
+            <a:headEnd type="none" w="sm" len="sm"/>
+            <a:tailEnd type="none" w="sm" len="sm"/>
+          </a:ln>
+          <a:effectLst>
+            <a:outerShdw blurRad="57150" dist="19050" dir="5400000" algn="bl" rotWithShape="0">
+              <a:srgbClr val="000000">
+                <a:alpha val="50000"/>
+              </a:srgbClr>
+            </a:outerShdw>
+          </a:effectLst>
+        </p:spPr>
+        <p:txBody>
+          <a:bodyPr spcFirstLastPara="1" wrap="square" lIns="91425" tIns="91425" rIns="91425" bIns="91425" anchor="ctr" anchorCtr="0">
+            <a:noAutofit/>
+          </a:bodyPr>
+          <a:lstStyle/>
+          <a:p>
+            <a:pPr marL="0" lvl="0" indent="0" algn="l" rtl="0">
+              <a:spcBef>
+                <a:spcPts val="0"/>
+              </a:spcBef>
+              <a:spcAft>
+                <a:spcPts val="0"/>
+              </a:spcAft>
+              <a:buNone/>
+            </a:pPr>
+            <a:endParaRPr/>
+          </a:p>
+        </p:txBody>
+      </p:sp>
+      <p:sp>
+        <p:nvSpPr>
+          <p:cNvPr id="324" name="Google Shape;324;p22"/>
+          <p:cNvSpPr/>
+          <p:nvPr/>
+        </p:nvSpPr>
+        <p:spPr>
+          <a:xfrm>
+            <a:off x="5709175" y="2858750"/>
+            <a:ext cx="3143400" cy="519000"/>
+          </a:xfrm>
+          <a:prstGeom prst="rect">
+            <a:avLst/>
+          </a:prstGeom>
+          <a:solidFill>
+            <a:srgbClr val="CFD8DC"/>
+          </a:solidFill>
+          <a:ln w="9525" cap="flat" cmpd="sng">
+            <a:solidFill>
+              <a:srgbClr val="CFD8DC"/>
+            </a:solidFill>
+            <a:prstDash val="solid"/>
+            <a:round/>
+            <a:headEnd type="none" w="sm" len="sm"/>
+            <a:tailEnd type="none" w="sm" len="sm"/>
+          </a:ln>
+          <a:effectLst>
+            <a:outerShdw blurRad="57150" dist="19050" dir="5400000" algn="bl" rotWithShape="0">
+              <a:srgbClr val="000000">
+                <a:alpha val="50000"/>
+              </a:srgbClr>
+            </a:outerShdw>
+          </a:effectLst>
+        </p:spPr>
+        <p:txBody>
+          <a:bodyPr spcFirstLastPara="1" wrap="square" lIns="91425" tIns="91425" rIns="91425" bIns="91425" anchor="ctr" anchorCtr="0">
+            <a:noAutofit/>
+          </a:bodyPr>
+          <a:lstStyle/>
+          <a:p>
+            <a:pPr marL="0" lvl="0" indent="0" algn="l" rtl="0">
+              <a:spcBef>
+                <a:spcPts val="0"/>
+              </a:spcBef>
+              <a:spcAft>
+                <a:spcPts val="0"/>
+              </a:spcAft>
+              <a:buNone/>
+            </a:pPr>
+            <a:endParaRPr/>
+          </a:p>
+        </p:txBody>
+      </p:sp>
+      <p:sp>
+        <p:nvSpPr>
+          <p:cNvPr id="325" name="Google Shape;325;p22"/>
+          <p:cNvSpPr txBox="1"/>
+          <p:nvPr/>
+        </p:nvSpPr>
+        <p:spPr>
+          <a:xfrm>
+            <a:off x="5709175" y="2858750"/>
+            <a:ext cx="3143400" cy="519000"/>
+          </a:xfrm>
+          <a:prstGeom prst="rect">
+            <a:avLst/>
+          </a:prstGeom>
+          <a:noFill/>
+          <a:ln>
+            <a:noFill/>
+          </a:ln>
+        </p:spPr>
+        <p:txBody>
+          <a:bodyPr spcFirstLastPara="1" wrap="square" lIns="91425" tIns="91425" rIns="91425" bIns="91425" anchor="ctr" anchorCtr="0">
+            <a:noAutofit/>
+          </a:bodyPr>
+          <a:lstStyle/>
+          <a:p>
+            <a:pPr marL="0" lvl="0" indent="0" algn="r" rtl="1">
+              <a:spcBef>
+                <a:spcPts val="0"/>
+              </a:spcBef>
+              <a:spcAft>
+                <a:spcPts val="0"/>
+              </a:spcAft>
+              <a:buNone/>
+            </a:pPr>
+            <a:r>
+              <a:rPr lang="iw" sz="1800">
+                <a:solidFill>
+                  <a:srgbClr val="FFFFFF"/>
+                </a:solidFill>
+              </a:rPr>
+              <a:t>המיקומים שלי</a:t>
+            </a:r>
+            <a:endParaRPr sz="1800">
+              <a:solidFill>
+                <a:srgbClr val="FFFFFF"/>
+              </a:solidFill>
+            </a:endParaRPr>
+          </a:p>
+        </p:txBody>
+      </p:sp>
+      <p:sp>
+        <p:nvSpPr>
+          <p:cNvPr id="326" name="Google Shape;326;p22"/>
+          <p:cNvSpPr txBox="1"/>
+          <p:nvPr/>
+        </p:nvSpPr>
+        <p:spPr>
+          <a:xfrm>
+            <a:off x="5709175" y="3579590"/>
+            <a:ext cx="3143400" cy="345900"/>
+          </a:xfrm>
+          <a:prstGeom prst="rect">
+            <a:avLst/>
+          </a:prstGeom>
+          <a:noFill/>
+          <a:ln>
+            <a:noFill/>
+          </a:ln>
+        </p:spPr>
+        <p:txBody>
+          <a:bodyPr spcFirstLastPara="1" wrap="square" lIns="91425" tIns="91425" rIns="91425" bIns="91425" anchor="t" anchorCtr="0">
+            <a:noAutofit/>
+          </a:bodyPr>
+          <a:lstStyle/>
+          <a:p>
+            <a:pPr marL="0" lvl="0" indent="0" algn="r" rtl="1">
+              <a:spcBef>
+                <a:spcPts val="0"/>
+              </a:spcBef>
+              <a:spcAft>
+                <a:spcPts val="0"/>
+              </a:spcAft>
+              <a:buNone/>
+            </a:pPr>
+            <a:r>
+              <a:rPr lang="iw"/>
+              <a:t>הקפה של חיים</a:t>
+            </a:r>
+            <a:endParaRPr/>
+          </a:p>
+        </p:txBody>
+      </p:sp>
+      <p:sp>
+        <p:nvSpPr>
+          <p:cNvPr id="327" name="Google Shape;327;p22"/>
+          <p:cNvSpPr txBox="1"/>
+          <p:nvPr/>
+        </p:nvSpPr>
+        <p:spPr>
+          <a:xfrm>
+            <a:off x="5709175" y="3983204"/>
+            <a:ext cx="3143400" cy="345900"/>
+          </a:xfrm>
+          <a:prstGeom prst="rect">
+            <a:avLst/>
+          </a:prstGeom>
+          <a:noFill/>
+          <a:ln>
+            <a:noFill/>
+          </a:ln>
+        </p:spPr>
+        <p:txBody>
+          <a:bodyPr spcFirstLastPara="1" wrap="square" lIns="91425" tIns="91425" rIns="91425" bIns="91425" anchor="t" anchorCtr="0">
+            <a:noAutofit/>
+          </a:bodyPr>
+          <a:lstStyle/>
+          <a:p>
+            <a:pPr marL="0" lvl="0" indent="0" algn="r" rtl="1">
+              <a:spcBef>
+                <a:spcPts val="0"/>
+              </a:spcBef>
+              <a:spcAft>
+                <a:spcPts val="0"/>
+              </a:spcAft>
+              <a:buNone/>
+            </a:pPr>
+            <a:r>
+              <a:rPr lang="iw"/>
+              <a:t>הבית של חיים</a:t>
+            </a:r>
+            <a:endParaRPr/>
+          </a:p>
+        </p:txBody>
+      </p:sp>
+      <p:pic>
+        <p:nvPicPr>
+          <p:cNvPr id="328" name="Google Shape;328;p22"/>
+          <p:cNvPicPr preferRelativeResize="0"/>
+          <p:nvPr/>
+        </p:nvPicPr>
+        <p:blipFill>
+          <a:blip r:embed="rId5">
+            <a:alphaModFix/>
+          </a:blip>
+          <a:stretch>
+            <a:fillRect/>
+          </a:stretch>
+        </p:blipFill>
+        <p:spPr>
+          <a:xfrm>
+            <a:off x="5709175" y="4127340"/>
+            <a:ext cx="403332" cy="192129"/>
+          </a:xfrm>
+          <a:prstGeom prst="rect">
+            <a:avLst/>
+          </a:prstGeom>
+          <a:noFill/>
+          <a:ln>
+            <a:noFill/>
+          </a:ln>
+        </p:spPr>
+      </p:pic>
+      <p:pic>
+        <p:nvPicPr>
+          <p:cNvPr id="329" name="Google Shape;329;p22"/>
+          <p:cNvPicPr preferRelativeResize="0"/>
+          <p:nvPr/>
+        </p:nvPicPr>
+        <p:blipFill>
+          <a:blip r:embed="rId5">
+            <a:alphaModFix/>
+          </a:blip>
+          <a:stretch>
+            <a:fillRect/>
+          </a:stretch>
+        </p:blipFill>
+        <p:spPr>
+          <a:xfrm>
+            <a:off x="5709175" y="3656458"/>
+            <a:ext cx="403332" cy="192129"/>
+          </a:xfrm>
+          <a:prstGeom prst="rect">
+            <a:avLst/>
+          </a:prstGeom>
+          <a:noFill/>
+          <a:ln>
+            <a:noFill/>
+          </a:ln>
+        </p:spPr>
+      </p:pic>
+      <p:pic>
+        <p:nvPicPr>
+          <p:cNvPr id="330" name="Google Shape;330;p22"/>
+          <p:cNvPicPr preferRelativeResize="0"/>
+          <p:nvPr/>
+        </p:nvPicPr>
+        <p:blipFill>
+          <a:blip r:embed="rId4">
+            <a:alphaModFix/>
+          </a:blip>
+          <a:stretch>
+            <a:fillRect/>
+          </a:stretch>
+        </p:blipFill>
+        <p:spPr>
+          <a:xfrm>
+            <a:off x="6112500" y="3675404"/>
+            <a:ext cx="227700" cy="154240"/>
+          </a:xfrm>
+          <a:prstGeom prst="rect">
+            <a:avLst/>
+          </a:prstGeom>
+          <a:noFill/>
+          <a:ln>
+            <a:noFill/>
+          </a:ln>
+        </p:spPr>
+      </p:pic>
+      <p:pic>
+        <p:nvPicPr>
+          <p:cNvPr id="331" name="Google Shape;331;p22"/>
+          <p:cNvPicPr preferRelativeResize="0"/>
+          <p:nvPr/>
+        </p:nvPicPr>
+        <p:blipFill>
+          <a:blip r:embed="rId4">
+            <a:alphaModFix/>
+          </a:blip>
+          <a:stretch>
+            <a:fillRect/>
+          </a:stretch>
+        </p:blipFill>
+        <p:spPr>
+          <a:xfrm>
+            <a:off x="6112500" y="4127340"/>
+            <a:ext cx="227700" cy="154240"/>
+          </a:xfrm>
+          <a:prstGeom prst="rect">
+            <a:avLst/>
+          </a:prstGeom>
+          <a:noFill/>
+          <a:ln>
+            <a:noFill/>
+          </a:ln>
+        </p:spPr>
+      </p:pic>
+      <p:sp>
+        <p:nvSpPr>
+          <p:cNvPr id="332" name="Google Shape;332;p22"/>
+          <p:cNvSpPr/>
+          <p:nvPr/>
+        </p:nvSpPr>
+        <p:spPr>
+          <a:xfrm>
+            <a:off x="7679300" y="4450217"/>
+            <a:ext cx="1080000" cy="475500"/>
+          </a:xfrm>
+          <a:prstGeom prst="rect">
+            <a:avLst/>
+          </a:prstGeom>
+          <a:solidFill>
+            <a:srgbClr val="B4D0E7"/>
+          </a:solidFill>
+          <a:ln w="9525" cap="flat" cmpd="sng">
+            <a:solidFill>
+              <a:srgbClr val="B4D0E7"/>
+            </a:solidFill>
+            <a:prstDash val="solid"/>
+            <a:round/>
+            <a:headEnd type="none" w="sm" len="sm"/>
+            <a:tailEnd type="none" w="sm" len="sm"/>
+          </a:ln>
+          <a:effectLst>
+            <a:outerShdw blurRad="57150" dist="19050" dir="5400000" algn="bl" rotWithShape="0">
+              <a:schemeClr val="dk1">
+                <a:alpha val="50000"/>
+              </a:schemeClr>
+            </a:outerShdw>
+          </a:effectLst>
+        </p:spPr>
+        <p:txBody>
+          <a:bodyPr spcFirstLastPara="1" wrap="square" lIns="91425" tIns="91425" rIns="91425" bIns="91425" anchor="ctr" anchorCtr="0">
+            <a:noAutofit/>
+          </a:bodyPr>
+          <a:lstStyle/>
+          <a:p>
+            <a:pPr marL="0" lvl="0" indent="0" algn="ctr" rtl="1">
+              <a:spcBef>
+                <a:spcPts val="0"/>
+              </a:spcBef>
+              <a:spcAft>
+                <a:spcPts val="0"/>
+              </a:spcAft>
+              <a:buNone/>
+            </a:pPr>
+            <a:r>
+              <a:rPr lang="iw">
+                <a:solidFill>
+                  <a:srgbClr val="FFFFFF"/>
+                </a:solidFill>
+              </a:rPr>
+              <a:t>הוסף מיקום</a:t>
+            </a:r>
+            <a:endParaRPr>
+              <a:solidFill>
+                <a:srgbClr val="FFFFFF"/>
+              </a:solidFill>
+            </a:endParaRPr>
+          </a:p>
+        </p:txBody>
+      </p:sp>
+      <p:sp>
+        <p:nvSpPr>
+          <p:cNvPr id="333" name="Google Shape;333;p22"/>
+          <p:cNvSpPr/>
+          <p:nvPr/>
+        </p:nvSpPr>
+        <p:spPr>
+          <a:xfrm>
+            <a:off x="565675" y="890750"/>
+            <a:ext cx="3631800" cy="3888600"/>
+          </a:xfrm>
+          <a:prstGeom prst="rect">
+            <a:avLst/>
+          </a:prstGeom>
+          <a:solidFill>
+            <a:srgbClr val="FFFFFF"/>
+          </a:solidFill>
+          <a:ln w="9525" cap="flat" cmpd="sng">
+            <a:solidFill>
+              <a:srgbClr val="FFFFFF"/>
+            </a:solidFill>
+            <a:prstDash val="solid"/>
+            <a:round/>
+            <a:headEnd type="none" w="sm" len="sm"/>
+            <a:tailEnd type="none" w="sm" len="sm"/>
+          </a:ln>
+          <a:effectLst>
+            <a:outerShdw blurRad="57150" dist="19050" dir="5400000" algn="bl" rotWithShape="0">
+              <a:srgbClr val="000000">
+                <a:alpha val="50000"/>
+              </a:srgbClr>
+            </a:outerShdw>
+          </a:effectLst>
+        </p:spPr>
+        <p:txBody>
+          <a:bodyPr spcFirstLastPara="1" wrap="square" lIns="91425" tIns="91425" rIns="91425" bIns="91425" anchor="ctr" anchorCtr="0">
+            <a:noAutofit/>
+          </a:bodyPr>
+          <a:lstStyle/>
+          <a:p>
+            <a:pPr marL="0" lvl="0" indent="0" algn="l" rtl="0">
+              <a:spcBef>
+                <a:spcPts val="0"/>
+              </a:spcBef>
+              <a:spcAft>
+                <a:spcPts val="0"/>
+              </a:spcAft>
+              <a:buNone/>
+            </a:pPr>
+            <a:endParaRPr/>
+          </a:p>
+        </p:txBody>
+      </p:sp>
+      <p:sp>
+        <p:nvSpPr>
+          <p:cNvPr id="334" name="Google Shape;334;p22"/>
+          <p:cNvSpPr/>
+          <p:nvPr/>
+        </p:nvSpPr>
+        <p:spPr>
+          <a:xfrm>
+            <a:off x="565675" y="890750"/>
+            <a:ext cx="3631800" cy="492000"/>
+          </a:xfrm>
+          <a:prstGeom prst="rect">
+            <a:avLst/>
+          </a:prstGeom>
+          <a:solidFill>
+            <a:srgbClr val="CFD8DC"/>
+          </a:solidFill>
+          <a:ln w="9525" cap="flat" cmpd="sng">
+            <a:solidFill>
+              <a:srgbClr val="CFD8DC"/>
+            </a:solidFill>
+            <a:prstDash val="solid"/>
+            <a:round/>
+            <a:headEnd type="none" w="sm" len="sm"/>
+            <a:tailEnd type="none" w="sm" len="sm"/>
+          </a:ln>
+          <a:effectLst>
+            <a:outerShdw blurRad="57150" dist="19050" dir="5400000" algn="bl" rotWithShape="0">
+              <a:srgbClr val="000000">
+                <a:alpha val="50000"/>
+              </a:srgbClr>
+            </a:outerShdw>
+          </a:effectLst>
+        </p:spPr>
+        <p:txBody>
+          <a:bodyPr spcFirstLastPara="1" wrap="square" lIns="91425" tIns="91425" rIns="91425" bIns="91425" anchor="ctr" anchorCtr="0">
+            <a:noAutofit/>
+          </a:bodyPr>
+          <a:lstStyle/>
+          <a:p>
+            <a:pPr marL="0" lvl="0" indent="0" algn="l" rtl="0">
+              <a:spcBef>
+                <a:spcPts val="0"/>
+              </a:spcBef>
+              <a:spcAft>
+                <a:spcPts val="0"/>
+              </a:spcAft>
+              <a:buNone/>
+            </a:pPr>
+            <a:endParaRPr/>
+          </a:p>
+        </p:txBody>
+      </p:sp>
+      <p:sp>
+        <p:nvSpPr>
+          <p:cNvPr id="335" name="Google Shape;335;p22"/>
+          <p:cNvSpPr txBox="1"/>
+          <p:nvPr/>
+        </p:nvSpPr>
+        <p:spPr>
+          <a:xfrm>
+            <a:off x="565675" y="923513"/>
+            <a:ext cx="3631800" cy="492000"/>
+          </a:xfrm>
+          <a:prstGeom prst="rect">
+            <a:avLst/>
+          </a:prstGeom>
+          <a:noFill/>
+          <a:ln>
+            <a:noFill/>
+          </a:ln>
+        </p:spPr>
+        <p:txBody>
+          <a:bodyPr spcFirstLastPara="1" wrap="square" lIns="91425" tIns="91425" rIns="91425" bIns="91425" anchor="ctr" anchorCtr="0">
+            <a:noAutofit/>
+          </a:bodyPr>
+          <a:lstStyle/>
+          <a:p>
+            <a:pPr marL="0" lvl="0" indent="0" algn="r" rtl="1">
+              <a:spcBef>
+                <a:spcPts val="0"/>
+              </a:spcBef>
+              <a:spcAft>
+                <a:spcPts val="0"/>
+              </a:spcAft>
+              <a:buNone/>
+            </a:pPr>
+            <a:r>
+              <a:rPr lang="iw" sz="1800">
+                <a:solidFill>
+                  <a:srgbClr val="FFFFFF"/>
+                </a:solidFill>
+              </a:rPr>
+              <a:t>פגישות ממתינות לאישור</a:t>
+            </a:r>
+            <a:endParaRPr sz="1800">
+              <a:solidFill>
+                <a:srgbClr val="FFFFFF"/>
+              </a:solidFill>
+            </a:endParaRPr>
+          </a:p>
+        </p:txBody>
+      </p:sp>
+      <p:sp>
+        <p:nvSpPr>
           <p:cNvPr id="336" name="Google Shape;336;p22"/>
           <p:cNvSpPr txBox="1"/>
           <p:nvPr/>
@@ -9422,7 +11714,7 @@
 </p:sld>
 </file>
 
-<file path=ppt/slides/slide11.xml><?xml version="1.0" encoding="utf-8"?>
+<file path=ppt/slides/slide12.xml><?xml version="1.0" encoding="utf-8"?>
 <p:sld xmlns:a="http://schemas.openxmlformats.org/drawingml/2006/main" xmlns:r="http://schemas.openxmlformats.org/officeDocument/2006/relationships" xmlns:p="http://schemas.openxmlformats.org/presentationml/2006/main">
   <p:cSld>
     <p:spTree>
@@ -11274,7 +13566,7 @@
 </p:sld>
 </file>
 
-<file path=ppt/slides/slide12.xml><?xml version="1.0" encoding="utf-8"?>
+<file path=ppt/slides/slide13.xml><?xml version="1.0" encoding="utf-8"?>
 <p:sld xmlns:a="http://schemas.openxmlformats.org/drawingml/2006/main" xmlns:r="http://schemas.openxmlformats.org/officeDocument/2006/relationships" xmlns:p="http://schemas.openxmlformats.org/presentationml/2006/main">
   <p:cSld>
     <p:spTree>
@@ -13226,7 +15518,7 @@
 </p:sld>
 </file>
 
-<file path=ppt/slides/slide13.xml><?xml version="1.0" encoding="utf-8"?>
+<file path=ppt/slides/slide14.xml><?xml version="1.0" encoding="utf-8"?>
 <p:sld xmlns:a="http://schemas.openxmlformats.org/drawingml/2006/main" xmlns:r="http://schemas.openxmlformats.org/officeDocument/2006/relationships" xmlns:p="http://schemas.openxmlformats.org/presentationml/2006/main">
   <p:cSld>
     <p:spTree>
@@ -17849,7 +20141,7 @@
               </a:rPr>
               <a:t>שם</a:t>
             </a:r>
-            <a:endParaRPr>
+            <a:endParaRPr dirty="0">
               <a:solidFill>
                 <a:srgbClr val="999999"/>
               </a:solidFill>
@@ -17931,6 +20223,937 @@
 </file>
 
 <file path=ppt/slides/slide5.xml><?xml version="1.0" encoding="utf-8"?>
+<p:sld xmlns:a="http://schemas.openxmlformats.org/drawingml/2006/main" xmlns:r="http://schemas.openxmlformats.org/officeDocument/2006/relationships" xmlns:p="http://schemas.openxmlformats.org/presentationml/2006/main">
+  <p:cSld>
+    <p:spTree>
+      <p:nvGrpSpPr>
+        <p:cNvPr id="1" name="Shape 100"/>
+        <p:cNvGrpSpPr/>
+        <p:nvPr/>
+      </p:nvGrpSpPr>
+      <p:grpSpPr>
+        <a:xfrm>
+          <a:off x="0" y="0"/>
+          <a:ext cx="0" cy="0"/>
+          <a:chOff x="0" y="0"/>
+          <a:chExt cx="0" cy="0"/>
+        </a:xfrm>
+      </p:grpSpPr>
+      <p:sp>
+        <p:nvSpPr>
+          <p:cNvPr id="101" name="Google Shape;101;p16"/>
+          <p:cNvSpPr/>
+          <p:nvPr/>
+        </p:nvSpPr>
+        <p:spPr>
+          <a:xfrm>
+            <a:off x="0" y="0"/>
+            <a:ext cx="9144000" cy="583200"/>
+          </a:xfrm>
+          <a:prstGeom prst="rect">
+            <a:avLst/>
+          </a:prstGeom>
+          <a:solidFill>
+            <a:srgbClr val="B4D0E7"/>
+          </a:solidFill>
+          <a:ln w="9525" cap="flat" cmpd="sng">
+            <a:solidFill>
+              <a:srgbClr val="B4D0E7"/>
+            </a:solidFill>
+            <a:prstDash val="solid"/>
+            <a:round/>
+            <a:headEnd type="none" w="sm" len="sm"/>
+            <a:tailEnd type="none" w="sm" len="sm"/>
+          </a:ln>
+          <a:effectLst>
+            <a:outerShdw blurRad="57150" dist="19050" dir="5400000" algn="bl" rotWithShape="0">
+              <a:schemeClr val="dk1">
+                <a:alpha val="50000"/>
+              </a:schemeClr>
+            </a:outerShdw>
+          </a:effectLst>
+        </p:spPr>
+        <p:txBody>
+          <a:bodyPr spcFirstLastPara="1" wrap="square" lIns="91425" tIns="91425" rIns="91425" bIns="91425" anchor="ctr" anchorCtr="0">
+            <a:noAutofit/>
+          </a:bodyPr>
+          <a:lstStyle/>
+          <a:p>
+            <a:pPr marL="0" lvl="0" indent="0" algn="l" rtl="0">
+              <a:spcBef>
+                <a:spcPts val="0"/>
+              </a:spcBef>
+              <a:spcAft>
+                <a:spcPts val="0"/>
+              </a:spcAft>
+              <a:buNone/>
+            </a:pPr>
+            <a:endParaRPr/>
+          </a:p>
+        </p:txBody>
+      </p:sp>
+      <p:sp>
+        <p:nvSpPr>
+          <p:cNvPr id="102" name="Google Shape;102;p16"/>
+          <p:cNvSpPr txBox="1"/>
+          <p:nvPr/>
+        </p:nvSpPr>
+        <p:spPr>
+          <a:xfrm>
+            <a:off x="8119250" y="120750"/>
+            <a:ext cx="970500" cy="341700"/>
+          </a:xfrm>
+          <a:prstGeom prst="rect">
+            <a:avLst/>
+          </a:prstGeom>
+          <a:noFill/>
+          <a:ln>
+            <a:noFill/>
+          </a:ln>
+        </p:spPr>
+        <p:txBody>
+          <a:bodyPr spcFirstLastPara="1" wrap="square" lIns="91425" tIns="91425" rIns="91425" bIns="91425" anchor="t" anchorCtr="0">
+            <a:noAutofit/>
+          </a:bodyPr>
+          <a:lstStyle/>
+          <a:p>
+            <a:pPr marL="0" lvl="0" indent="0" algn="r" rtl="0">
+              <a:spcBef>
+                <a:spcPts val="0"/>
+              </a:spcBef>
+              <a:spcAft>
+                <a:spcPts val="0"/>
+              </a:spcAft>
+              <a:buNone/>
+            </a:pPr>
+            <a:r>
+              <a:rPr lang="iw">
+                <a:solidFill>
+                  <a:srgbClr val="FFFFFF"/>
+                </a:solidFill>
+              </a:rPr>
+              <a:t>WeMeet</a:t>
+            </a:r>
+            <a:endParaRPr>
+              <a:solidFill>
+                <a:srgbClr val="FFFFFF"/>
+              </a:solidFill>
+            </a:endParaRPr>
+          </a:p>
+        </p:txBody>
+      </p:sp>
+      <p:sp>
+        <p:nvSpPr>
+          <p:cNvPr id="103" name="Google Shape;103;p16"/>
+          <p:cNvSpPr txBox="1"/>
+          <p:nvPr/>
+        </p:nvSpPr>
+        <p:spPr>
+          <a:xfrm>
+            <a:off x="7039250" y="127650"/>
+            <a:ext cx="1080000" cy="327900"/>
+          </a:xfrm>
+          <a:prstGeom prst="rect">
+            <a:avLst/>
+          </a:prstGeom>
+          <a:noFill/>
+          <a:ln>
+            <a:noFill/>
+          </a:ln>
+        </p:spPr>
+        <p:txBody>
+          <a:bodyPr spcFirstLastPara="1" wrap="square" lIns="91425" tIns="91425" rIns="91425" bIns="91425" anchor="t" anchorCtr="0">
+            <a:noAutofit/>
+          </a:bodyPr>
+          <a:lstStyle/>
+          <a:p>
+            <a:pPr marL="0" lvl="0" indent="0" algn="r" rtl="1">
+              <a:spcBef>
+                <a:spcPts val="0"/>
+              </a:spcBef>
+              <a:spcAft>
+                <a:spcPts val="0"/>
+              </a:spcAft>
+              <a:buNone/>
+            </a:pPr>
+            <a:r>
+              <a:rPr lang="iw">
+                <a:solidFill>
+                  <a:srgbClr val="FFFFFF"/>
+                </a:solidFill>
+              </a:rPr>
+              <a:t>אזור אישי</a:t>
+            </a:r>
+            <a:endParaRPr>
+              <a:solidFill>
+                <a:srgbClr val="FFFFFF"/>
+              </a:solidFill>
+            </a:endParaRPr>
+          </a:p>
+        </p:txBody>
+      </p:sp>
+      <p:sp>
+        <p:nvSpPr>
+          <p:cNvPr id="104" name="Google Shape;104;p16"/>
+          <p:cNvSpPr txBox="1"/>
+          <p:nvPr/>
+        </p:nvSpPr>
+        <p:spPr>
+          <a:xfrm>
+            <a:off x="5781600" y="127650"/>
+            <a:ext cx="1476000" cy="327900"/>
+          </a:xfrm>
+          <a:prstGeom prst="rect">
+            <a:avLst/>
+          </a:prstGeom>
+          <a:noFill/>
+          <a:ln>
+            <a:noFill/>
+          </a:ln>
+        </p:spPr>
+        <p:txBody>
+          <a:bodyPr spcFirstLastPara="1" wrap="square" lIns="91425" tIns="91425" rIns="91425" bIns="91425" anchor="t" anchorCtr="0">
+            <a:noAutofit/>
+          </a:bodyPr>
+          <a:lstStyle/>
+          <a:p>
+            <a:pPr marL="0" lvl="0" indent="0" algn="r" rtl="1">
+              <a:spcBef>
+                <a:spcPts val="0"/>
+              </a:spcBef>
+              <a:spcAft>
+                <a:spcPts val="0"/>
+              </a:spcAft>
+              <a:buNone/>
+            </a:pPr>
+            <a:r>
+              <a:rPr lang="iw">
+                <a:solidFill>
+                  <a:srgbClr val="FFFFFF"/>
+                </a:solidFill>
+              </a:rPr>
+              <a:t>פגישה חדשה</a:t>
+            </a:r>
+            <a:endParaRPr>
+              <a:solidFill>
+                <a:srgbClr val="FFFFFF"/>
+              </a:solidFill>
+            </a:endParaRPr>
+          </a:p>
+        </p:txBody>
+      </p:sp>
+      <p:sp>
+        <p:nvSpPr>
+          <p:cNvPr id="105" name="Google Shape;105;p16"/>
+          <p:cNvSpPr txBox="1"/>
+          <p:nvPr/>
+        </p:nvSpPr>
+        <p:spPr>
+          <a:xfrm>
+            <a:off x="314375" y="127650"/>
+            <a:ext cx="862800" cy="327900"/>
+          </a:xfrm>
+          <a:prstGeom prst="rect">
+            <a:avLst/>
+          </a:prstGeom>
+          <a:noFill/>
+          <a:ln>
+            <a:noFill/>
+          </a:ln>
+        </p:spPr>
+        <p:txBody>
+          <a:bodyPr spcFirstLastPara="1" wrap="square" lIns="91425" tIns="91425" rIns="91425" bIns="91425" anchor="t" anchorCtr="0">
+            <a:noAutofit/>
+          </a:bodyPr>
+          <a:lstStyle/>
+          <a:p>
+            <a:pPr marL="0" lvl="0" indent="0" algn="r" rtl="1">
+              <a:spcBef>
+                <a:spcPts val="0"/>
+              </a:spcBef>
+              <a:spcAft>
+                <a:spcPts val="0"/>
+              </a:spcAft>
+              <a:buNone/>
+            </a:pPr>
+            <a:r>
+              <a:rPr lang="iw">
+                <a:solidFill>
+                  <a:srgbClr val="FFFFFF"/>
+                </a:solidFill>
+              </a:rPr>
+              <a:t>התנתק</a:t>
+            </a:r>
+            <a:endParaRPr>
+              <a:solidFill>
+                <a:srgbClr val="FFFFFF"/>
+              </a:solidFill>
+            </a:endParaRPr>
+          </a:p>
+        </p:txBody>
+      </p:sp>
+      <p:pic>
+        <p:nvPicPr>
+          <p:cNvPr id="106" name="Google Shape;106;p16"/>
+          <p:cNvPicPr preferRelativeResize="0"/>
+          <p:nvPr/>
+        </p:nvPicPr>
+        <p:blipFill>
+          <a:blip r:embed="rId3">
+            <a:alphaModFix/>
+          </a:blip>
+          <a:stretch>
+            <a:fillRect/>
+          </a:stretch>
+        </p:blipFill>
+        <p:spPr>
+          <a:xfrm>
+            <a:off x="0" y="1069008"/>
+            <a:ext cx="9143999" cy="4074492"/>
+          </a:xfrm>
+          <a:prstGeom prst="rect">
+            <a:avLst/>
+          </a:prstGeom>
+          <a:noFill/>
+          <a:ln>
+            <a:noFill/>
+          </a:ln>
+        </p:spPr>
+      </p:pic>
+      <p:sp>
+        <p:nvSpPr>
+          <p:cNvPr id="2" name="מלבן 1">
+            <a:extLst>
+              <a:ext uri="{FF2B5EF4-FFF2-40B4-BE49-F238E27FC236}">
+                <a16:creationId xmlns:a16="http://schemas.microsoft.com/office/drawing/2014/main" id="{1A9F1796-A12B-453D-898B-5FDCD2F98506}"/>
+              </a:ext>
+            </a:extLst>
+          </p:cNvPr>
+          <p:cNvSpPr/>
+          <p:nvPr/>
+        </p:nvSpPr>
+        <p:spPr>
+          <a:xfrm>
+            <a:off x="2211572" y="733647"/>
+            <a:ext cx="4540102" cy="3827720"/>
+          </a:xfrm>
+          <a:prstGeom prst="rect">
+            <a:avLst/>
+          </a:prstGeom>
+          <a:solidFill>
+            <a:srgbClr val="757575">
+              <a:alpha val="69804"/>
+            </a:srgbClr>
+          </a:solidFill>
+          <a:ln>
+            <a:solidFill>
+              <a:schemeClr val="bg1"/>
+            </a:solidFill>
+          </a:ln>
+        </p:spPr>
+        <p:style>
+          <a:lnRef idx="2">
+            <a:schemeClr val="accent1">
+              <a:shade val="50000"/>
+            </a:schemeClr>
+          </a:lnRef>
+          <a:fillRef idx="1">
+            <a:schemeClr val="accent1"/>
+          </a:fillRef>
+          <a:effectRef idx="0">
+            <a:schemeClr val="accent1"/>
+          </a:effectRef>
+          <a:fontRef idx="minor">
+            <a:schemeClr val="lt1"/>
+          </a:fontRef>
+        </p:style>
+        <p:txBody>
+          <a:bodyPr rtlCol="1" anchor="ctr"/>
+          <a:lstStyle/>
+          <a:p>
+            <a:pPr algn="ctr"/>
+            <a:endParaRPr lang="he-IL"/>
+          </a:p>
+        </p:txBody>
+      </p:sp>
+      <p:sp>
+        <p:nvSpPr>
+          <p:cNvPr id="107" name="Google Shape;107;p16"/>
+          <p:cNvSpPr/>
+          <p:nvPr/>
+        </p:nvSpPr>
+        <p:spPr>
+          <a:xfrm>
+            <a:off x="2446525" y="949750"/>
+            <a:ext cx="4059600" cy="3408000"/>
+          </a:xfrm>
+          <a:prstGeom prst="rect">
+            <a:avLst/>
+          </a:prstGeom>
+          <a:solidFill>
+            <a:srgbClr val="FFFFFF"/>
+          </a:solidFill>
+          <a:ln w="9525" cap="flat" cmpd="sng">
+            <a:solidFill>
+              <a:srgbClr val="FFFFFF"/>
+            </a:solidFill>
+            <a:prstDash val="solid"/>
+            <a:round/>
+            <a:headEnd type="none" w="sm" len="sm"/>
+            <a:tailEnd type="none" w="sm" len="sm"/>
+          </a:ln>
+          <a:effectLst>
+            <a:outerShdw blurRad="57150" dist="19050" dir="5400000" algn="bl" rotWithShape="0">
+              <a:srgbClr val="000000">
+                <a:alpha val="83000"/>
+              </a:srgbClr>
+            </a:outerShdw>
+          </a:effectLst>
+        </p:spPr>
+        <p:txBody>
+          <a:bodyPr spcFirstLastPara="1" wrap="square" lIns="91425" tIns="91425" rIns="91425" bIns="91425" anchor="ctr" anchorCtr="0">
+            <a:noAutofit/>
+          </a:bodyPr>
+          <a:lstStyle/>
+          <a:p>
+            <a:pPr marL="0" lvl="0" indent="0" algn="l" rtl="0">
+              <a:spcBef>
+                <a:spcPts val="0"/>
+              </a:spcBef>
+              <a:spcAft>
+                <a:spcPts val="0"/>
+              </a:spcAft>
+              <a:buNone/>
+            </a:pPr>
+            <a:endParaRPr/>
+          </a:p>
+        </p:txBody>
+      </p:sp>
+      <p:sp>
+        <p:nvSpPr>
+          <p:cNvPr id="108" name="Google Shape;108;p16"/>
+          <p:cNvSpPr/>
+          <p:nvPr/>
+        </p:nvSpPr>
+        <p:spPr>
+          <a:xfrm>
+            <a:off x="2446525" y="949750"/>
+            <a:ext cx="4059600" cy="639000"/>
+          </a:xfrm>
+          <a:prstGeom prst="rect">
+            <a:avLst/>
+          </a:prstGeom>
+          <a:solidFill>
+            <a:srgbClr val="CFD8DC"/>
+          </a:solidFill>
+          <a:ln w="9525" cap="flat" cmpd="sng">
+            <a:solidFill>
+              <a:srgbClr val="CFD8DC"/>
+            </a:solidFill>
+            <a:prstDash val="solid"/>
+            <a:round/>
+            <a:headEnd type="none" w="sm" len="sm"/>
+            <a:tailEnd type="none" w="sm" len="sm"/>
+          </a:ln>
+          <a:effectLst>
+            <a:outerShdw blurRad="57150" dist="19050" dir="5400000" algn="bl" rotWithShape="0">
+              <a:srgbClr val="000000">
+                <a:alpha val="50000"/>
+              </a:srgbClr>
+            </a:outerShdw>
+          </a:effectLst>
+        </p:spPr>
+        <p:txBody>
+          <a:bodyPr spcFirstLastPara="1" wrap="square" lIns="91425" tIns="91425" rIns="91425" bIns="91425" anchor="ctr" anchorCtr="0">
+            <a:noAutofit/>
+          </a:bodyPr>
+          <a:lstStyle/>
+          <a:p>
+            <a:pPr marL="0" lvl="0" indent="0" algn="l" rtl="0">
+              <a:spcBef>
+                <a:spcPts val="0"/>
+              </a:spcBef>
+              <a:spcAft>
+                <a:spcPts val="0"/>
+              </a:spcAft>
+              <a:buNone/>
+            </a:pPr>
+            <a:endParaRPr/>
+          </a:p>
+        </p:txBody>
+      </p:sp>
+      <p:sp>
+        <p:nvSpPr>
+          <p:cNvPr id="109" name="Google Shape;109;p16"/>
+          <p:cNvSpPr txBox="1"/>
+          <p:nvPr/>
+        </p:nvSpPr>
+        <p:spPr>
+          <a:xfrm>
+            <a:off x="4838750" y="1050550"/>
+            <a:ext cx="1476000" cy="437400"/>
+          </a:xfrm>
+          <a:prstGeom prst="rect">
+            <a:avLst/>
+          </a:prstGeom>
+          <a:noFill/>
+          <a:ln>
+            <a:noFill/>
+          </a:ln>
+        </p:spPr>
+        <p:txBody>
+          <a:bodyPr spcFirstLastPara="1" wrap="square" lIns="91425" tIns="91425" rIns="91425" bIns="91425" anchor="t" anchorCtr="0">
+            <a:noAutofit/>
+          </a:bodyPr>
+          <a:lstStyle/>
+          <a:p>
+            <a:pPr marL="0" lvl="0" indent="0" algn="r" rtl="1">
+              <a:spcBef>
+                <a:spcPts val="0"/>
+              </a:spcBef>
+              <a:spcAft>
+                <a:spcPts val="0"/>
+              </a:spcAft>
+              <a:buNone/>
+            </a:pPr>
+            <a:r>
+              <a:rPr lang="iw" sz="1800" b="1" dirty="0">
+                <a:solidFill>
+                  <a:srgbClr val="FFFFFF"/>
+                </a:solidFill>
+              </a:rPr>
+              <a:t>הוספת אילוץ</a:t>
+            </a:r>
+            <a:endParaRPr sz="1800" b="1" dirty="0">
+              <a:solidFill>
+                <a:srgbClr val="FFFFFF"/>
+              </a:solidFill>
+            </a:endParaRPr>
+          </a:p>
+        </p:txBody>
+      </p:sp>
+      <p:sp>
+        <p:nvSpPr>
+          <p:cNvPr id="116" name="Google Shape;116;p16"/>
+          <p:cNvSpPr/>
+          <p:nvPr/>
+        </p:nvSpPr>
+        <p:spPr>
+          <a:xfrm>
+            <a:off x="2796363" y="3756350"/>
+            <a:ext cx="1093500" cy="437400"/>
+          </a:xfrm>
+          <a:prstGeom prst="rect">
+            <a:avLst/>
+          </a:prstGeom>
+          <a:solidFill>
+            <a:srgbClr val="DDDDDD"/>
+          </a:solidFill>
+          <a:ln w="9525" cap="flat" cmpd="sng">
+            <a:solidFill>
+              <a:srgbClr val="CFCFCF"/>
+            </a:solidFill>
+            <a:prstDash val="solid"/>
+            <a:round/>
+            <a:headEnd type="none" w="sm" len="sm"/>
+            <a:tailEnd type="none" w="sm" len="sm"/>
+          </a:ln>
+          <a:effectLst/>
+        </p:spPr>
+        <p:txBody>
+          <a:bodyPr spcFirstLastPara="1" wrap="square" lIns="91425" tIns="91425" rIns="91425" bIns="91425" anchor="ctr" anchorCtr="0">
+            <a:noAutofit/>
+          </a:bodyPr>
+          <a:lstStyle/>
+          <a:p>
+            <a:pPr marL="0" lvl="0" indent="0" algn="ctr" rtl="1">
+              <a:spcBef>
+                <a:spcPts val="0"/>
+              </a:spcBef>
+              <a:spcAft>
+                <a:spcPts val="0"/>
+              </a:spcAft>
+              <a:buNone/>
+            </a:pPr>
+            <a:r>
+              <a:rPr lang="iw" dirty="0">
+                <a:solidFill>
+                  <a:schemeClr val="bg1">
+                    <a:lumMod val="65000"/>
+                  </a:schemeClr>
+                </a:solidFill>
+              </a:rPr>
+              <a:t>שמור</a:t>
+            </a:r>
+            <a:endParaRPr dirty="0">
+              <a:solidFill>
+                <a:schemeClr val="bg1">
+                  <a:lumMod val="65000"/>
+                </a:schemeClr>
+              </a:solidFill>
+            </a:endParaRPr>
+          </a:p>
+        </p:txBody>
+      </p:sp>
+      <p:cxnSp>
+        <p:nvCxnSpPr>
+          <p:cNvPr id="20" name="מחבר ישר 19">
+            <a:extLst>
+              <a:ext uri="{FF2B5EF4-FFF2-40B4-BE49-F238E27FC236}">
+                <a16:creationId xmlns:a16="http://schemas.microsoft.com/office/drawing/2014/main" id="{E9F035B3-549F-40BA-99DE-C442E1ABA60A}"/>
+              </a:ext>
+            </a:extLst>
+          </p:cNvPr>
+          <p:cNvCxnSpPr>
+            <a:cxnSpLocks/>
+          </p:cNvCxnSpPr>
+          <p:nvPr/>
+        </p:nvCxnSpPr>
+        <p:spPr>
+          <a:xfrm flipH="1">
+            <a:off x="2796363" y="2179674"/>
+            <a:ext cx="3422790" cy="0"/>
+          </a:xfrm>
+          <a:prstGeom prst="line">
+            <a:avLst/>
+          </a:prstGeom>
+          <a:ln>
+            <a:solidFill>
+              <a:schemeClr val="tx1"/>
+            </a:solidFill>
+          </a:ln>
+        </p:spPr>
+        <p:style>
+          <a:lnRef idx="1">
+            <a:schemeClr val="accent1"/>
+          </a:lnRef>
+          <a:fillRef idx="0">
+            <a:schemeClr val="accent1"/>
+          </a:fillRef>
+          <a:effectRef idx="0">
+            <a:schemeClr val="accent1"/>
+          </a:effectRef>
+          <a:fontRef idx="minor">
+            <a:schemeClr val="tx1"/>
+          </a:fontRef>
+        </p:style>
+      </p:cxnSp>
+      <p:sp>
+        <p:nvSpPr>
+          <p:cNvPr id="21" name="תיבת טקסט 20">
+            <a:extLst>
+              <a:ext uri="{FF2B5EF4-FFF2-40B4-BE49-F238E27FC236}">
+                <a16:creationId xmlns:a16="http://schemas.microsoft.com/office/drawing/2014/main" id="{27BD2B48-4451-435B-B059-01EC2C9A11C9}"/>
+              </a:ext>
+            </a:extLst>
+          </p:cNvPr>
+          <p:cNvSpPr txBox="1"/>
+          <p:nvPr/>
+        </p:nvSpPr>
+        <p:spPr>
+          <a:xfrm>
+            <a:off x="4823085" y="1878560"/>
+            <a:ext cx="1179317" cy="307777"/>
+          </a:xfrm>
+          <a:prstGeom prst="rect">
+            <a:avLst/>
+          </a:prstGeom>
+          <a:noFill/>
+        </p:spPr>
+        <p:txBody>
+          <a:bodyPr wrap="square" rtlCol="1">
+            <a:spAutoFit/>
+          </a:bodyPr>
+          <a:lstStyle/>
+          <a:p>
+            <a:pPr algn="r"/>
+            <a:r>
+              <a:rPr lang="he-IL" dirty="0">
+                <a:solidFill>
+                  <a:schemeClr val="bg1">
+                    <a:lumMod val="65000"/>
+                  </a:schemeClr>
+                </a:solidFill>
+              </a:rPr>
+              <a:t>שם אילוץ</a:t>
+            </a:r>
+          </a:p>
+        </p:txBody>
+      </p:sp>
+      <p:cxnSp>
+        <p:nvCxnSpPr>
+          <p:cNvPr id="23" name="מחבר ישר 22">
+            <a:extLst>
+              <a:ext uri="{FF2B5EF4-FFF2-40B4-BE49-F238E27FC236}">
+                <a16:creationId xmlns:a16="http://schemas.microsoft.com/office/drawing/2014/main" id="{D8735CF0-4D01-47D3-8970-224E9BCB0ADC}"/>
+              </a:ext>
+            </a:extLst>
+          </p:cNvPr>
+          <p:cNvCxnSpPr>
+            <a:cxnSpLocks/>
+          </p:cNvCxnSpPr>
+          <p:nvPr/>
+        </p:nvCxnSpPr>
+        <p:spPr>
+          <a:xfrm flipH="1">
+            <a:off x="2796363" y="2712174"/>
+            <a:ext cx="3453305" cy="0"/>
+          </a:xfrm>
+          <a:prstGeom prst="line">
+            <a:avLst/>
+          </a:prstGeom>
+          <a:ln>
+            <a:solidFill>
+              <a:schemeClr val="tx1"/>
+            </a:solidFill>
+          </a:ln>
+        </p:spPr>
+        <p:style>
+          <a:lnRef idx="1">
+            <a:schemeClr val="accent1"/>
+          </a:lnRef>
+          <a:fillRef idx="0">
+            <a:schemeClr val="accent1"/>
+          </a:fillRef>
+          <a:effectRef idx="0">
+            <a:schemeClr val="accent1"/>
+          </a:effectRef>
+          <a:fontRef idx="minor">
+            <a:schemeClr val="tx1"/>
+          </a:fontRef>
+        </p:style>
+      </p:cxnSp>
+      <p:sp>
+        <p:nvSpPr>
+          <p:cNvPr id="24" name="תיבת טקסט 23">
+            <a:extLst>
+              <a:ext uri="{FF2B5EF4-FFF2-40B4-BE49-F238E27FC236}">
+                <a16:creationId xmlns:a16="http://schemas.microsoft.com/office/drawing/2014/main" id="{CB79CA08-B4E9-4A40-A516-6C6D08DF9956}"/>
+              </a:ext>
+            </a:extLst>
+          </p:cNvPr>
+          <p:cNvSpPr txBox="1"/>
+          <p:nvPr/>
+        </p:nvSpPr>
+        <p:spPr>
+          <a:xfrm>
+            <a:off x="4853602" y="2411060"/>
+            <a:ext cx="1179317" cy="307777"/>
+          </a:xfrm>
+          <a:prstGeom prst="rect">
+            <a:avLst/>
+          </a:prstGeom>
+          <a:noFill/>
+        </p:spPr>
+        <p:txBody>
+          <a:bodyPr wrap="square" rtlCol="1">
+            <a:spAutoFit/>
+          </a:bodyPr>
+          <a:lstStyle/>
+          <a:p>
+            <a:pPr algn="r"/>
+            <a:r>
+              <a:rPr lang="he-IL" dirty="0">
+                <a:solidFill>
+                  <a:schemeClr val="bg1">
+                    <a:lumMod val="65000"/>
+                  </a:schemeClr>
+                </a:solidFill>
+              </a:rPr>
+              <a:t>מתאריך</a:t>
+            </a:r>
+          </a:p>
+        </p:txBody>
+      </p:sp>
+      <p:cxnSp>
+        <p:nvCxnSpPr>
+          <p:cNvPr id="26" name="מחבר ישר 25">
+            <a:extLst>
+              <a:ext uri="{FF2B5EF4-FFF2-40B4-BE49-F238E27FC236}">
+                <a16:creationId xmlns:a16="http://schemas.microsoft.com/office/drawing/2014/main" id="{2EB194E6-B8C0-45B5-9863-A3FF9BB564B7}"/>
+              </a:ext>
+            </a:extLst>
+          </p:cNvPr>
+          <p:cNvCxnSpPr>
+            <a:cxnSpLocks/>
+          </p:cNvCxnSpPr>
+          <p:nvPr/>
+        </p:nvCxnSpPr>
+        <p:spPr>
+          <a:xfrm flipH="1">
+            <a:off x="2796363" y="3288963"/>
+            <a:ext cx="3462948" cy="0"/>
+          </a:xfrm>
+          <a:prstGeom prst="line">
+            <a:avLst/>
+          </a:prstGeom>
+          <a:ln>
+            <a:solidFill>
+              <a:schemeClr val="tx1"/>
+            </a:solidFill>
+          </a:ln>
+        </p:spPr>
+        <p:style>
+          <a:lnRef idx="1">
+            <a:schemeClr val="accent1"/>
+          </a:lnRef>
+          <a:fillRef idx="0">
+            <a:schemeClr val="accent1"/>
+          </a:fillRef>
+          <a:effectRef idx="0">
+            <a:schemeClr val="accent1"/>
+          </a:effectRef>
+          <a:fontRef idx="minor">
+            <a:schemeClr val="tx1"/>
+          </a:fontRef>
+        </p:style>
+      </p:cxnSp>
+      <p:sp>
+        <p:nvSpPr>
+          <p:cNvPr id="27" name="תיבת טקסט 26">
+            <a:extLst>
+              <a:ext uri="{FF2B5EF4-FFF2-40B4-BE49-F238E27FC236}">
+                <a16:creationId xmlns:a16="http://schemas.microsoft.com/office/drawing/2014/main" id="{46C9573B-21F5-4EF1-A21E-602199437B24}"/>
+              </a:ext>
+            </a:extLst>
+          </p:cNvPr>
+          <p:cNvSpPr txBox="1"/>
+          <p:nvPr/>
+        </p:nvSpPr>
+        <p:spPr>
+          <a:xfrm>
+            <a:off x="4863245" y="2987849"/>
+            <a:ext cx="1179317" cy="307777"/>
+          </a:xfrm>
+          <a:prstGeom prst="rect">
+            <a:avLst/>
+          </a:prstGeom>
+          <a:noFill/>
+        </p:spPr>
+        <p:txBody>
+          <a:bodyPr wrap="square" rtlCol="1">
+            <a:spAutoFit/>
+          </a:bodyPr>
+          <a:lstStyle/>
+          <a:p>
+            <a:pPr algn="r"/>
+            <a:r>
+              <a:rPr lang="he-IL" dirty="0">
+                <a:solidFill>
+                  <a:schemeClr val="bg1">
+                    <a:lumMod val="65000"/>
+                  </a:schemeClr>
+                </a:solidFill>
+              </a:rPr>
+              <a:t>עד תאריך</a:t>
+            </a:r>
+          </a:p>
+        </p:txBody>
+      </p:sp>
+      <p:pic>
+        <p:nvPicPr>
+          <p:cNvPr id="3" name="תמונה 2">
+            <a:extLst>
+              <a:ext uri="{FF2B5EF4-FFF2-40B4-BE49-F238E27FC236}">
+                <a16:creationId xmlns:a16="http://schemas.microsoft.com/office/drawing/2014/main" id="{B5C5D396-F44E-473D-BFB9-22E949C52A79}"/>
+              </a:ext>
+            </a:extLst>
+          </p:cNvPr>
+          <p:cNvPicPr>
+            <a:picLocks noChangeAspect="1"/>
+          </p:cNvPicPr>
+          <p:nvPr/>
+        </p:nvPicPr>
+        <p:blipFill>
+          <a:blip r:embed="rId4"/>
+          <a:stretch>
+            <a:fillRect/>
+          </a:stretch>
+        </p:blipFill>
+        <p:spPr>
+          <a:xfrm>
+            <a:off x="6008096" y="1914943"/>
+            <a:ext cx="238204" cy="238204"/>
+          </a:xfrm>
+          <a:prstGeom prst="rect">
+            <a:avLst/>
+          </a:prstGeom>
+        </p:spPr>
+      </p:pic>
+      <p:pic>
+        <p:nvPicPr>
+          <p:cNvPr id="4" name="תמונה 3">
+            <a:extLst>
+              <a:ext uri="{FF2B5EF4-FFF2-40B4-BE49-F238E27FC236}">
+                <a16:creationId xmlns:a16="http://schemas.microsoft.com/office/drawing/2014/main" id="{4D7DC266-8E78-4EA7-A014-81AF93A091D4}"/>
+              </a:ext>
+            </a:extLst>
+          </p:cNvPr>
+          <p:cNvPicPr>
+            <a:picLocks noChangeAspect="1"/>
+          </p:cNvPicPr>
+          <p:nvPr/>
+        </p:nvPicPr>
+        <p:blipFill>
+          <a:blip r:embed="rId5"/>
+          <a:stretch>
+            <a:fillRect/>
+          </a:stretch>
+        </p:blipFill>
+        <p:spPr>
+          <a:xfrm>
+            <a:off x="6014984" y="2421100"/>
+            <a:ext cx="231316" cy="253883"/>
+          </a:xfrm>
+          <a:prstGeom prst="rect">
+            <a:avLst/>
+          </a:prstGeom>
+        </p:spPr>
+      </p:pic>
+      <p:pic>
+        <p:nvPicPr>
+          <p:cNvPr id="31" name="תמונה 30">
+            <a:extLst>
+              <a:ext uri="{FF2B5EF4-FFF2-40B4-BE49-F238E27FC236}">
+                <a16:creationId xmlns:a16="http://schemas.microsoft.com/office/drawing/2014/main" id="{6AD82E13-854C-45CA-B2C3-7D4DFC154822}"/>
+              </a:ext>
+            </a:extLst>
+          </p:cNvPr>
+          <p:cNvPicPr>
+            <a:picLocks noChangeAspect="1"/>
+          </p:cNvPicPr>
+          <p:nvPr/>
+        </p:nvPicPr>
+        <p:blipFill>
+          <a:blip r:embed="rId5"/>
+          <a:stretch>
+            <a:fillRect/>
+          </a:stretch>
+        </p:blipFill>
+        <p:spPr>
+          <a:xfrm>
+            <a:off x="6014984" y="2986790"/>
+            <a:ext cx="231316" cy="253883"/>
+          </a:xfrm>
+          <a:prstGeom prst="rect">
+            <a:avLst/>
+          </a:prstGeom>
+        </p:spPr>
+      </p:pic>
+    </p:spTree>
+    <p:extLst>
+      <p:ext uri="{BB962C8B-B14F-4D97-AF65-F5344CB8AC3E}">
+        <p14:creationId xmlns:p14="http://schemas.microsoft.com/office/powerpoint/2010/main" val="1330614621"/>
+      </p:ext>
+    </p:extLst>
+  </p:cSld>
+  <p:clrMapOvr>
+    <a:masterClrMapping/>
+  </p:clrMapOvr>
+</p:sld>
+</file>
+
+<file path=ppt/slides/slide6.xml><?xml version="1.0" encoding="utf-8"?>
 <p:sld xmlns:a="http://schemas.openxmlformats.org/drawingml/2006/main" xmlns:r="http://schemas.openxmlformats.org/officeDocument/2006/relationships" xmlns:p="http://schemas.openxmlformats.org/presentationml/2006/main">
   <p:cSld>
     <p:spTree>
@@ -18987,7 +22210,7 @@
 </p:sld>
 </file>
 
-<file path=ppt/slides/slide6.xml><?xml version="1.0" encoding="utf-8"?>
+<file path=ppt/slides/slide7.xml><?xml version="1.0" encoding="utf-8"?>
 <p:sld xmlns:a="http://schemas.openxmlformats.org/drawingml/2006/main" xmlns:r="http://schemas.openxmlformats.org/officeDocument/2006/relationships" xmlns:p="http://schemas.openxmlformats.org/presentationml/2006/main">
   <p:cSld>
     <p:spTree>
@@ -19287,6 +22510,62 @@
       </p:pic>
       <p:sp>
         <p:nvSpPr>
+          <p:cNvPr id="22" name="מלבן 21">
+            <a:extLst>
+              <a:ext uri="{FF2B5EF4-FFF2-40B4-BE49-F238E27FC236}">
+                <a16:creationId xmlns:a16="http://schemas.microsoft.com/office/drawing/2014/main" id="{57690DF6-783E-4013-AC4B-9C19A36AC05E}"/>
+              </a:ext>
+            </a:extLst>
+          </p:cNvPr>
+          <p:cNvSpPr/>
+          <p:nvPr/>
+        </p:nvSpPr>
+        <p:spPr>
+          <a:xfrm>
+            <a:off x="2301948" y="486875"/>
+            <a:ext cx="4540102" cy="4435999"/>
+          </a:xfrm>
+          <a:prstGeom prst="rect">
+            <a:avLst/>
+          </a:prstGeom>
+          <a:solidFill>
+            <a:srgbClr val="757575">
+              <a:alpha val="69804"/>
+            </a:srgbClr>
+          </a:solidFill>
+          <a:ln>
+            <a:solidFill>
+              <a:schemeClr val="bg1"/>
+            </a:solidFill>
+          </a:ln>
+        </p:spPr>
+        <p:style>
+          <a:lnRef idx="2">
+            <a:schemeClr val="accent1">
+              <a:shade val="50000"/>
+            </a:schemeClr>
+          </a:lnRef>
+          <a:fillRef idx="1">
+            <a:schemeClr val="accent1"/>
+          </a:fillRef>
+          <a:effectRef idx="0">
+            <a:schemeClr val="accent1"/>
+          </a:effectRef>
+          <a:fontRef idx="minor">
+            <a:schemeClr val="lt1"/>
+          </a:fontRef>
+        </p:style>
+        <p:txBody>
+          <a:bodyPr rtlCol="1" anchor="ctr"/>
+          <a:lstStyle/>
+          <a:p>
+            <a:pPr algn="ctr"/>
+            <a:endParaRPr lang="he-IL"/>
+          </a:p>
+        </p:txBody>
+      </p:sp>
+      <p:sp>
+        <p:nvSpPr>
           <p:cNvPr id="152" name="Google Shape;152;p18"/>
           <p:cNvSpPr/>
           <p:nvPr/>
@@ -19294,7 +22573,7 @@
         <p:spPr>
           <a:xfrm>
             <a:off x="2542200" y="608100"/>
-            <a:ext cx="4059600" cy="4429800"/>
+            <a:ext cx="4059600" cy="4074492"/>
           </a:xfrm>
           <a:prstGeom prst="rect">
             <a:avLst/>
@@ -19441,32 +22720,674 @@
           </a:p>
         </p:txBody>
       </p:sp>
-      <p:sp>
-        <p:nvSpPr>
-          <p:cNvPr id="155" name="Google Shape;155;p18"/>
+      <p:cxnSp>
+        <p:nvCxnSpPr>
+          <p:cNvPr id="23" name="מחבר ישר 22">
+            <a:extLst>
+              <a:ext uri="{FF2B5EF4-FFF2-40B4-BE49-F238E27FC236}">
+                <a16:creationId xmlns:a16="http://schemas.microsoft.com/office/drawing/2014/main" id="{5AE1881D-185F-4EFC-B507-15E68C04AC95}"/>
+              </a:ext>
+            </a:extLst>
+          </p:cNvPr>
+          <p:cNvCxnSpPr>
+            <a:cxnSpLocks/>
+          </p:cNvCxnSpPr>
+          <p:nvPr/>
+        </p:nvCxnSpPr>
+        <p:spPr>
+          <a:xfrm flipH="1">
+            <a:off x="2892038" y="1775003"/>
+            <a:ext cx="3422790" cy="0"/>
+          </a:xfrm>
+          <a:prstGeom prst="line">
+            <a:avLst/>
+          </a:prstGeom>
+          <a:ln>
+            <a:solidFill>
+              <a:schemeClr val="tx1"/>
+            </a:solidFill>
+          </a:ln>
+        </p:spPr>
+        <p:style>
+          <a:lnRef idx="1">
+            <a:schemeClr val="accent1"/>
+          </a:lnRef>
+          <a:fillRef idx="0">
+            <a:schemeClr val="accent1"/>
+          </a:fillRef>
+          <a:effectRef idx="0">
+            <a:schemeClr val="accent1"/>
+          </a:effectRef>
+          <a:fontRef idx="minor">
+            <a:schemeClr val="tx1"/>
+          </a:fontRef>
+        </p:style>
+      </p:cxnSp>
+      <p:sp>
+        <p:nvSpPr>
+          <p:cNvPr id="24" name="תיבת טקסט 23">
+            <a:extLst>
+              <a:ext uri="{FF2B5EF4-FFF2-40B4-BE49-F238E27FC236}">
+                <a16:creationId xmlns:a16="http://schemas.microsoft.com/office/drawing/2014/main" id="{AC568435-5014-48AC-8F59-FED9CA314979}"/>
+              </a:ext>
+            </a:extLst>
+          </p:cNvPr>
+          <p:cNvSpPr txBox="1"/>
+          <p:nvPr/>
+        </p:nvSpPr>
+        <p:spPr>
+          <a:xfrm>
+            <a:off x="4918760" y="1473889"/>
+            <a:ext cx="1179317" cy="307777"/>
+          </a:xfrm>
+          <a:prstGeom prst="rect">
+            <a:avLst/>
+          </a:prstGeom>
+          <a:noFill/>
+        </p:spPr>
+        <p:txBody>
+          <a:bodyPr wrap="square" rtlCol="1">
+            <a:spAutoFit/>
+          </a:bodyPr>
+          <a:lstStyle/>
+          <a:p>
+            <a:pPr algn="r"/>
+            <a:r>
+              <a:rPr lang="he-IL" dirty="0">
+                <a:solidFill>
+                  <a:schemeClr val="bg1">
+                    <a:lumMod val="65000"/>
+                  </a:schemeClr>
+                </a:solidFill>
+              </a:rPr>
+              <a:t>שם פגישה</a:t>
+            </a:r>
+          </a:p>
+        </p:txBody>
+      </p:sp>
+      <p:pic>
+        <p:nvPicPr>
+          <p:cNvPr id="25" name="תמונה 24">
+            <a:extLst>
+              <a:ext uri="{FF2B5EF4-FFF2-40B4-BE49-F238E27FC236}">
+                <a16:creationId xmlns:a16="http://schemas.microsoft.com/office/drawing/2014/main" id="{8CD5ABA1-E92F-44E5-AD8C-9A158F3B0A10}"/>
+              </a:ext>
+            </a:extLst>
+          </p:cNvPr>
+          <p:cNvPicPr>
+            <a:picLocks noChangeAspect="1"/>
+          </p:cNvPicPr>
+          <p:nvPr/>
+        </p:nvPicPr>
+        <p:blipFill>
+          <a:blip r:embed="rId4"/>
+          <a:stretch>
+            <a:fillRect/>
+          </a:stretch>
+        </p:blipFill>
+        <p:spPr>
+          <a:xfrm>
+            <a:off x="6103771" y="1510272"/>
+            <a:ext cx="238204" cy="238204"/>
+          </a:xfrm>
+          <a:prstGeom prst="rect">
+            <a:avLst/>
+          </a:prstGeom>
+        </p:spPr>
+      </p:pic>
+      <p:cxnSp>
+        <p:nvCxnSpPr>
+          <p:cNvPr id="26" name="מחבר ישר 25">
+            <a:extLst>
+              <a:ext uri="{FF2B5EF4-FFF2-40B4-BE49-F238E27FC236}">
+                <a16:creationId xmlns:a16="http://schemas.microsoft.com/office/drawing/2014/main" id="{4F87DB0C-9DD2-4F98-9F5C-C87FAB530D97}"/>
+              </a:ext>
+            </a:extLst>
+          </p:cNvPr>
+          <p:cNvCxnSpPr>
+            <a:cxnSpLocks/>
+          </p:cNvCxnSpPr>
+          <p:nvPr/>
+        </p:nvCxnSpPr>
+        <p:spPr>
+          <a:xfrm flipH="1">
+            <a:off x="2892038" y="2283817"/>
+            <a:ext cx="3453305" cy="0"/>
+          </a:xfrm>
+          <a:prstGeom prst="line">
+            <a:avLst/>
+          </a:prstGeom>
+          <a:ln>
+            <a:solidFill>
+              <a:schemeClr val="tx1"/>
+            </a:solidFill>
+          </a:ln>
+        </p:spPr>
+        <p:style>
+          <a:lnRef idx="1">
+            <a:schemeClr val="accent1"/>
+          </a:lnRef>
+          <a:fillRef idx="0">
+            <a:schemeClr val="accent1"/>
+          </a:fillRef>
+          <a:effectRef idx="0">
+            <a:schemeClr val="accent1"/>
+          </a:effectRef>
+          <a:fontRef idx="minor">
+            <a:schemeClr val="tx1"/>
+          </a:fontRef>
+        </p:style>
+      </p:cxnSp>
+      <p:sp>
+        <p:nvSpPr>
+          <p:cNvPr id="27" name="תיבת טקסט 26">
+            <a:extLst>
+              <a:ext uri="{FF2B5EF4-FFF2-40B4-BE49-F238E27FC236}">
+                <a16:creationId xmlns:a16="http://schemas.microsoft.com/office/drawing/2014/main" id="{78E5D189-85DB-45CE-BF43-1A9951166AF4}"/>
+              </a:ext>
+            </a:extLst>
+          </p:cNvPr>
+          <p:cNvSpPr txBox="1"/>
+          <p:nvPr/>
+        </p:nvSpPr>
+        <p:spPr>
+          <a:xfrm>
+            <a:off x="4949277" y="1982703"/>
+            <a:ext cx="1179317" cy="307777"/>
+          </a:xfrm>
+          <a:prstGeom prst="rect">
+            <a:avLst/>
+          </a:prstGeom>
+          <a:noFill/>
+        </p:spPr>
+        <p:txBody>
+          <a:bodyPr wrap="square" rtlCol="1">
+            <a:spAutoFit/>
+          </a:bodyPr>
+          <a:lstStyle/>
+          <a:p>
+            <a:pPr algn="r"/>
+            <a:r>
+              <a:rPr lang="he-IL" dirty="0">
+                <a:solidFill>
+                  <a:schemeClr val="bg1">
+                    <a:lumMod val="65000"/>
+                  </a:schemeClr>
+                </a:solidFill>
+              </a:rPr>
+              <a:t>מתאריך</a:t>
+            </a:r>
+          </a:p>
+        </p:txBody>
+      </p:sp>
+      <p:cxnSp>
+        <p:nvCxnSpPr>
+          <p:cNvPr id="28" name="מחבר ישר 27">
+            <a:extLst>
+              <a:ext uri="{FF2B5EF4-FFF2-40B4-BE49-F238E27FC236}">
+                <a16:creationId xmlns:a16="http://schemas.microsoft.com/office/drawing/2014/main" id="{6C32C8F2-79D8-4E47-85C2-B6AAF78622FC}"/>
+              </a:ext>
+            </a:extLst>
+          </p:cNvPr>
+          <p:cNvCxnSpPr>
+            <a:cxnSpLocks/>
+          </p:cNvCxnSpPr>
+          <p:nvPr/>
+        </p:nvCxnSpPr>
+        <p:spPr>
+          <a:xfrm flipH="1">
+            <a:off x="2892038" y="2839728"/>
+            <a:ext cx="3462948" cy="0"/>
+          </a:xfrm>
+          <a:prstGeom prst="line">
+            <a:avLst/>
+          </a:prstGeom>
+          <a:ln>
+            <a:solidFill>
+              <a:schemeClr val="tx1"/>
+            </a:solidFill>
+          </a:ln>
+        </p:spPr>
+        <p:style>
+          <a:lnRef idx="1">
+            <a:schemeClr val="accent1"/>
+          </a:lnRef>
+          <a:fillRef idx="0">
+            <a:schemeClr val="accent1"/>
+          </a:fillRef>
+          <a:effectRef idx="0">
+            <a:schemeClr val="accent1"/>
+          </a:effectRef>
+          <a:fontRef idx="minor">
+            <a:schemeClr val="tx1"/>
+          </a:fontRef>
+        </p:style>
+      </p:cxnSp>
+      <p:sp>
+        <p:nvSpPr>
+          <p:cNvPr id="29" name="תיבת טקסט 28">
+            <a:extLst>
+              <a:ext uri="{FF2B5EF4-FFF2-40B4-BE49-F238E27FC236}">
+                <a16:creationId xmlns:a16="http://schemas.microsoft.com/office/drawing/2014/main" id="{C85A3B4A-7531-477F-9FBB-7215CE714705}"/>
+              </a:ext>
+            </a:extLst>
+          </p:cNvPr>
+          <p:cNvSpPr txBox="1"/>
+          <p:nvPr/>
+        </p:nvSpPr>
+        <p:spPr>
+          <a:xfrm>
+            <a:off x="4958920" y="2538614"/>
+            <a:ext cx="1179317" cy="307777"/>
+          </a:xfrm>
+          <a:prstGeom prst="rect">
+            <a:avLst/>
+          </a:prstGeom>
+          <a:noFill/>
+        </p:spPr>
+        <p:txBody>
+          <a:bodyPr wrap="square" rtlCol="1">
+            <a:spAutoFit/>
+          </a:bodyPr>
+          <a:lstStyle/>
+          <a:p>
+            <a:pPr algn="r"/>
+            <a:r>
+              <a:rPr lang="he-IL" dirty="0">
+                <a:solidFill>
+                  <a:schemeClr val="bg1">
+                    <a:lumMod val="65000"/>
+                  </a:schemeClr>
+                </a:solidFill>
+              </a:rPr>
+              <a:t>עד תאריך</a:t>
+            </a:r>
+          </a:p>
+        </p:txBody>
+      </p:sp>
+      <p:pic>
+        <p:nvPicPr>
+          <p:cNvPr id="30" name="תמונה 29">
+            <a:extLst>
+              <a:ext uri="{FF2B5EF4-FFF2-40B4-BE49-F238E27FC236}">
+                <a16:creationId xmlns:a16="http://schemas.microsoft.com/office/drawing/2014/main" id="{1B0A7F11-D834-466D-A2BD-DEABD2D4ABDB}"/>
+              </a:ext>
+            </a:extLst>
+          </p:cNvPr>
+          <p:cNvPicPr>
+            <a:picLocks noChangeAspect="1"/>
+          </p:cNvPicPr>
+          <p:nvPr/>
+        </p:nvPicPr>
+        <p:blipFill>
+          <a:blip r:embed="rId5"/>
+          <a:stretch>
+            <a:fillRect/>
+          </a:stretch>
+        </p:blipFill>
+        <p:spPr>
+          <a:xfrm>
+            <a:off x="6110659" y="1992743"/>
+            <a:ext cx="231316" cy="253883"/>
+          </a:xfrm>
+          <a:prstGeom prst="rect">
+            <a:avLst/>
+          </a:prstGeom>
+        </p:spPr>
+      </p:pic>
+      <p:pic>
+        <p:nvPicPr>
+          <p:cNvPr id="31" name="תמונה 30">
+            <a:extLst>
+              <a:ext uri="{FF2B5EF4-FFF2-40B4-BE49-F238E27FC236}">
+                <a16:creationId xmlns:a16="http://schemas.microsoft.com/office/drawing/2014/main" id="{F3C82B20-D35F-446D-A9F1-ADCDD0103E4C}"/>
+              </a:ext>
+            </a:extLst>
+          </p:cNvPr>
+          <p:cNvPicPr>
+            <a:picLocks noChangeAspect="1"/>
+          </p:cNvPicPr>
+          <p:nvPr/>
+        </p:nvPicPr>
+        <p:blipFill>
+          <a:blip r:embed="rId5"/>
+          <a:stretch>
+            <a:fillRect/>
+          </a:stretch>
+        </p:blipFill>
+        <p:spPr>
+          <a:xfrm>
+            <a:off x="6110659" y="2537555"/>
+            <a:ext cx="231316" cy="253883"/>
+          </a:xfrm>
+          <a:prstGeom prst="rect">
+            <a:avLst/>
+          </a:prstGeom>
+        </p:spPr>
+      </p:pic>
+      <p:cxnSp>
+        <p:nvCxnSpPr>
+          <p:cNvPr id="32" name="מחבר ישר 31">
+            <a:extLst>
+              <a:ext uri="{FF2B5EF4-FFF2-40B4-BE49-F238E27FC236}">
+                <a16:creationId xmlns:a16="http://schemas.microsoft.com/office/drawing/2014/main" id="{098001EC-0438-4312-ACF6-FC0526B485DF}"/>
+              </a:ext>
+            </a:extLst>
+          </p:cNvPr>
+          <p:cNvCxnSpPr>
+            <a:cxnSpLocks/>
+          </p:cNvCxnSpPr>
+          <p:nvPr/>
+        </p:nvCxnSpPr>
+        <p:spPr>
+          <a:xfrm flipH="1">
+            <a:off x="2892038" y="3374894"/>
+            <a:ext cx="3462948" cy="0"/>
+          </a:xfrm>
+          <a:prstGeom prst="line">
+            <a:avLst/>
+          </a:prstGeom>
+          <a:ln>
+            <a:solidFill>
+              <a:schemeClr val="tx1"/>
+            </a:solidFill>
+          </a:ln>
+        </p:spPr>
+        <p:style>
+          <a:lnRef idx="1">
+            <a:schemeClr val="accent1"/>
+          </a:lnRef>
+          <a:fillRef idx="0">
+            <a:schemeClr val="accent1"/>
+          </a:fillRef>
+          <a:effectRef idx="0">
+            <a:schemeClr val="accent1"/>
+          </a:effectRef>
+          <a:fontRef idx="minor">
+            <a:schemeClr val="tx1"/>
+          </a:fontRef>
+        </p:style>
+      </p:cxnSp>
+      <p:sp>
+        <p:nvSpPr>
+          <p:cNvPr id="33" name="תיבת טקסט 32">
+            <a:extLst>
+              <a:ext uri="{FF2B5EF4-FFF2-40B4-BE49-F238E27FC236}">
+                <a16:creationId xmlns:a16="http://schemas.microsoft.com/office/drawing/2014/main" id="{0C984DF3-4EBD-4DEF-B320-DA04F876CFB7}"/>
+              </a:ext>
+            </a:extLst>
+          </p:cNvPr>
+          <p:cNvSpPr txBox="1"/>
+          <p:nvPr/>
+        </p:nvSpPr>
+        <p:spPr>
+          <a:xfrm>
+            <a:off x="4958920" y="3073780"/>
+            <a:ext cx="1179317" cy="307777"/>
+          </a:xfrm>
+          <a:prstGeom prst="rect">
+            <a:avLst/>
+          </a:prstGeom>
+          <a:noFill/>
+        </p:spPr>
+        <p:txBody>
+          <a:bodyPr wrap="square" rtlCol="1">
+            <a:spAutoFit/>
+          </a:bodyPr>
+          <a:lstStyle/>
+          <a:p>
+            <a:pPr algn="r"/>
+            <a:r>
+              <a:rPr lang="he-IL" dirty="0">
+                <a:solidFill>
+                  <a:schemeClr val="bg1">
+                    <a:lumMod val="65000"/>
+                  </a:schemeClr>
+                </a:solidFill>
+              </a:rPr>
+              <a:t>משתתפים</a:t>
+            </a:r>
+          </a:p>
+        </p:txBody>
+      </p:sp>
+      <p:pic>
+        <p:nvPicPr>
+          <p:cNvPr id="2" name="תמונה 1">
+            <a:extLst>
+              <a:ext uri="{FF2B5EF4-FFF2-40B4-BE49-F238E27FC236}">
+                <a16:creationId xmlns:a16="http://schemas.microsoft.com/office/drawing/2014/main" id="{765AC3D8-76D4-4185-B4D6-0C715BA3A29A}"/>
+              </a:ext>
+            </a:extLst>
+          </p:cNvPr>
+          <p:cNvPicPr>
+            <a:picLocks noChangeAspect="1"/>
+          </p:cNvPicPr>
+          <p:nvPr/>
+        </p:nvPicPr>
+        <p:blipFill>
+          <a:blip r:embed="rId6"/>
+          <a:stretch>
+            <a:fillRect/>
+          </a:stretch>
+        </p:blipFill>
+        <p:spPr>
+          <a:xfrm>
+            <a:off x="2993375" y="3155011"/>
+            <a:ext cx="208795" cy="169646"/>
+          </a:xfrm>
+          <a:prstGeom prst="rect">
+            <a:avLst/>
+          </a:prstGeom>
+        </p:spPr>
+      </p:pic>
+      <p:pic>
+        <p:nvPicPr>
+          <p:cNvPr id="3" name="תמונה 2">
+            <a:extLst>
+              <a:ext uri="{FF2B5EF4-FFF2-40B4-BE49-F238E27FC236}">
+                <a16:creationId xmlns:a16="http://schemas.microsoft.com/office/drawing/2014/main" id="{798F52DB-EC2D-466D-A09F-949EACC00FD0}"/>
+              </a:ext>
+            </a:extLst>
+          </p:cNvPr>
+          <p:cNvPicPr>
+            <a:picLocks noChangeAspect="1"/>
+          </p:cNvPicPr>
+          <p:nvPr/>
+        </p:nvPicPr>
+        <p:blipFill>
+          <a:blip r:embed="rId7"/>
+          <a:stretch>
+            <a:fillRect/>
+          </a:stretch>
+        </p:blipFill>
+        <p:spPr>
+          <a:xfrm>
+            <a:off x="6087926" y="3113799"/>
+            <a:ext cx="275855" cy="213928"/>
+          </a:xfrm>
+          <a:prstGeom prst="rect">
+            <a:avLst/>
+          </a:prstGeom>
+        </p:spPr>
+      </p:pic>
+      <p:cxnSp>
+        <p:nvCxnSpPr>
+          <p:cNvPr id="37" name="מחבר ישר 36">
+            <a:extLst>
+              <a:ext uri="{FF2B5EF4-FFF2-40B4-BE49-F238E27FC236}">
+                <a16:creationId xmlns:a16="http://schemas.microsoft.com/office/drawing/2014/main" id="{70DC8472-8989-48F1-BC20-CF1CF273442F}"/>
+              </a:ext>
+            </a:extLst>
+          </p:cNvPr>
+          <p:cNvCxnSpPr>
+            <a:cxnSpLocks/>
+          </p:cNvCxnSpPr>
+          <p:nvPr/>
+        </p:nvCxnSpPr>
+        <p:spPr>
+          <a:xfrm flipH="1">
+            <a:off x="2902189" y="3878580"/>
+            <a:ext cx="3462948" cy="0"/>
+          </a:xfrm>
+          <a:prstGeom prst="line">
+            <a:avLst/>
+          </a:prstGeom>
+          <a:ln>
+            <a:solidFill>
+              <a:schemeClr val="tx1"/>
+            </a:solidFill>
+          </a:ln>
+        </p:spPr>
+        <p:style>
+          <a:lnRef idx="1">
+            <a:schemeClr val="accent1"/>
+          </a:lnRef>
+          <a:fillRef idx="0">
+            <a:schemeClr val="accent1"/>
+          </a:fillRef>
+          <a:effectRef idx="0">
+            <a:schemeClr val="accent1"/>
+          </a:effectRef>
+          <a:fontRef idx="minor">
+            <a:schemeClr val="tx1"/>
+          </a:fontRef>
+        </p:style>
+      </p:cxnSp>
+      <p:sp>
+        <p:nvSpPr>
+          <p:cNvPr id="38" name="תיבת טקסט 37">
+            <a:extLst>
+              <a:ext uri="{FF2B5EF4-FFF2-40B4-BE49-F238E27FC236}">
+                <a16:creationId xmlns:a16="http://schemas.microsoft.com/office/drawing/2014/main" id="{561258AE-452D-47AF-B880-9DD72B64B3E4}"/>
+              </a:ext>
+            </a:extLst>
+          </p:cNvPr>
+          <p:cNvSpPr txBox="1"/>
+          <p:nvPr/>
+        </p:nvSpPr>
+        <p:spPr>
+          <a:xfrm>
+            <a:off x="4969071" y="3577466"/>
+            <a:ext cx="1179317" cy="307777"/>
+          </a:xfrm>
+          <a:prstGeom prst="rect">
+            <a:avLst/>
+          </a:prstGeom>
+          <a:noFill/>
+        </p:spPr>
+        <p:txBody>
+          <a:bodyPr wrap="square" rtlCol="1">
+            <a:spAutoFit/>
+          </a:bodyPr>
+          <a:lstStyle/>
+          <a:p>
+            <a:pPr algn="r"/>
+            <a:r>
+              <a:rPr lang="he-IL" dirty="0">
+                <a:solidFill>
+                  <a:schemeClr val="bg1">
+                    <a:lumMod val="65000"/>
+                  </a:schemeClr>
+                </a:solidFill>
+              </a:rPr>
+              <a:t>מיקום</a:t>
+            </a:r>
+          </a:p>
+        </p:txBody>
+      </p:sp>
+      <p:pic>
+        <p:nvPicPr>
+          <p:cNvPr id="39" name="תמונה 38">
+            <a:extLst>
+              <a:ext uri="{FF2B5EF4-FFF2-40B4-BE49-F238E27FC236}">
+                <a16:creationId xmlns:a16="http://schemas.microsoft.com/office/drawing/2014/main" id="{509D5D46-002D-45F4-8787-074ED3F3D679}"/>
+              </a:ext>
+            </a:extLst>
+          </p:cNvPr>
+          <p:cNvPicPr>
+            <a:picLocks noChangeAspect="1"/>
+          </p:cNvPicPr>
+          <p:nvPr/>
+        </p:nvPicPr>
+        <p:blipFill>
+          <a:blip r:embed="rId6"/>
+          <a:stretch>
+            <a:fillRect/>
+          </a:stretch>
+        </p:blipFill>
+        <p:spPr>
+          <a:xfrm>
+            <a:off x="3003526" y="3658697"/>
+            <a:ext cx="208795" cy="169646"/>
+          </a:xfrm>
+          <a:prstGeom prst="rect">
+            <a:avLst/>
+          </a:prstGeom>
+        </p:spPr>
+      </p:pic>
+      <p:pic>
+        <p:nvPicPr>
+          <p:cNvPr id="4" name="תמונה 3">
+            <a:extLst>
+              <a:ext uri="{FF2B5EF4-FFF2-40B4-BE49-F238E27FC236}">
+                <a16:creationId xmlns:a16="http://schemas.microsoft.com/office/drawing/2014/main" id="{9FA14DD2-97AC-449C-A321-209461BFC7C6}"/>
+              </a:ext>
+            </a:extLst>
+          </p:cNvPr>
+          <p:cNvPicPr>
+            <a:picLocks noChangeAspect="1"/>
+          </p:cNvPicPr>
+          <p:nvPr/>
+        </p:nvPicPr>
+        <p:blipFill>
+          <a:blip r:embed="rId8"/>
+          <a:stretch>
+            <a:fillRect/>
+          </a:stretch>
+        </p:blipFill>
+        <p:spPr>
+          <a:xfrm>
+            <a:off x="6098077" y="3595135"/>
+            <a:ext cx="297098" cy="253884"/>
+          </a:xfrm>
+          <a:prstGeom prst="rect">
+            <a:avLst/>
+          </a:prstGeom>
+        </p:spPr>
+      </p:pic>
+      <p:sp>
+        <p:nvSpPr>
+          <p:cNvPr id="42" name="Google Shape;116;p16">
+            <a:extLst>
+              <a:ext uri="{FF2B5EF4-FFF2-40B4-BE49-F238E27FC236}">
+                <a16:creationId xmlns:a16="http://schemas.microsoft.com/office/drawing/2014/main" id="{00B66A8E-7026-4F58-8A3C-C1393FFF87C3}"/>
+              </a:ext>
+            </a:extLst>
+          </p:cNvPr>
           <p:cNvSpPr/>
           <p:nvPr/>
         </p:nvSpPr>
         <p:spPr>
           <a:xfrm>
-            <a:off x="2993375" y="2006388"/>
-            <a:ext cx="3348600" cy="437400"/>
+            <a:off x="2892038" y="4106666"/>
+            <a:ext cx="1093500" cy="437400"/>
           </a:xfrm>
           <a:prstGeom prst="rect">
             <a:avLst/>
           </a:prstGeom>
           <a:solidFill>
-            <a:srgbClr val="FFFFFF"/>
+            <a:srgbClr val="DDDDDD"/>
           </a:solidFill>
           <a:ln w="9525" cap="flat" cmpd="sng">
             <a:solidFill>
-              <a:srgbClr val="B4D0E7"/>
+              <a:srgbClr val="CFCFCF"/>
             </a:solidFill>
             <a:prstDash val="solid"/>
             <a:round/>
             <a:headEnd type="none" w="sm" len="sm"/>
             <a:tailEnd type="none" w="sm" len="sm"/>
           </a:ln>
+          <a:effectLst/>
         </p:spPr>
         <p:txBody>
           <a:bodyPr spcFirstLastPara="1" wrap="square" lIns="91425" tIns="91425" rIns="91425" bIns="91425" anchor="ctr" anchorCtr="0">
@@ -19474,45 +23395,7 @@
           </a:bodyPr>
           <a:lstStyle/>
           <a:p>
-            <a:pPr marL="0" lvl="0" indent="0" algn="l" rtl="0">
-              <a:spcBef>
-                <a:spcPts val="0"/>
-              </a:spcBef>
-              <a:spcAft>
-                <a:spcPts val="0"/>
-              </a:spcAft>
-              <a:buNone/>
-            </a:pPr>
-            <a:endParaRPr/>
-          </a:p>
-        </p:txBody>
-      </p:sp>
-      <p:sp>
-        <p:nvSpPr>
-          <p:cNvPr id="156" name="Google Shape;156;p18"/>
-          <p:cNvSpPr txBox="1"/>
-          <p:nvPr/>
-        </p:nvSpPr>
-        <p:spPr>
-          <a:xfrm>
-            <a:off x="4797600" y="2040700"/>
-            <a:ext cx="1476300" cy="437400"/>
-          </a:xfrm>
-          <a:prstGeom prst="rect">
-            <a:avLst/>
-          </a:prstGeom>
-          <a:noFill/>
-          <a:ln>
-            <a:noFill/>
-          </a:ln>
-        </p:spPr>
-        <p:txBody>
-          <a:bodyPr spcFirstLastPara="1" wrap="square" lIns="91425" tIns="91425" rIns="91425" bIns="91425" anchor="t" anchorCtr="0">
-            <a:noAutofit/>
-          </a:bodyPr>
-          <a:lstStyle/>
-          <a:p>
-            <a:pPr marL="0" lvl="0" indent="0" algn="r" rtl="1">
+            <a:pPr marL="0" lvl="0" indent="0" algn="ctr" rtl="1">
               <a:spcBef>
                 <a:spcPts val="0"/>
               </a:spcBef>
@@ -19522,465 +23405,20 @@
               <a:buNone/>
             </a:pPr>
             <a:r>
-              <a:rPr lang="iw">
+              <a:rPr lang="iw" dirty="0">
                 <a:solidFill>
-                  <a:srgbClr val="999999"/>
-                </a:solidFill>
-              </a:rPr>
-              <a:t>מתאריך</a:t>
-            </a:r>
-            <a:endParaRPr>
-              <a:solidFill>
-                <a:srgbClr val="999999"/>
-              </a:solidFill>
-            </a:endParaRPr>
-          </a:p>
-        </p:txBody>
-      </p:sp>
-      <p:sp>
-        <p:nvSpPr>
-          <p:cNvPr id="157" name="Google Shape;157;p18"/>
-          <p:cNvSpPr/>
-          <p:nvPr/>
-        </p:nvSpPr>
-        <p:spPr>
-          <a:xfrm>
-            <a:off x="2993375" y="2604300"/>
-            <a:ext cx="3348600" cy="437400"/>
-          </a:xfrm>
-          <a:prstGeom prst="rect">
-            <a:avLst/>
-          </a:prstGeom>
-          <a:solidFill>
-            <a:srgbClr val="FFFFFF"/>
-          </a:solidFill>
-          <a:ln w="9525" cap="flat" cmpd="sng">
-            <a:solidFill>
-              <a:srgbClr val="B4D0E7"/>
-            </a:solidFill>
-            <a:prstDash val="solid"/>
-            <a:round/>
-            <a:headEnd type="none" w="sm" len="sm"/>
-            <a:tailEnd type="none" w="sm" len="sm"/>
-          </a:ln>
-        </p:spPr>
-        <p:txBody>
-          <a:bodyPr spcFirstLastPara="1" wrap="square" lIns="91425" tIns="91425" rIns="91425" bIns="91425" anchor="ctr" anchorCtr="0">
-            <a:noAutofit/>
-          </a:bodyPr>
-          <a:lstStyle/>
-          <a:p>
-            <a:pPr marL="0" lvl="0" indent="0" algn="l" rtl="0">
-              <a:spcBef>
-                <a:spcPts val="0"/>
-              </a:spcBef>
-              <a:spcAft>
-                <a:spcPts val="0"/>
-              </a:spcAft>
-              <a:buNone/>
-            </a:pPr>
-            <a:endParaRPr/>
-          </a:p>
-        </p:txBody>
-      </p:sp>
-      <p:sp>
-        <p:nvSpPr>
-          <p:cNvPr id="158" name="Google Shape;158;p18"/>
-          <p:cNvSpPr txBox="1"/>
-          <p:nvPr/>
-        </p:nvSpPr>
-        <p:spPr>
-          <a:xfrm>
-            <a:off x="4865675" y="2654538"/>
-            <a:ext cx="1476300" cy="437400"/>
-          </a:xfrm>
-          <a:prstGeom prst="rect">
-            <a:avLst/>
-          </a:prstGeom>
-          <a:noFill/>
-          <a:ln>
-            <a:noFill/>
-          </a:ln>
-        </p:spPr>
-        <p:txBody>
-          <a:bodyPr spcFirstLastPara="1" wrap="square" lIns="91425" tIns="91425" rIns="91425" bIns="91425" anchor="t" anchorCtr="0">
-            <a:noAutofit/>
-          </a:bodyPr>
-          <a:lstStyle/>
-          <a:p>
-            <a:pPr marL="0" lvl="0" indent="0" algn="r" rtl="1">
-              <a:spcBef>
-                <a:spcPts val="0"/>
-              </a:spcBef>
-              <a:spcAft>
-                <a:spcPts val="0"/>
-              </a:spcAft>
-              <a:buNone/>
-            </a:pPr>
-            <a:r>
-              <a:rPr lang="iw">
-                <a:solidFill>
-                  <a:srgbClr val="999999"/>
-                </a:solidFill>
-              </a:rPr>
-              <a:t>עד תאריך</a:t>
-            </a:r>
-            <a:endParaRPr>
-              <a:solidFill>
-                <a:srgbClr val="999999"/>
-              </a:solidFill>
-            </a:endParaRPr>
-          </a:p>
-        </p:txBody>
-      </p:sp>
-      <p:sp>
-        <p:nvSpPr>
-          <p:cNvPr id="159" name="Google Shape;159;p18"/>
-          <p:cNvSpPr/>
-          <p:nvPr/>
-        </p:nvSpPr>
-        <p:spPr>
-          <a:xfrm>
-            <a:off x="2993375" y="1408475"/>
-            <a:ext cx="3348600" cy="437400"/>
-          </a:xfrm>
-          <a:prstGeom prst="rect">
-            <a:avLst/>
-          </a:prstGeom>
-          <a:solidFill>
-            <a:srgbClr val="FFFFFF"/>
-          </a:solidFill>
-          <a:ln w="9525" cap="flat" cmpd="sng">
-            <a:solidFill>
-              <a:srgbClr val="B4D0E7"/>
-            </a:solidFill>
-            <a:prstDash val="solid"/>
-            <a:round/>
-            <a:headEnd type="none" w="sm" len="sm"/>
-            <a:tailEnd type="none" w="sm" len="sm"/>
-          </a:ln>
-        </p:spPr>
-        <p:txBody>
-          <a:bodyPr spcFirstLastPara="1" wrap="square" lIns="91425" tIns="91425" rIns="91425" bIns="91425" anchor="ctr" anchorCtr="0">
-            <a:noAutofit/>
-          </a:bodyPr>
-          <a:lstStyle/>
-          <a:p>
-            <a:pPr marL="0" lvl="0" indent="0" algn="l" rtl="0">
-              <a:spcBef>
-                <a:spcPts val="0"/>
-              </a:spcBef>
-              <a:spcAft>
-                <a:spcPts val="0"/>
-              </a:spcAft>
-              <a:buNone/>
-            </a:pPr>
-            <a:endParaRPr/>
-          </a:p>
-        </p:txBody>
-      </p:sp>
-      <p:sp>
-        <p:nvSpPr>
-          <p:cNvPr id="160" name="Google Shape;160;p18"/>
-          <p:cNvSpPr txBox="1"/>
-          <p:nvPr/>
-        </p:nvSpPr>
-        <p:spPr>
-          <a:xfrm>
-            <a:off x="4797600" y="1426850"/>
-            <a:ext cx="1476300" cy="437400"/>
-          </a:xfrm>
-          <a:prstGeom prst="rect">
-            <a:avLst/>
-          </a:prstGeom>
-          <a:noFill/>
-          <a:ln>
-            <a:noFill/>
-          </a:ln>
-        </p:spPr>
-        <p:txBody>
-          <a:bodyPr spcFirstLastPara="1" wrap="square" lIns="91425" tIns="91425" rIns="91425" bIns="91425" anchor="t" anchorCtr="0">
-            <a:noAutofit/>
-          </a:bodyPr>
-          <a:lstStyle/>
-          <a:p>
-            <a:pPr marL="0" lvl="0" indent="0" algn="r" rtl="1">
-              <a:spcBef>
-                <a:spcPts val="0"/>
-              </a:spcBef>
-              <a:spcAft>
-                <a:spcPts val="0"/>
-              </a:spcAft>
-              <a:buNone/>
-            </a:pPr>
-            <a:r>
-              <a:rPr lang="iw">
-                <a:solidFill>
-                  <a:srgbClr val="999999"/>
-                </a:solidFill>
-              </a:rPr>
-              <a:t>שם</a:t>
-            </a:r>
-            <a:endParaRPr>
-              <a:solidFill>
-                <a:srgbClr val="999999"/>
-              </a:solidFill>
-            </a:endParaRPr>
-          </a:p>
-        </p:txBody>
-      </p:sp>
-      <p:sp>
-        <p:nvSpPr>
-          <p:cNvPr id="161" name="Google Shape;161;p18"/>
-          <p:cNvSpPr/>
-          <p:nvPr/>
-        </p:nvSpPr>
-        <p:spPr>
-          <a:xfrm>
-            <a:off x="5248475" y="4430125"/>
-            <a:ext cx="1093500" cy="437400"/>
-          </a:xfrm>
-          <a:prstGeom prst="rect">
-            <a:avLst/>
-          </a:prstGeom>
-          <a:solidFill>
-            <a:srgbClr val="B4D0E7"/>
-          </a:solidFill>
-          <a:ln w="9525" cap="flat" cmpd="sng">
-            <a:solidFill>
-              <a:srgbClr val="B4D0E7"/>
-            </a:solidFill>
-            <a:prstDash val="solid"/>
-            <a:round/>
-            <a:headEnd type="none" w="sm" len="sm"/>
-            <a:tailEnd type="none" w="sm" len="sm"/>
-          </a:ln>
-          <a:effectLst>
-            <a:outerShdw blurRad="57150" dist="19050" dir="5400000" algn="bl" rotWithShape="0">
-              <a:schemeClr val="dk1">
-                <a:alpha val="50000"/>
-              </a:schemeClr>
-            </a:outerShdw>
-          </a:effectLst>
-        </p:spPr>
-        <p:txBody>
-          <a:bodyPr spcFirstLastPara="1" wrap="square" lIns="91425" tIns="91425" rIns="91425" bIns="91425" anchor="ctr" anchorCtr="0">
-            <a:noAutofit/>
-          </a:bodyPr>
-          <a:lstStyle/>
-          <a:p>
-            <a:pPr marL="0" lvl="0" indent="0" algn="ctr" rtl="1">
-              <a:spcBef>
-                <a:spcPts val="0"/>
-              </a:spcBef>
-              <a:spcAft>
-                <a:spcPts val="0"/>
-              </a:spcAft>
-              <a:buNone/>
-            </a:pPr>
-            <a:r>
-              <a:rPr lang="iw">
-                <a:solidFill>
-                  <a:srgbClr val="FFFFFF"/>
+                  <a:schemeClr val="bg1">
+                    <a:lumMod val="65000"/>
+                  </a:schemeClr>
                 </a:solidFill>
               </a:rPr>
               <a:t>שמור</a:t>
             </a:r>
-            <a:endParaRPr>
+            <a:endParaRPr dirty="0">
               <a:solidFill>
-                <a:srgbClr val="FFFFFF"/>
-              </a:solidFill>
-            </a:endParaRPr>
-          </a:p>
-        </p:txBody>
-      </p:sp>
-      <p:sp>
-        <p:nvSpPr>
-          <p:cNvPr id="162" name="Google Shape;162;p18"/>
-          <p:cNvSpPr/>
-          <p:nvPr/>
-        </p:nvSpPr>
-        <p:spPr>
-          <a:xfrm>
-            <a:off x="2993375" y="3223275"/>
-            <a:ext cx="3348600" cy="437400"/>
-          </a:xfrm>
-          <a:prstGeom prst="rect">
-            <a:avLst/>
-          </a:prstGeom>
-          <a:solidFill>
-            <a:srgbClr val="FFFFFF"/>
-          </a:solidFill>
-          <a:ln w="9525" cap="flat" cmpd="sng">
-            <a:solidFill>
-              <a:srgbClr val="B4D0E7"/>
-            </a:solidFill>
-            <a:prstDash val="solid"/>
-            <a:round/>
-            <a:headEnd type="none" w="sm" len="sm"/>
-            <a:tailEnd type="none" w="sm" len="sm"/>
-          </a:ln>
-        </p:spPr>
-        <p:txBody>
-          <a:bodyPr spcFirstLastPara="1" wrap="square" lIns="91425" tIns="91425" rIns="91425" bIns="91425" anchor="ctr" anchorCtr="0">
-            <a:noAutofit/>
-          </a:bodyPr>
-          <a:lstStyle/>
-          <a:p>
-            <a:pPr marL="0" lvl="0" indent="0" algn="l" rtl="0">
-              <a:spcBef>
-                <a:spcPts val="0"/>
-              </a:spcBef>
-              <a:spcAft>
-                <a:spcPts val="0"/>
-              </a:spcAft>
-              <a:buNone/>
-            </a:pPr>
-            <a:endParaRPr/>
-          </a:p>
-        </p:txBody>
-      </p:sp>
-      <p:sp>
-        <p:nvSpPr>
-          <p:cNvPr id="163" name="Google Shape;163;p18"/>
-          <p:cNvSpPr txBox="1"/>
-          <p:nvPr/>
-        </p:nvSpPr>
-        <p:spPr>
-          <a:xfrm>
-            <a:off x="4865675" y="3273513"/>
-            <a:ext cx="1476300" cy="437400"/>
-          </a:xfrm>
-          <a:prstGeom prst="rect">
-            <a:avLst/>
-          </a:prstGeom>
-          <a:noFill/>
-          <a:ln>
-            <a:noFill/>
-          </a:ln>
-        </p:spPr>
-        <p:txBody>
-          <a:bodyPr spcFirstLastPara="1" wrap="square" lIns="91425" tIns="91425" rIns="91425" bIns="91425" anchor="t" anchorCtr="0">
-            <a:noAutofit/>
-          </a:bodyPr>
-          <a:lstStyle/>
-          <a:p>
-            <a:pPr marL="0" lvl="0" indent="0" algn="r" rtl="1">
-              <a:spcBef>
-                <a:spcPts val="0"/>
-              </a:spcBef>
-              <a:spcAft>
-                <a:spcPts val="0"/>
-              </a:spcAft>
-              <a:buNone/>
-            </a:pPr>
-            <a:r>
-              <a:rPr lang="iw">
-                <a:solidFill>
-                  <a:srgbClr val="999999"/>
-                </a:solidFill>
-              </a:rPr>
-              <a:t>משתתפים</a:t>
-            </a:r>
-            <a:endParaRPr>
-              <a:solidFill>
-                <a:srgbClr val="999999"/>
-              </a:solidFill>
-            </a:endParaRPr>
-          </a:p>
-        </p:txBody>
-      </p:sp>
-      <p:sp>
-        <p:nvSpPr>
-          <p:cNvPr id="164" name="Google Shape;164;p18"/>
-          <p:cNvSpPr/>
-          <p:nvPr/>
-        </p:nvSpPr>
-        <p:spPr>
-          <a:xfrm>
-            <a:off x="2993375" y="3839688"/>
-            <a:ext cx="3348600" cy="437400"/>
-          </a:xfrm>
-          <a:prstGeom prst="rect">
-            <a:avLst/>
-          </a:prstGeom>
-          <a:solidFill>
-            <a:srgbClr val="FFFFFF"/>
-          </a:solidFill>
-          <a:ln w="9525" cap="flat" cmpd="sng">
-            <a:solidFill>
-              <a:srgbClr val="B4D0E7"/>
-            </a:solidFill>
-            <a:prstDash val="solid"/>
-            <a:round/>
-            <a:headEnd type="none" w="sm" len="sm"/>
-            <a:tailEnd type="none" w="sm" len="sm"/>
-          </a:ln>
-        </p:spPr>
-        <p:txBody>
-          <a:bodyPr spcFirstLastPara="1" wrap="square" lIns="91425" tIns="91425" rIns="91425" bIns="91425" anchor="ctr" anchorCtr="0">
-            <a:noAutofit/>
-          </a:bodyPr>
-          <a:lstStyle/>
-          <a:p>
-            <a:pPr marL="0" lvl="0" indent="0" algn="l" rtl="0">
-              <a:spcBef>
-                <a:spcPts val="0"/>
-              </a:spcBef>
-              <a:spcAft>
-                <a:spcPts val="0"/>
-              </a:spcAft>
-              <a:buNone/>
-            </a:pPr>
-            <a:endParaRPr/>
-          </a:p>
-        </p:txBody>
-      </p:sp>
-      <p:sp>
-        <p:nvSpPr>
-          <p:cNvPr id="165" name="Google Shape;165;p18"/>
-          <p:cNvSpPr txBox="1"/>
-          <p:nvPr/>
-        </p:nvSpPr>
-        <p:spPr>
-          <a:xfrm>
-            <a:off x="4865675" y="3889925"/>
-            <a:ext cx="1476300" cy="437400"/>
-          </a:xfrm>
-          <a:prstGeom prst="rect">
-            <a:avLst/>
-          </a:prstGeom>
-          <a:noFill/>
-          <a:ln>
-            <a:noFill/>
-          </a:ln>
-        </p:spPr>
-        <p:txBody>
-          <a:bodyPr spcFirstLastPara="1" wrap="square" lIns="91425" tIns="91425" rIns="91425" bIns="91425" anchor="t" anchorCtr="0">
-            <a:noAutofit/>
-          </a:bodyPr>
-          <a:lstStyle/>
-          <a:p>
-            <a:pPr marL="0" lvl="0" indent="0" algn="r" rtl="1">
-              <a:spcBef>
-                <a:spcPts val="0"/>
-              </a:spcBef>
-              <a:spcAft>
-                <a:spcPts val="0"/>
-              </a:spcAft>
-              <a:buNone/>
-            </a:pPr>
-            <a:r>
-              <a:rPr lang="iw">
-                <a:solidFill>
-                  <a:srgbClr val="999999"/>
-                </a:solidFill>
-              </a:rPr>
-              <a:t>מיקום</a:t>
-            </a:r>
-            <a:endParaRPr>
-              <a:solidFill>
-                <a:srgbClr val="999999"/>
+                <a:schemeClr val="bg1">
+                  <a:lumMod val="65000"/>
+                </a:schemeClr>
               </a:solidFill>
             </a:endParaRPr>
           </a:p>
@@ -19994,7 +23432,7 @@
 </p:sld>
 </file>
 
-<file path=ppt/slides/slide7.xml><?xml version="1.0" encoding="utf-8"?>
+<file path=ppt/slides/slide8.xml><?xml version="1.0" encoding="utf-8"?>
 <p:sld xmlns:a="http://schemas.openxmlformats.org/drawingml/2006/main" xmlns:r="http://schemas.openxmlformats.org/officeDocument/2006/relationships" xmlns:p="http://schemas.openxmlformats.org/presentationml/2006/main">
   <p:cSld>
     <p:spTree>
@@ -21433,7 +24871,7 @@
 </p:sld>
 </file>
 
-<file path=ppt/slides/slide8.xml><?xml version="1.0" encoding="utf-8"?>
+<file path=ppt/slides/slide9.xml><?xml version="1.0" encoding="utf-8"?>
 <p:sld xmlns:a="http://schemas.openxmlformats.org/drawingml/2006/main" xmlns:r="http://schemas.openxmlformats.org/officeDocument/2006/relationships" xmlns:p="http://schemas.openxmlformats.org/presentationml/2006/main">
   <p:cSld>
     <p:spTree>
@@ -23690,2188 +27128,6 @@
             <a:endParaRPr>
               <a:solidFill>
                 <a:srgbClr val="FFFFFF"/>
-              </a:solidFill>
-            </a:endParaRPr>
-          </a:p>
-        </p:txBody>
-      </p:sp>
-    </p:spTree>
-  </p:cSld>
-  <p:clrMapOvr>
-    <a:masterClrMapping/>
-  </p:clrMapOvr>
-</p:sld>
-</file>
-
-<file path=ppt/slides/slide9.xml><?xml version="1.0" encoding="utf-8"?>
-<p:sld xmlns:a="http://schemas.openxmlformats.org/drawingml/2006/main" xmlns:r="http://schemas.openxmlformats.org/officeDocument/2006/relationships" xmlns:p="http://schemas.openxmlformats.org/presentationml/2006/main">
-  <p:cSld>
-    <p:spTree>
-      <p:nvGrpSpPr>
-        <p:cNvPr id="1" name="Shape 259"/>
-        <p:cNvGrpSpPr/>
-        <p:nvPr/>
-      </p:nvGrpSpPr>
-      <p:grpSpPr>
-        <a:xfrm>
-          <a:off x="0" y="0"/>
-          <a:ext cx="0" cy="0"/>
-          <a:chOff x="0" y="0"/>
-          <a:chExt cx="0" cy="0"/>
-        </a:xfrm>
-      </p:grpSpPr>
-      <p:sp>
-        <p:nvSpPr>
-          <p:cNvPr id="260" name="Google Shape;260;p21"/>
-          <p:cNvSpPr/>
-          <p:nvPr/>
-        </p:nvSpPr>
-        <p:spPr>
-          <a:xfrm>
-            <a:off x="0" y="0"/>
-            <a:ext cx="9144000" cy="583200"/>
-          </a:xfrm>
-          <a:prstGeom prst="rect">
-            <a:avLst/>
-          </a:prstGeom>
-          <a:solidFill>
-            <a:srgbClr val="B4D0E7"/>
-          </a:solidFill>
-          <a:ln w="9525" cap="flat" cmpd="sng">
-            <a:solidFill>
-              <a:srgbClr val="B4D0E7"/>
-            </a:solidFill>
-            <a:prstDash val="solid"/>
-            <a:round/>
-            <a:headEnd type="none" w="sm" len="sm"/>
-            <a:tailEnd type="none" w="sm" len="sm"/>
-          </a:ln>
-          <a:effectLst>
-            <a:outerShdw blurRad="57150" dist="19050" dir="5400000" algn="bl" rotWithShape="0">
-              <a:schemeClr val="dk1">
-                <a:alpha val="50000"/>
-              </a:schemeClr>
-            </a:outerShdw>
-          </a:effectLst>
-        </p:spPr>
-        <p:txBody>
-          <a:bodyPr spcFirstLastPara="1" wrap="square" lIns="91425" tIns="91425" rIns="91425" bIns="91425" anchor="ctr" anchorCtr="0">
-            <a:noAutofit/>
-          </a:bodyPr>
-          <a:lstStyle/>
-          <a:p>
-            <a:pPr marL="0" lvl="0" indent="0" algn="l" rtl="0">
-              <a:spcBef>
-                <a:spcPts val="0"/>
-              </a:spcBef>
-              <a:spcAft>
-                <a:spcPts val="0"/>
-              </a:spcAft>
-              <a:buNone/>
-            </a:pPr>
-            <a:endParaRPr/>
-          </a:p>
-        </p:txBody>
-      </p:sp>
-      <p:sp>
-        <p:nvSpPr>
-          <p:cNvPr id="261" name="Google Shape;261;p21"/>
-          <p:cNvSpPr txBox="1"/>
-          <p:nvPr/>
-        </p:nvSpPr>
-        <p:spPr>
-          <a:xfrm>
-            <a:off x="8119250" y="120750"/>
-            <a:ext cx="970500" cy="341700"/>
-          </a:xfrm>
-          <a:prstGeom prst="rect">
-            <a:avLst/>
-          </a:prstGeom>
-          <a:noFill/>
-          <a:ln>
-            <a:noFill/>
-          </a:ln>
-        </p:spPr>
-        <p:txBody>
-          <a:bodyPr spcFirstLastPara="1" wrap="square" lIns="91425" tIns="91425" rIns="91425" bIns="91425" anchor="t" anchorCtr="0">
-            <a:noAutofit/>
-          </a:bodyPr>
-          <a:lstStyle/>
-          <a:p>
-            <a:pPr marL="0" lvl="0" indent="0" algn="r" rtl="0">
-              <a:spcBef>
-                <a:spcPts val="0"/>
-              </a:spcBef>
-              <a:spcAft>
-                <a:spcPts val="0"/>
-              </a:spcAft>
-              <a:buNone/>
-            </a:pPr>
-            <a:r>
-              <a:rPr lang="iw">
-                <a:solidFill>
-                  <a:srgbClr val="FFFFFF"/>
-                </a:solidFill>
-              </a:rPr>
-              <a:t>WeMeet</a:t>
-            </a:r>
-            <a:endParaRPr>
-              <a:solidFill>
-                <a:srgbClr val="FFFFFF"/>
-              </a:solidFill>
-            </a:endParaRPr>
-          </a:p>
-        </p:txBody>
-      </p:sp>
-      <p:sp>
-        <p:nvSpPr>
-          <p:cNvPr id="262" name="Google Shape;262;p21"/>
-          <p:cNvSpPr txBox="1"/>
-          <p:nvPr/>
-        </p:nvSpPr>
-        <p:spPr>
-          <a:xfrm>
-            <a:off x="7039250" y="127650"/>
-            <a:ext cx="1080000" cy="327900"/>
-          </a:xfrm>
-          <a:prstGeom prst="rect">
-            <a:avLst/>
-          </a:prstGeom>
-          <a:noFill/>
-          <a:ln>
-            <a:noFill/>
-          </a:ln>
-        </p:spPr>
-        <p:txBody>
-          <a:bodyPr spcFirstLastPara="1" wrap="square" lIns="91425" tIns="91425" rIns="91425" bIns="91425" anchor="t" anchorCtr="0">
-            <a:noAutofit/>
-          </a:bodyPr>
-          <a:lstStyle/>
-          <a:p>
-            <a:pPr marL="0" lvl="0" indent="0" algn="r" rtl="1">
-              <a:spcBef>
-                <a:spcPts val="0"/>
-              </a:spcBef>
-              <a:spcAft>
-                <a:spcPts val="0"/>
-              </a:spcAft>
-              <a:buNone/>
-            </a:pPr>
-            <a:r>
-              <a:rPr lang="iw">
-                <a:solidFill>
-                  <a:srgbClr val="FFFFFF"/>
-                </a:solidFill>
-              </a:rPr>
-              <a:t>אזור אישי</a:t>
-            </a:r>
-            <a:endParaRPr>
-              <a:solidFill>
-                <a:srgbClr val="FFFFFF"/>
-              </a:solidFill>
-            </a:endParaRPr>
-          </a:p>
-        </p:txBody>
-      </p:sp>
-      <p:sp>
-        <p:nvSpPr>
-          <p:cNvPr id="263" name="Google Shape;263;p21"/>
-          <p:cNvSpPr txBox="1"/>
-          <p:nvPr/>
-        </p:nvSpPr>
-        <p:spPr>
-          <a:xfrm>
-            <a:off x="5781600" y="127650"/>
-            <a:ext cx="1476000" cy="327900"/>
-          </a:xfrm>
-          <a:prstGeom prst="rect">
-            <a:avLst/>
-          </a:prstGeom>
-          <a:noFill/>
-          <a:ln>
-            <a:noFill/>
-          </a:ln>
-        </p:spPr>
-        <p:txBody>
-          <a:bodyPr spcFirstLastPara="1" wrap="square" lIns="91425" tIns="91425" rIns="91425" bIns="91425" anchor="t" anchorCtr="0">
-            <a:noAutofit/>
-          </a:bodyPr>
-          <a:lstStyle/>
-          <a:p>
-            <a:pPr marL="0" lvl="0" indent="0" algn="r" rtl="1">
-              <a:spcBef>
-                <a:spcPts val="0"/>
-              </a:spcBef>
-              <a:spcAft>
-                <a:spcPts val="0"/>
-              </a:spcAft>
-              <a:buNone/>
-            </a:pPr>
-            <a:r>
-              <a:rPr lang="iw">
-                <a:solidFill>
-                  <a:srgbClr val="FFFFFF"/>
-                </a:solidFill>
-              </a:rPr>
-              <a:t>פגישה חדשה</a:t>
-            </a:r>
-            <a:endParaRPr>
-              <a:solidFill>
-                <a:srgbClr val="FFFFFF"/>
-              </a:solidFill>
-            </a:endParaRPr>
-          </a:p>
-        </p:txBody>
-      </p:sp>
-      <p:sp>
-        <p:nvSpPr>
-          <p:cNvPr id="264" name="Google Shape;264;p21"/>
-          <p:cNvSpPr txBox="1"/>
-          <p:nvPr/>
-        </p:nvSpPr>
-        <p:spPr>
-          <a:xfrm>
-            <a:off x="314375" y="127650"/>
-            <a:ext cx="862800" cy="327900"/>
-          </a:xfrm>
-          <a:prstGeom prst="rect">
-            <a:avLst/>
-          </a:prstGeom>
-          <a:noFill/>
-          <a:ln>
-            <a:noFill/>
-          </a:ln>
-        </p:spPr>
-        <p:txBody>
-          <a:bodyPr spcFirstLastPara="1" wrap="square" lIns="91425" tIns="91425" rIns="91425" bIns="91425" anchor="t" anchorCtr="0">
-            <a:noAutofit/>
-          </a:bodyPr>
-          <a:lstStyle/>
-          <a:p>
-            <a:pPr marL="0" lvl="0" indent="0" algn="r" rtl="1">
-              <a:spcBef>
-                <a:spcPts val="0"/>
-              </a:spcBef>
-              <a:spcAft>
-                <a:spcPts val="0"/>
-              </a:spcAft>
-              <a:buNone/>
-            </a:pPr>
-            <a:r>
-              <a:rPr lang="iw">
-                <a:solidFill>
-                  <a:srgbClr val="FFFFFF"/>
-                </a:solidFill>
-              </a:rPr>
-              <a:t>התנתק</a:t>
-            </a:r>
-            <a:endParaRPr>
-              <a:solidFill>
-                <a:srgbClr val="FFFFFF"/>
-              </a:solidFill>
-            </a:endParaRPr>
-          </a:p>
-        </p:txBody>
-      </p:sp>
-      <p:sp>
-        <p:nvSpPr>
-          <p:cNvPr id="265" name="Google Shape;265;p21"/>
-          <p:cNvSpPr/>
-          <p:nvPr/>
-        </p:nvSpPr>
-        <p:spPr>
-          <a:xfrm>
-            <a:off x="5709175" y="890750"/>
-            <a:ext cx="3143400" cy="1769700"/>
-          </a:xfrm>
-          <a:prstGeom prst="rect">
-            <a:avLst/>
-          </a:prstGeom>
-          <a:solidFill>
-            <a:srgbClr val="FFFFFF"/>
-          </a:solidFill>
-          <a:ln w="9525" cap="flat" cmpd="sng">
-            <a:solidFill>
-              <a:srgbClr val="FFFFFF"/>
-            </a:solidFill>
-            <a:prstDash val="solid"/>
-            <a:round/>
-            <a:headEnd type="none" w="sm" len="sm"/>
-            <a:tailEnd type="none" w="sm" len="sm"/>
-          </a:ln>
-          <a:effectLst>
-            <a:outerShdw blurRad="57150" dist="19050" dir="5400000" algn="bl" rotWithShape="0">
-              <a:srgbClr val="000000">
-                <a:alpha val="50000"/>
-              </a:srgbClr>
-            </a:outerShdw>
-          </a:effectLst>
-        </p:spPr>
-        <p:txBody>
-          <a:bodyPr spcFirstLastPara="1" wrap="square" lIns="91425" tIns="91425" rIns="91425" bIns="91425" anchor="ctr" anchorCtr="0">
-            <a:noAutofit/>
-          </a:bodyPr>
-          <a:lstStyle/>
-          <a:p>
-            <a:pPr marL="0" lvl="0" indent="0" algn="l" rtl="0">
-              <a:spcBef>
-                <a:spcPts val="0"/>
-              </a:spcBef>
-              <a:spcAft>
-                <a:spcPts val="0"/>
-              </a:spcAft>
-              <a:buNone/>
-            </a:pPr>
-            <a:endParaRPr/>
-          </a:p>
-        </p:txBody>
-      </p:sp>
-      <p:sp>
-        <p:nvSpPr>
-          <p:cNvPr id="266" name="Google Shape;266;p21"/>
-          <p:cNvSpPr/>
-          <p:nvPr/>
-        </p:nvSpPr>
-        <p:spPr>
-          <a:xfrm>
-            <a:off x="5709175" y="890750"/>
-            <a:ext cx="3143400" cy="492000"/>
-          </a:xfrm>
-          <a:prstGeom prst="rect">
-            <a:avLst/>
-          </a:prstGeom>
-          <a:solidFill>
-            <a:srgbClr val="CFD8DC"/>
-          </a:solidFill>
-          <a:ln w="9525" cap="flat" cmpd="sng">
-            <a:solidFill>
-              <a:srgbClr val="CFD8DC"/>
-            </a:solidFill>
-            <a:prstDash val="solid"/>
-            <a:round/>
-            <a:headEnd type="none" w="sm" len="sm"/>
-            <a:tailEnd type="none" w="sm" len="sm"/>
-          </a:ln>
-          <a:effectLst>
-            <a:outerShdw blurRad="57150" dist="19050" dir="5400000" algn="bl" rotWithShape="0">
-              <a:srgbClr val="000000">
-                <a:alpha val="50000"/>
-              </a:srgbClr>
-            </a:outerShdw>
-          </a:effectLst>
-        </p:spPr>
-        <p:txBody>
-          <a:bodyPr spcFirstLastPara="1" wrap="square" lIns="91425" tIns="91425" rIns="91425" bIns="91425" anchor="ctr" anchorCtr="0">
-            <a:noAutofit/>
-          </a:bodyPr>
-          <a:lstStyle/>
-          <a:p>
-            <a:pPr marL="0" lvl="0" indent="0" algn="l" rtl="0">
-              <a:spcBef>
-                <a:spcPts val="0"/>
-              </a:spcBef>
-              <a:spcAft>
-                <a:spcPts val="0"/>
-              </a:spcAft>
-              <a:buNone/>
-            </a:pPr>
-            <a:endParaRPr/>
-          </a:p>
-        </p:txBody>
-      </p:sp>
-      <p:sp>
-        <p:nvSpPr>
-          <p:cNvPr id="267" name="Google Shape;267;p21"/>
-          <p:cNvSpPr txBox="1"/>
-          <p:nvPr/>
-        </p:nvSpPr>
-        <p:spPr>
-          <a:xfrm>
-            <a:off x="5709175" y="890750"/>
-            <a:ext cx="3143400" cy="492000"/>
-          </a:xfrm>
-          <a:prstGeom prst="rect">
-            <a:avLst/>
-          </a:prstGeom>
-          <a:noFill/>
-          <a:ln>
-            <a:noFill/>
-          </a:ln>
-        </p:spPr>
-        <p:txBody>
-          <a:bodyPr spcFirstLastPara="1" wrap="square" lIns="91425" tIns="91425" rIns="91425" bIns="91425" anchor="ctr" anchorCtr="0">
-            <a:noAutofit/>
-          </a:bodyPr>
-          <a:lstStyle/>
-          <a:p>
-            <a:pPr marL="0" lvl="0" indent="0" algn="r" rtl="1">
-              <a:spcBef>
-                <a:spcPts val="0"/>
-              </a:spcBef>
-              <a:spcAft>
-                <a:spcPts val="0"/>
-              </a:spcAft>
-              <a:buNone/>
-            </a:pPr>
-            <a:r>
-              <a:rPr lang="iw" sz="1800">
-                <a:solidFill>
-                  <a:srgbClr val="FFFFFF"/>
-                </a:solidFill>
-              </a:rPr>
-              <a:t>הפגישות שלי</a:t>
-            </a:r>
-            <a:endParaRPr sz="1800">
-              <a:solidFill>
-                <a:srgbClr val="FFFFFF"/>
-              </a:solidFill>
-            </a:endParaRPr>
-          </a:p>
-        </p:txBody>
-      </p:sp>
-      <p:sp>
-        <p:nvSpPr>
-          <p:cNvPr id="268" name="Google Shape;268;p21"/>
-          <p:cNvSpPr txBox="1"/>
-          <p:nvPr/>
-        </p:nvSpPr>
-        <p:spPr>
-          <a:xfrm>
-            <a:off x="5709175" y="1574150"/>
-            <a:ext cx="3143400" cy="327900"/>
-          </a:xfrm>
-          <a:prstGeom prst="rect">
-            <a:avLst/>
-          </a:prstGeom>
-          <a:noFill/>
-          <a:ln>
-            <a:noFill/>
-          </a:ln>
-        </p:spPr>
-        <p:txBody>
-          <a:bodyPr spcFirstLastPara="1" wrap="square" lIns="91425" tIns="91425" rIns="91425" bIns="91425" anchor="t" anchorCtr="0">
-            <a:noAutofit/>
-          </a:bodyPr>
-          <a:lstStyle/>
-          <a:p>
-            <a:pPr marL="0" lvl="0" indent="0" algn="r" rtl="1">
-              <a:spcBef>
-                <a:spcPts val="0"/>
-              </a:spcBef>
-              <a:spcAft>
-                <a:spcPts val="0"/>
-              </a:spcAft>
-              <a:buNone/>
-            </a:pPr>
-            <a:r>
-              <a:rPr lang="iw"/>
-              <a:t>עושה חיים עם חיים - 25.11.2018</a:t>
-            </a:r>
-            <a:endParaRPr/>
-          </a:p>
-        </p:txBody>
-      </p:sp>
-      <p:sp>
-        <p:nvSpPr>
-          <p:cNvPr id="269" name="Google Shape;269;p21"/>
-          <p:cNvSpPr txBox="1"/>
-          <p:nvPr/>
-        </p:nvSpPr>
-        <p:spPr>
-          <a:xfrm>
-            <a:off x="5709175" y="1956800"/>
-            <a:ext cx="3143400" cy="327900"/>
-          </a:xfrm>
-          <a:prstGeom prst="rect">
-            <a:avLst/>
-          </a:prstGeom>
-          <a:noFill/>
-          <a:ln>
-            <a:noFill/>
-          </a:ln>
-        </p:spPr>
-        <p:txBody>
-          <a:bodyPr spcFirstLastPara="1" wrap="square" lIns="91425" tIns="91425" rIns="91425" bIns="91425" anchor="t" anchorCtr="0">
-            <a:noAutofit/>
-          </a:bodyPr>
-          <a:lstStyle/>
-          <a:p>
-            <a:pPr marL="0" lvl="0" indent="0" algn="r" rtl="1">
-              <a:spcBef>
-                <a:spcPts val="0"/>
-              </a:spcBef>
-              <a:spcAft>
-                <a:spcPts val="0"/>
-              </a:spcAft>
-              <a:buNone/>
-            </a:pPr>
-            <a:r>
-              <a:rPr lang="iw"/>
-              <a:t>פגישת פרויקט- 21.11.2018</a:t>
-            </a:r>
-            <a:endParaRPr/>
-          </a:p>
-        </p:txBody>
-      </p:sp>
-      <p:pic>
-        <p:nvPicPr>
-          <p:cNvPr id="270" name="Google Shape;270;p21"/>
-          <p:cNvPicPr preferRelativeResize="0"/>
-          <p:nvPr/>
-        </p:nvPicPr>
-        <p:blipFill>
-          <a:blip r:embed="rId3">
-            <a:alphaModFix/>
-          </a:blip>
-          <a:stretch>
-            <a:fillRect/>
-          </a:stretch>
-        </p:blipFill>
-        <p:spPr>
-          <a:xfrm>
-            <a:off x="5713800" y="2093450"/>
-            <a:ext cx="227700" cy="182150"/>
-          </a:xfrm>
-          <a:prstGeom prst="rect">
-            <a:avLst/>
-          </a:prstGeom>
-          <a:noFill/>
-          <a:ln>
-            <a:noFill/>
-          </a:ln>
-        </p:spPr>
-      </p:pic>
-      <p:pic>
-        <p:nvPicPr>
-          <p:cNvPr id="271" name="Google Shape;271;p21"/>
-          <p:cNvPicPr preferRelativeResize="0"/>
-          <p:nvPr/>
-        </p:nvPicPr>
-        <p:blipFill>
-          <a:blip r:embed="rId4">
-            <a:alphaModFix/>
-          </a:blip>
-          <a:stretch>
-            <a:fillRect/>
-          </a:stretch>
-        </p:blipFill>
-        <p:spPr>
-          <a:xfrm>
-            <a:off x="5713800" y="1755825"/>
-            <a:ext cx="227700" cy="146229"/>
-          </a:xfrm>
-          <a:prstGeom prst="rect">
-            <a:avLst/>
-          </a:prstGeom>
-          <a:noFill/>
-          <a:ln>
-            <a:noFill/>
-          </a:ln>
-        </p:spPr>
-      </p:pic>
-      <p:sp>
-        <p:nvSpPr>
-          <p:cNvPr id="272" name="Google Shape;272;p21"/>
-          <p:cNvSpPr/>
-          <p:nvPr/>
-        </p:nvSpPr>
-        <p:spPr>
-          <a:xfrm>
-            <a:off x="5709175" y="2858750"/>
-            <a:ext cx="3143400" cy="2133600"/>
-          </a:xfrm>
-          <a:prstGeom prst="rect">
-            <a:avLst/>
-          </a:prstGeom>
-          <a:solidFill>
-            <a:srgbClr val="FFFFFF"/>
-          </a:solidFill>
-          <a:ln w="9525" cap="flat" cmpd="sng">
-            <a:solidFill>
-              <a:srgbClr val="FFFFFF"/>
-            </a:solidFill>
-            <a:prstDash val="solid"/>
-            <a:round/>
-            <a:headEnd type="none" w="sm" len="sm"/>
-            <a:tailEnd type="none" w="sm" len="sm"/>
-          </a:ln>
-          <a:effectLst>
-            <a:outerShdw blurRad="57150" dist="19050" dir="5400000" algn="bl" rotWithShape="0">
-              <a:srgbClr val="000000">
-                <a:alpha val="50000"/>
-              </a:srgbClr>
-            </a:outerShdw>
-          </a:effectLst>
-        </p:spPr>
-        <p:txBody>
-          <a:bodyPr spcFirstLastPara="1" wrap="square" lIns="91425" tIns="91425" rIns="91425" bIns="91425" anchor="ctr" anchorCtr="0">
-            <a:noAutofit/>
-          </a:bodyPr>
-          <a:lstStyle/>
-          <a:p>
-            <a:pPr marL="0" lvl="0" indent="0" algn="l" rtl="0">
-              <a:spcBef>
-                <a:spcPts val="0"/>
-              </a:spcBef>
-              <a:spcAft>
-                <a:spcPts val="0"/>
-              </a:spcAft>
-              <a:buNone/>
-            </a:pPr>
-            <a:endParaRPr/>
-          </a:p>
-        </p:txBody>
-      </p:sp>
-      <p:sp>
-        <p:nvSpPr>
-          <p:cNvPr id="273" name="Google Shape;273;p21"/>
-          <p:cNvSpPr/>
-          <p:nvPr/>
-        </p:nvSpPr>
-        <p:spPr>
-          <a:xfrm>
-            <a:off x="5709175" y="2858750"/>
-            <a:ext cx="3143400" cy="519000"/>
-          </a:xfrm>
-          <a:prstGeom prst="rect">
-            <a:avLst/>
-          </a:prstGeom>
-          <a:solidFill>
-            <a:srgbClr val="CFD8DC"/>
-          </a:solidFill>
-          <a:ln w="9525" cap="flat" cmpd="sng">
-            <a:solidFill>
-              <a:srgbClr val="CFD8DC"/>
-            </a:solidFill>
-            <a:prstDash val="solid"/>
-            <a:round/>
-            <a:headEnd type="none" w="sm" len="sm"/>
-            <a:tailEnd type="none" w="sm" len="sm"/>
-          </a:ln>
-          <a:effectLst>
-            <a:outerShdw blurRad="57150" dist="19050" dir="5400000" algn="bl" rotWithShape="0">
-              <a:srgbClr val="000000">
-                <a:alpha val="50000"/>
-              </a:srgbClr>
-            </a:outerShdw>
-          </a:effectLst>
-        </p:spPr>
-        <p:txBody>
-          <a:bodyPr spcFirstLastPara="1" wrap="square" lIns="91425" tIns="91425" rIns="91425" bIns="91425" anchor="ctr" anchorCtr="0">
-            <a:noAutofit/>
-          </a:bodyPr>
-          <a:lstStyle/>
-          <a:p>
-            <a:pPr marL="0" lvl="0" indent="0" algn="l" rtl="0">
-              <a:spcBef>
-                <a:spcPts val="0"/>
-              </a:spcBef>
-              <a:spcAft>
-                <a:spcPts val="0"/>
-              </a:spcAft>
-              <a:buNone/>
-            </a:pPr>
-            <a:endParaRPr/>
-          </a:p>
-        </p:txBody>
-      </p:sp>
-      <p:sp>
-        <p:nvSpPr>
-          <p:cNvPr id="274" name="Google Shape;274;p21"/>
-          <p:cNvSpPr txBox="1"/>
-          <p:nvPr/>
-        </p:nvSpPr>
-        <p:spPr>
-          <a:xfrm>
-            <a:off x="5709175" y="2858750"/>
-            <a:ext cx="3143400" cy="519000"/>
-          </a:xfrm>
-          <a:prstGeom prst="rect">
-            <a:avLst/>
-          </a:prstGeom>
-          <a:noFill/>
-          <a:ln>
-            <a:noFill/>
-          </a:ln>
-        </p:spPr>
-        <p:txBody>
-          <a:bodyPr spcFirstLastPara="1" wrap="square" lIns="91425" tIns="91425" rIns="91425" bIns="91425" anchor="ctr" anchorCtr="0">
-            <a:noAutofit/>
-          </a:bodyPr>
-          <a:lstStyle/>
-          <a:p>
-            <a:pPr marL="0" lvl="0" indent="0" algn="r" rtl="1">
-              <a:spcBef>
-                <a:spcPts val="0"/>
-              </a:spcBef>
-              <a:spcAft>
-                <a:spcPts val="0"/>
-              </a:spcAft>
-              <a:buNone/>
-            </a:pPr>
-            <a:r>
-              <a:rPr lang="iw" sz="1800">
-                <a:solidFill>
-                  <a:srgbClr val="FFFFFF"/>
-                </a:solidFill>
-              </a:rPr>
-              <a:t>המיקומים שלי</a:t>
-            </a:r>
-            <a:endParaRPr sz="1800">
-              <a:solidFill>
-                <a:srgbClr val="FFFFFF"/>
-              </a:solidFill>
-            </a:endParaRPr>
-          </a:p>
-        </p:txBody>
-      </p:sp>
-      <p:sp>
-        <p:nvSpPr>
-          <p:cNvPr id="275" name="Google Shape;275;p21"/>
-          <p:cNvSpPr txBox="1"/>
-          <p:nvPr/>
-        </p:nvSpPr>
-        <p:spPr>
-          <a:xfrm>
-            <a:off x="5709175" y="3579590"/>
-            <a:ext cx="3143400" cy="345900"/>
-          </a:xfrm>
-          <a:prstGeom prst="rect">
-            <a:avLst/>
-          </a:prstGeom>
-          <a:noFill/>
-          <a:ln>
-            <a:noFill/>
-          </a:ln>
-        </p:spPr>
-        <p:txBody>
-          <a:bodyPr spcFirstLastPara="1" wrap="square" lIns="91425" tIns="91425" rIns="91425" bIns="91425" anchor="t" anchorCtr="0">
-            <a:noAutofit/>
-          </a:bodyPr>
-          <a:lstStyle/>
-          <a:p>
-            <a:pPr marL="0" lvl="0" indent="0" algn="r" rtl="1">
-              <a:spcBef>
-                <a:spcPts val="0"/>
-              </a:spcBef>
-              <a:spcAft>
-                <a:spcPts val="0"/>
-              </a:spcAft>
-              <a:buNone/>
-            </a:pPr>
-            <a:r>
-              <a:rPr lang="iw"/>
-              <a:t>הקפה של חיים</a:t>
-            </a:r>
-            <a:endParaRPr/>
-          </a:p>
-        </p:txBody>
-      </p:sp>
-      <p:sp>
-        <p:nvSpPr>
-          <p:cNvPr id="276" name="Google Shape;276;p21"/>
-          <p:cNvSpPr txBox="1"/>
-          <p:nvPr/>
-        </p:nvSpPr>
-        <p:spPr>
-          <a:xfrm>
-            <a:off x="5709175" y="3983204"/>
-            <a:ext cx="3143400" cy="345900"/>
-          </a:xfrm>
-          <a:prstGeom prst="rect">
-            <a:avLst/>
-          </a:prstGeom>
-          <a:noFill/>
-          <a:ln>
-            <a:noFill/>
-          </a:ln>
-        </p:spPr>
-        <p:txBody>
-          <a:bodyPr spcFirstLastPara="1" wrap="square" lIns="91425" tIns="91425" rIns="91425" bIns="91425" anchor="t" anchorCtr="0">
-            <a:noAutofit/>
-          </a:bodyPr>
-          <a:lstStyle/>
-          <a:p>
-            <a:pPr marL="0" lvl="0" indent="0" algn="r" rtl="1">
-              <a:spcBef>
-                <a:spcPts val="0"/>
-              </a:spcBef>
-              <a:spcAft>
-                <a:spcPts val="0"/>
-              </a:spcAft>
-              <a:buNone/>
-            </a:pPr>
-            <a:r>
-              <a:rPr lang="iw"/>
-              <a:t>הבית של חיים</a:t>
-            </a:r>
-            <a:endParaRPr/>
-          </a:p>
-        </p:txBody>
-      </p:sp>
-      <p:pic>
-        <p:nvPicPr>
-          <p:cNvPr id="277" name="Google Shape;277;p21"/>
-          <p:cNvPicPr preferRelativeResize="0"/>
-          <p:nvPr/>
-        </p:nvPicPr>
-        <p:blipFill>
-          <a:blip r:embed="rId5">
-            <a:alphaModFix/>
-          </a:blip>
-          <a:stretch>
-            <a:fillRect/>
-          </a:stretch>
-        </p:blipFill>
-        <p:spPr>
-          <a:xfrm>
-            <a:off x="5709175" y="4127340"/>
-            <a:ext cx="403332" cy="192129"/>
-          </a:xfrm>
-          <a:prstGeom prst="rect">
-            <a:avLst/>
-          </a:prstGeom>
-          <a:noFill/>
-          <a:ln>
-            <a:noFill/>
-          </a:ln>
-        </p:spPr>
-      </p:pic>
-      <p:pic>
-        <p:nvPicPr>
-          <p:cNvPr id="278" name="Google Shape;278;p21"/>
-          <p:cNvPicPr preferRelativeResize="0"/>
-          <p:nvPr/>
-        </p:nvPicPr>
-        <p:blipFill>
-          <a:blip r:embed="rId5">
-            <a:alphaModFix/>
-          </a:blip>
-          <a:stretch>
-            <a:fillRect/>
-          </a:stretch>
-        </p:blipFill>
-        <p:spPr>
-          <a:xfrm>
-            <a:off x="5709175" y="3656458"/>
-            <a:ext cx="403332" cy="192129"/>
-          </a:xfrm>
-          <a:prstGeom prst="rect">
-            <a:avLst/>
-          </a:prstGeom>
-          <a:noFill/>
-          <a:ln>
-            <a:noFill/>
-          </a:ln>
-        </p:spPr>
-      </p:pic>
-      <p:pic>
-        <p:nvPicPr>
-          <p:cNvPr id="279" name="Google Shape;279;p21"/>
-          <p:cNvPicPr preferRelativeResize="0"/>
-          <p:nvPr/>
-        </p:nvPicPr>
-        <p:blipFill>
-          <a:blip r:embed="rId4">
-            <a:alphaModFix/>
-          </a:blip>
-          <a:stretch>
-            <a:fillRect/>
-          </a:stretch>
-        </p:blipFill>
-        <p:spPr>
-          <a:xfrm>
-            <a:off x="6112500" y="3675404"/>
-            <a:ext cx="227700" cy="154240"/>
-          </a:xfrm>
-          <a:prstGeom prst="rect">
-            <a:avLst/>
-          </a:prstGeom>
-          <a:noFill/>
-          <a:ln>
-            <a:noFill/>
-          </a:ln>
-        </p:spPr>
-      </p:pic>
-      <p:pic>
-        <p:nvPicPr>
-          <p:cNvPr id="280" name="Google Shape;280;p21"/>
-          <p:cNvPicPr preferRelativeResize="0"/>
-          <p:nvPr/>
-        </p:nvPicPr>
-        <p:blipFill>
-          <a:blip r:embed="rId4">
-            <a:alphaModFix/>
-          </a:blip>
-          <a:stretch>
-            <a:fillRect/>
-          </a:stretch>
-        </p:blipFill>
-        <p:spPr>
-          <a:xfrm>
-            <a:off x="6112500" y="4127340"/>
-            <a:ext cx="227700" cy="154240"/>
-          </a:xfrm>
-          <a:prstGeom prst="rect">
-            <a:avLst/>
-          </a:prstGeom>
-          <a:noFill/>
-          <a:ln>
-            <a:noFill/>
-          </a:ln>
-        </p:spPr>
-      </p:pic>
-      <p:sp>
-        <p:nvSpPr>
-          <p:cNvPr id="281" name="Google Shape;281;p21"/>
-          <p:cNvSpPr/>
-          <p:nvPr/>
-        </p:nvSpPr>
-        <p:spPr>
-          <a:xfrm>
-            <a:off x="7679300" y="4450217"/>
-            <a:ext cx="1080000" cy="475500"/>
-          </a:xfrm>
-          <a:prstGeom prst="rect">
-            <a:avLst/>
-          </a:prstGeom>
-          <a:solidFill>
-            <a:srgbClr val="B4D0E7"/>
-          </a:solidFill>
-          <a:ln w="9525" cap="flat" cmpd="sng">
-            <a:solidFill>
-              <a:srgbClr val="B4D0E7"/>
-            </a:solidFill>
-            <a:prstDash val="solid"/>
-            <a:round/>
-            <a:headEnd type="none" w="sm" len="sm"/>
-            <a:tailEnd type="none" w="sm" len="sm"/>
-          </a:ln>
-          <a:effectLst>
-            <a:outerShdw blurRad="57150" dist="19050" dir="5400000" algn="bl" rotWithShape="0">
-              <a:schemeClr val="dk1">
-                <a:alpha val="50000"/>
-              </a:schemeClr>
-            </a:outerShdw>
-          </a:effectLst>
-        </p:spPr>
-        <p:txBody>
-          <a:bodyPr spcFirstLastPara="1" wrap="square" lIns="91425" tIns="91425" rIns="91425" bIns="91425" anchor="ctr" anchorCtr="0">
-            <a:noAutofit/>
-          </a:bodyPr>
-          <a:lstStyle/>
-          <a:p>
-            <a:pPr marL="0" lvl="0" indent="0" algn="ctr" rtl="1">
-              <a:spcBef>
-                <a:spcPts val="0"/>
-              </a:spcBef>
-              <a:spcAft>
-                <a:spcPts val="0"/>
-              </a:spcAft>
-              <a:buNone/>
-            </a:pPr>
-            <a:r>
-              <a:rPr lang="iw">
-                <a:solidFill>
-                  <a:srgbClr val="FFFFFF"/>
-                </a:solidFill>
-              </a:rPr>
-              <a:t>הוסף מיקום</a:t>
-            </a:r>
-            <a:endParaRPr>
-              <a:solidFill>
-                <a:srgbClr val="FFFFFF"/>
-              </a:solidFill>
-            </a:endParaRPr>
-          </a:p>
-        </p:txBody>
-      </p:sp>
-      <p:sp>
-        <p:nvSpPr>
-          <p:cNvPr id="282" name="Google Shape;282;p21"/>
-          <p:cNvSpPr/>
-          <p:nvPr/>
-        </p:nvSpPr>
-        <p:spPr>
-          <a:xfrm>
-            <a:off x="565675" y="890750"/>
-            <a:ext cx="3631800" cy="3888600"/>
-          </a:xfrm>
-          <a:prstGeom prst="rect">
-            <a:avLst/>
-          </a:prstGeom>
-          <a:solidFill>
-            <a:srgbClr val="FFFFFF"/>
-          </a:solidFill>
-          <a:ln w="9525" cap="flat" cmpd="sng">
-            <a:solidFill>
-              <a:srgbClr val="FFFFFF"/>
-            </a:solidFill>
-            <a:prstDash val="solid"/>
-            <a:round/>
-            <a:headEnd type="none" w="sm" len="sm"/>
-            <a:tailEnd type="none" w="sm" len="sm"/>
-          </a:ln>
-          <a:effectLst>
-            <a:outerShdw blurRad="57150" dist="19050" dir="5400000" algn="bl" rotWithShape="0">
-              <a:srgbClr val="000000">
-                <a:alpha val="50000"/>
-              </a:srgbClr>
-            </a:outerShdw>
-          </a:effectLst>
-        </p:spPr>
-        <p:txBody>
-          <a:bodyPr spcFirstLastPara="1" wrap="square" lIns="91425" tIns="91425" rIns="91425" bIns="91425" anchor="ctr" anchorCtr="0">
-            <a:noAutofit/>
-          </a:bodyPr>
-          <a:lstStyle/>
-          <a:p>
-            <a:pPr marL="0" lvl="0" indent="0" algn="l" rtl="0">
-              <a:spcBef>
-                <a:spcPts val="0"/>
-              </a:spcBef>
-              <a:spcAft>
-                <a:spcPts val="0"/>
-              </a:spcAft>
-              <a:buNone/>
-            </a:pPr>
-            <a:endParaRPr/>
-          </a:p>
-        </p:txBody>
-      </p:sp>
-      <p:sp>
-        <p:nvSpPr>
-          <p:cNvPr id="283" name="Google Shape;283;p21"/>
-          <p:cNvSpPr/>
-          <p:nvPr/>
-        </p:nvSpPr>
-        <p:spPr>
-          <a:xfrm>
-            <a:off x="565675" y="890750"/>
-            <a:ext cx="3631800" cy="492000"/>
-          </a:xfrm>
-          <a:prstGeom prst="rect">
-            <a:avLst/>
-          </a:prstGeom>
-          <a:solidFill>
-            <a:srgbClr val="CFD8DC"/>
-          </a:solidFill>
-          <a:ln w="9525" cap="flat" cmpd="sng">
-            <a:solidFill>
-              <a:srgbClr val="CFD8DC"/>
-            </a:solidFill>
-            <a:prstDash val="solid"/>
-            <a:round/>
-            <a:headEnd type="none" w="sm" len="sm"/>
-            <a:tailEnd type="none" w="sm" len="sm"/>
-          </a:ln>
-          <a:effectLst>
-            <a:outerShdw blurRad="57150" dist="19050" dir="5400000" algn="bl" rotWithShape="0">
-              <a:srgbClr val="000000">
-                <a:alpha val="50000"/>
-              </a:srgbClr>
-            </a:outerShdw>
-          </a:effectLst>
-        </p:spPr>
-        <p:txBody>
-          <a:bodyPr spcFirstLastPara="1" wrap="square" lIns="91425" tIns="91425" rIns="91425" bIns="91425" anchor="ctr" anchorCtr="0">
-            <a:noAutofit/>
-          </a:bodyPr>
-          <a:lstStyle/>
-          <a:p>
-            <a:pPr marL="0" lvl="0" indent="0" algn="l" rtl="0">
-              <a:spcBef>
-                <a:spcPts val="0"/>
-              </a:spcBef>
-              <a:spcAft>
-                <a:spcPts val="0"/>
-              </a:spcAft>
-              <a:buNone/>
-            </a:pPr>
-            <a:endParaRPr/>
-          </a:p>
-        </p:txBody>
-      </p:sp>
-      <p:sp>
-        <p:nvSpPr>
-          <p:cNvPr id="284" name="Google Shape;284;p21"/>
-          <p:cNvSpPr txBox="1"/>
-          <p:nvPr/>
-        </p:nvSpPr>
-        <p:spPr>
-          <a:xfrm>
-            <a:off x="565675" y="923513"/>
-            <a:ext cx="3631800" cy="492000"/>
-          </a:xfrm>
-          <a:prstGeom prst="rect">
-            <a:avLst/>
-          </a:prstGeom>
-          <a:noFill/>
-          <a:ln>
-            <a:noFill/>
-          </a:ln>
-        </p:spPr>
-        <p:txBody>
-          <a:bodyPr spcFirstLastPara="1" wrap="square" lIns="91425" tIns="91425" rIns="91425" bIns="91425" anchor="ctr" anchorCtr="0">
-            <a:noAutofit/>
-          </a:bodyPr>
-          <a:lstStyle/>
-          <a:p>
-            <a:pPr marL="0" lvl="0" indent="0" algn="r" rtl="1">
-              <a:spcBef>
-                <a:spcPts val="0"/>
-              </a:spcBef>
-              <a:spcAft>
-                <a:spcPts val="0"/>
-              </a:spcAft>
-              <a:buNone/>
-            </a:pPr>
-            <a:r>
-              <a:rPr lang="iw" sz="1800">
-                <a:solidFill>
-                  <a:srgbClr val="FFFFFF"/>
-                </a:solidFill>
-              </a:rPr>
-              <a:t>פגישות ממתינות לאישור</a:t>
-            </a:r>
-            <a:endParaRPr sz="1800">
-              <a:solidFill>
-                <a:srgbClr val="FFFFFF"/>
-              </a:solidFill>
-            </a:endParaRPr>
-          </a:p>
-        </p:txBody>
-      </p:sp>
-      <p:sp>
-        <p:nvSpPr>
-          <p:cNvPr id="285" name="Google Shape;285;p21"/>
-          <p:cNvSpPr txBox="1"/>
-          <p:nvPr/>
-        </p:nvSpPr>
-        <p:spPr>
-          <a:xfrm>
-            <a:off x="1276025" y="1690300"/>
-            <a:ext cx="2203200" cy="327900"/>
-          </a:xfrm>
-          <a:prstGeom prst="rect">
-            <a:avLst/>
-          </a:prstGeom>
-          <a:noFill/>
-          <a:ln>
-            <a:noFill/>
-          </a:ln>
-        </p:spPr>
-        <p:txBody>
-          <a:bodyPr spcFirstLastPara="1" wrap="square" lIns="91425" tIns="91425" rIns="91425" bIns="91425" anchor="t" anchorCtr="0">
-            <a:noAutofit/>
-          </a:bodyPr>
-          <a:lstStyle/>
-          <a:p>
-            <a:pPr marL="0" lvl="0" indent="0" algn="r" rtl="1">
-              <a:spcBef>
-                <a:spcPts val="0"/>
-              </a:spcBef>
-              <a:spcAft>
-                <a:spcPts val="0"/>
-              </a:spcAft>
-              <a:buNone/>
-            </a:pPr>
-            <a:r>
-              <a:rPr lang="iw"/>
-              <a:t>פגישה א - 25.11.2018</a:t>
-            </a:r>
-            <a:endParaRPr/>
-          </a:p>
-        </p:txBody>
-      </p:sp>
-      <p:sp>
-        <p:nvSpPr>
-          <p:cNvPr id="286" name="Google Shape;286;p21"/>
-          <p:cNvSpPr txBox="1"/>
-          <p:nvPr/>
-        </p:nvSpPr>
-        <p:spPr>
-          <a:xfrm>
-            <a:off x="1315925" y="2184350"/>
-            <a:ext cx="2203200" cy="327900"/>
-          </a:xfrm>
-          <a:prstGeom prst="rect">
-            <a:avLst/>
-          </a:prstGeom>
-          <a:noFill/>
-          <a:ln>
-            <a:noFill/>
-          </a:ln>
-        </p:spPr>
-        <p:txBody>
-          <a:bodyPr spcFirstLastPara="1" wrap="square" lIns="91425" tIns="91425" rIns="91425" bIns="91425" anchor="t" anchorCtr="0">
-            <a:noAutofit/>
-          </a:bodyPr>
-          <a:lstStyle/>
-          <a:p>
-            <a:pPr marL="0" lvl="0" indent="0" algn="r" rtl="1">
-              <a:spcBef>
-                <a:spcPts val="0"/>
-              </a:spcBef>
-              <a:spcAft>
-                <a:spcPts val="0"/>
-              </a:spcAft>
-              <a:buNone/>
-            </a:pPr>
-            <a:r>
-              <a:rPr lang="iw"/>
-              <a:t> פגישה ב- 30.11.2018</a:t>
-            </a:r>
-            <a:endParaRPr/>
-          </a:p>
-        </p:txBody>
-      </p:sp>
-      <p:pic>
-        <p:nvPicPr>
-          <p:cNvPr id="287" name="Google Shape;287;p21"/>
-          <p:cNvPicPr preferRelativeResize="0"/>
-          <p:nvPr/>
-        </p:nvPicPr>
-        <p:blipFill>
-          <a:blip r:embed="rId4">
-            <a:alphaModFix/>
-          </a:blip>
-          <a:stretch>
-            <a:fillRect/>
-          </a:stretch>
-        </p:blipFill>
-        <p:spPr>
-          <a:xfrm>
-            <a:off x="631925" y="1772238"/>
-            <a:ext cx="227700" cy="146229"/>
-          </a:xfrm>
-          <a:prstGeom prst="rect">
-            <a:avLst/>
-          </a:prstGeom>
-          <a:noFill/>
-          <a:ln>
-            <a:noFill/>
-          </a:ln>
-        </p:spPr>
-      </p:pic>
-      <p:pic>
-        <p:nvPicPr>
-          <p:cNvPr id="288" name="Google Shape;288;p21"/>
-          <p:cNvPicPr preferRelativeResize="0"/>
-          <p:nvPr/>
-        </p:nvPicPr>
-        <p:blipFill>
-          <a:blip r:embed="rId4">
-            <a:alphaModFix/>
-          </a:blip>
-          <a:stretch>
-            <a:fillRect/>
-          </a:stretch>
-        </p:blipFill>
-        <p:spPr>
-          <a:xfrm>
-            <a:off x="631925" y="2275163"/>
-            <a:ext cx="227700" cy="146229"/>
-          </a:xfrm>
-          <a:prstGeom prst="rect">
-            <a:avLst/>
-          </a:prstGeom>
-          <a:noFill/>
-          <a:ln>
-            <a:noFill/>
-          </a:ln>
-        </p:spPr>
-      </p:pic>
-      <p:sp>
-        <p:nvSpPr>
-          <p:cNvPr id="289" name="Google Shape;289;p21"/>
-          <p:cNvSpPr/>
-          <p:nvPr/>
-        </p:nvSpPr>
-        <p:spPr>
-          <a:xfrm>
-            <a:off x="3895625" y="1755850"/>
-            <a:ext cx="293100" cy="312300"/>
-          </a:xfrm>
-          <a:prstGeom prst="mathMultiply">
-            <a:avLst>
-              <a:gd name="adj1" fmla="val 23520"/>
-            </a:avLst>
-          </a:prstGeom>
-          <a:solidFill>
-            <a:srgbClr val="FF0000"/>
-          </a:solidFill>
-          <a:ln w="9525" cap="flat" cmpd="sng">
-            <a:solidFill>
-              <a:schemeClr val="dk2"/>
-            </a:solidFill>
-            <a:prstDash val="solid"/>
-            <a:round/>
-            <a:headEnd type="none" w="sm" len="sm"/>
-            <a:tailEnd type="none" w="sm" len="sm"/>
-          </a:ln>
-        </p:spPr>
-        <p:txBody>
-          <a:bodyPr spcFirstLastPara="1" wrap="square" lIns="91425" tIns="91425" rIns="91425" bIns="91425" anchor="ctr" anchorCtr="0">
-            <a:noAutofit/>
-          </a:bodyPr>
-          <a:lstStyle/>
-          <a:p>
-            <a:pPr marL="0" lvl="0" indent="0" algn="l" rtl="0">
-              <a:spcBef>
-                <a:spcPts val="0"/>
-              </a:spcBef>
-              <a:spcAft>
-                <a:spcPts val="0"/>
-              </a:spcAft>
-              <a:buNone/>
-            </a:pPr>
-            <a:endParaRPr/>
-          </a:p>
-        </p:txBody>
-      </p:sp>
-      <p:sp>
-        <p:nvSpPr>
-          <p:cNvPr id="290" name="Google Shape;290;p21"/>
-          <p:cNvSpPr/>
-          <p:nvPr/>
-        </p:nvSpPr>
-        <p:spPr>
-          <a:xfrm>
-            <a:off x="3895625" y="2192150"/>
-            <a:ext cx="293100" cy="312300"/>
-          </a:xfrm>
-          <a:prstGeom prst="mathMultiply">
-            <a:avLst>
-              <a:gd name="adj1" fmla="val 23520"/>
-            </a:avLst>
-          </a:prstGeom>
-          <a:solidFill>
-            <a:srgbClr val="FF0000"/>
-          </a:solidFill>
-          <a:ln w="9525" cap="flat" cmpd="sng">
-            <a:solidFill>
-              <a:schemeClr val="dk2"/>
-            </a:solidFill>
-            <a:prstDash val="solid"/>
-            <a:round/>
-            <a:headEnd type="none" w="sm" len="sm"/>
-            <a:tailEnd type="none" w="sm" len="sm"/>
-          </a:ln>
-        </p:spPr>
-        <p:txBody>
-          <a:bodyPr spcFirstLastPara="1" wrap="square" lIns="91425" tIns="91425" rIns="91425" bIns="91425" anchor="ctr" anchorCtr="0">
-            <a:noAutofit/>
-          </a:bodyPr>
-          <a:lstStyle/>
-          <a:p>
-            <a:pPr marL="0" lvl="0" indent="0" algn="l" rtl="0">
-              <a:spcBef>
-                <a:spcPts val="0"/>
-              </a:spcBef>
-              <a:spcAft>
-                <a:spcPts val="0"/>
-              </a:spcAft>
-              <a:buNone/>
-            </a:pPr>
-            <a:endParaRPr/>
-          </a:p>
-        </p:txBody>
-      </p:sp>
-      <p:pic>
-        <p:nvPicPr>
-          <p:cNvPr id="291" name="Google Shape;291;p21"/>
-          <p:cNvPicPr preferRelativeResize="0"/>
-          <p:nvPr/>
-        </p:nvPicPr>
-        <p:blipFill>
-          <a:blip r:embed="rId6">
-            <a:alphaModFix/>
-          </a:blip>
-          <a:stretch>
-            <a:fillRect/>
-          </a:stretch>
-        </p:blipFill>
-        <p:spPr>
-          <a:xfrm>
-            <a:off x="3540871" y="2204725"/>
-            <a:ext cx="293100" cy="287118"/>
-          </a:xfrm>
-          <a:prstGeom prst="rect">
-            <a:avLst/>
-          </a:prstGeom>
-          <a:noFill/>
-          <a:ln>
-            <a:noFill/>
-          </a:ln>
-        </p:spPr>
-      </p:pic>
-      <p:pic>
-        <p:nvPicPr>
-          <p:cNvPr id="292" name="Google Shape;292;p21"/>
-          <p:cNvPicPr preferRelativeResize="0"/>
-          <p:nvPr/>
-        </p:nvPicPr>
-        <p:blipFill>
-          <a:blip r:embed="rId6">
-            <a:alphaModFix/>
-          </a:blip>
-          <a:stretch>
-            <a:fillRect/>
-          </a:stretch>
-        </p:blipFill>
-        <p:spPr>
-          <a:xfrm>
-            <a:off x="3540871" y="1755850"/>
-            <a:ext cx="293100" cy="287118"/>
-          </a:xfrm>
-          <a:prstGeom prst="rect">
-            <a:avLst/>
-          </a:prstGeom>
-          <a:noFill/>
-          <a:ln>
-            <a:noFill/>
-          </a:ln>
-        </p:spPr>
-      </p:pic>
-      <p:sp>
-        <p:nvSpPr>
-          <p:cNvPr id="293" name="Google Shape;293;p21"/>
-          <p:cNvSpPr/>
-          <p:nvPr/>
-        </p:nvSpPr>
-        <p:spPr>
-          <a:xfrm>
-            <a:off x="2542200" y="539775"/>
-            <a:ext cx="4059600" cy="4429800"/>
-          </a:xfrm>
-          <a:prstGeom prst="rect">
-            <a:avLst/>
-          </a:prstGeom>
-          <a:solidFill>
-            <a:srgbClr val="FFFFFF"/>
-          </a:solidFill>
-          <a:ln w="9525" cap="flat" cmpd="sng">
-            <a:solidFill>
-              <a:srgbClr val="FFFFFF"/>
-            </a:solidFill>
-            <a:prstDash val="solid"/>
-            <a:round/>
-            <a:headEnd type="none" w="sm" len="sm"/>
-            <a:tailEnd type="none" w="sm" len="sm"/>
-          </a:ln>
-          <a:effectLst>
-            <a:outerShdw blurRad="57150" dist="19050" dir="5400000" algn="bl" rotWithShape="0">
-              <a:srgbClr val="000000">
-                <a:alpha val="83000"/>
-              </a:srgbClr>
-            </a:outerShdw>
-          </a:effectLst>
-        </p:spPr>
-        <p:txBody>
-          <a:bodyPr spcFirstLastPara="1" wrap="square" lIns="91425" tIns="91425" rIns="91425" bIns="91425" anchor="ctr" anchorCtr="0">
-            <a:noAutofit/>
-          </a:bodyPr>
-          <a:lstStyle/>
-          <a:p>
-            <a:pPr marL="0" lvl="0" indent="0" algn="l" rtl="0">
-              <a:spcBef>
-                <a:spcPts val="0"/>
-              </a:spcBef>
-              <a:spcAft>
-                <a:spcPts val="0"/>
-              </a:spcAft>
-              <a:buNone/>
-            </a:pPr>
-            <a:endParaRPr/>
-          </a:p>
-        </p:txBody>
-      </p:sp>
-      <p:sp>
-        <p:nvSpPr>
-          <p:cNvPr id="294" name="Google Shape;294;p21"/>
-          <p:cNvSpPr/>
-          <p:nvPr/>
-        </p:nvSpPr>
-        <p:spPr>
-          <a:xfrm>
-            <a:off x="2542200" y="527175"/>
-            <a:ext cx="4059600" cy="639000"/>
-          </a:xfrm>
-          <a:prstGeom prst="rect">
-            <a:avLst/>
-          </a:prstGeom>
-          <a:solidFill>
-            <a:srgbClr val="CFD8DC"/>
-          </a:solidFill>
-          <a:ln w="9525" cap="flat" cmpd="sng">
-            <a:solidFill>
-              <a:srgbClr val="CFD8DC"/>
-            </a:solidFill>
-            <a:prstDash val="solid"/>
-            <a:round/>
-            <a:headEnd type="none" w="sm" len="sm"/>
-            <a:tailEnd type="none" w="sm" len="sm"/>
-          </a:ln>
-          <a:effectLst>
-            <a:outerShdw blurRad="57150" dist="19050" dir="5400000" algn="bl" rotWithShape="0">
-              <a:srgbClr val="000000">
-                <a:alpha val="50000"/>
-              </a:srgbClr>
-            </a:outerShdw>
-          </a:effectLst>
-        </p:spPr>
-        <p:txBody>
-          <a:bodyPr spcFirstLastPara="1" wrap="square" lIns="91425" tIns="91425" rIns="91425" bIns="91425" anchor="ctr" anchorCtr="0">
-            <a:noAutofit/>
-          </a:bodyPr>
-          <a:lstStyle/>
-          <a:p>
-            <a:pPr marL="0" lvl="0" indent="0" algn="l" rtl="0">
-              <a:spcBef>
-                <a:spcPts val="0"/>
-              </a:spcBef>
-              <a:spcAft>
-                <a:spcPts val="0"/>
-              </a:spcAft>
-              <a:buNone/>
-            </a:pPr>
-            <a:endParaRPr/>
-          </a:p>
-        </p:txBody>
-      </p:sp>
-      <p:sp>
-        <p:nvSpPr>
-          <p:cNvPr id="295" name="Google Shape;295;p21"/>
-          <p:cNvSpPr txBox="1"/>
-          <p:nvPr/>
-        </p:nvSpPr>
-        <p:spPr>
-          <a:xfrm>
-            <a:off x="4797750" y="644988"/>
-            <a:ext cx="1476000" cy="437400"/>
-          </a:xfrm>
-          <a:prstGeom prst="rect">
-            <a:avLst/>
-          </a:prstGeom>
-          <a:noFill/>
-          <a:ln>
-            <a:noFill/>
-          </a:ln>
-        </p:spPr>
-        <p:txBody>
-          <a:bodyPr spcFirstLastPara="1" wrap="square" lIns="91425" tIns="91425" rIns="91425" bIns="91425" anchor="t" anchorCtr="0">
-            <a:noAutofit/>
-          </a:bodyPr>
-          <a:lstStyle/>
-          <a:p>
-            <a:pPr marL="0" lvl="0" indent="0" algn="r" rtl="1">
-              <a:spcBef>
-                <a:spcPts val="0"/>
-              </a:spcBef>
-              <a:spcAft>
-                <a:spcPts val="0"/>
-              </a:spcAft>
-              <a:buNone/>
-            </a:pPr>
-            <a:r>
-              <a:rPr lang="iw" sz="1800" b="1">
-                <a:solidFill>
-                  <a:srgbClr val="FFFFFF"/>
-                </a:solidFill>
-              </a:rPr>
-              <a:t>עריכת פגישה</a:t>
-            </a:r>
-            <a:endParaRPr sz="1800" b="1">
-              <a:solidFill>
-                <a:srgbClr val="FFFFFF"/>
-              </a:solidFill>
-            </a:endParaRPr>
-          </a:p>
-        </p:txBody>
-      </p:sp>
-      <p:sp>
-        <p:nvSpPr>
-          <p:cNvPr id="296" name="Google Shape;296;p21"/>
-          <p:cNvSpPr/>
-          <p:nvPr/>
-        </p:nvSpPr>
-        <p:spPr>
-          <a:xfrm>
-            <a:off x="2993375" y="1938063"/>
-            <a:ext cx="3348600" cy="437400"/>
-          </a:xfrm>
-          <a:prstGeom prst="rect">
-            <a:avLst/>
-          </a:prstGeom>
-          <a:solidFill>
-            <a:srgbClr val="FFFFFF"/>
-          </a:solidFill>
-          <a:ln w="9525" cap="flat" cmpd="sng">
-            <a:solidFill>
-              <a:srgbClr val="B4D0E7"/>
-            </a:solidFill>
-            <a:prstDash val="solid"/>
-            <a:round/>
-            <a:headEnd type="none" w="sm" len="sm"/>
-            <a:tailEnd type="none" w="sm" len="sm"/>
-          </a:ln>
-        </p:spPr>
-        <p:txBody>
-          <a:bodyPr spcFirstLastPara="1" wrap="square" lIns="91425" tIns="91425" rIns="91425" bIns="91425" anchor="ctr" anchorCtr="0">
-            <a:noAutofit/>
-          </a:bodyPr>
-          <a:lstStyle/>
-          <a:p>
-            <a:pPr marL="0" lvl="0" indent="0" algn="l" rtl="0">
-              <a:spcBef>
-                <a:spcPts val="0"/>
-              </a:spcBef>
-              <a:spcAft>
-                <a:spcPts val="0"/>
-              </a:spcAft>
-              <a:buNone/>
-            </a:pPr>
-            <a:endParaRPr/>
-          </a:p>
-        </p:txBody>
-      </p:sp>
-      <p:sp>
-        <p:nvSpPr>
-          <p:cNvPr id="297" name="Google Shape;297;p21"/>
-          <p:cNvSpPr txBox="1"/>
-          <p:nvPr/>
-        </p:nvSpPr>
-        <p:spPr>
-          <a:xfrm>
-            <a:off x="3922725" y="1972375"/>
-            <a:ext cx="2351100" cy="437400"/>
-          </a:xfrm>
-          <a:prstGeom prst="rect">
-            <a:avLst/>
-          </a:prstGeom>
-          <a:noFill/>
-          <a:ln>
-            <a:noFill/>
-          </a:ln>
-        </p:spPr>
-        <p:txBody>
-          <a:bodyPr spcFirstLastPara="1" wrap="square" lIns="91425" tIns="91425" rIns="91425" bIns="91425" anchor="t" anchorCtr="0">
-            <a:noAutofit/>
-          </a:bodyPr>
-          <a:lstStyle/>
-          <a:p>
-            <a:pPr marL="0" lvl="0" indent="0" algn="r" rtl="1">
-              <a:spcBef>
-                <a:spcPts val="0"/>
-              </a:spcBef>
-              <a:spcAft>
-                <a:spcPts val="0"/>
-              </a:spcAft>
-              <a:buClr>
-                <a:schemeClr val="dk1"/>
-              </a:buClr>
-              <a:buSzPts val="1100"/>
-              <a:buFont typeface="Arial"/>
-              <a:buNone/>
-            </a:pPr>
-            <a:r>
-              <a:rPr lang="iw">
-                <a:solidFill>
-                  <a:srgbClr val="999999"/>
-                </a:solidFill>
-              </a:rPr>
-              <a:t>24.11.2018, 17:55</a:t>
-            </a:r>
-            <a:endParaRPr>
-              <a:solidFill>
-                <a:srgbClr val="999999"/>
-              </a:solidFill>
-            </a:endParaRPr>
-          </a:p>
-          <a:p>
-            <a:pPr marL="0" lvl="0" indent="0" algn="r" rtl="1">
-              <a:spcBef>
-                <a:spcPts val="0"/>
-              </a:spcBef>
-              <a:spcAft>
-                <a:spcPts val="0"/>
-              </a:spcAft>
-              <a:buNone/>
-            </a:pPr>
-            <a:endParaRPr>
-              <a:solidFill>
-                <a:srgbClr val="999999"/>
-              </a:solidFill>
-            </a:endParaRPr>
-          </a:p>
-        </p:txBody>
-      </p:sp>
-      <p:sp>
-        <p:nvSpPr>
-          <p:cNvPr id="298" name="Google Shape;298;p21"/>
-          <p:cNvSpPr/>
-          <p:nvPr/>
-        </p:nvSpPr>
-        <p:spPr>
-          <a:xfrm>
-            <a:off x="2993375" y="2535975"/>
-            <a:ext cx="3348600" cy="437400"/>
-          </a:xfrm>
-          <a:prstGeom prst="rect">
-            <a:avLst/>
-          </a:prstGeom>
-          <a:solidFill>
-            <a:srgbClr val="FFFFFF"/>
-          </a:solidFill>
-          <a:ln w="9525" cap="flat" cmpd="sng">
-            <a:solidFill>
-              <a:srgbClr val="B4D0E7"/>
-            </a:solidFill>
-            <a:prstDash val="solid"/>
-            <a:round/>
-            <a:headEnd type="none" w="sm" len="sm"/>
-            <a:tailEnd type="none" w="sm" len="sm"/>
-          </a:ln>
-        </p:spPr>
-        <p:txBody>
-          <a:bodyPr spcFirstLastPara="1" wrap="square" lIns="91425" tIns="91425" rIns="91425" bIns="91425" anchor="ctr" anchorCtr="0">
-            <a:noAutofit/>
-          </a:bodyPr>
-          <a:lstStyle/>
-          <a:p>
-            <a:pPr marL="0" lvl="0" indent="0" algn="l" rtl="0">
-              <a:spcBef>
-                <a:spcPts val="0"/>
-              </a:spcBef>
-              <a:spcAft>
-                <a:spcPts val="0"/>
-              </a:spcAft>
-              <a:buNone/>
-            </a:pPr>
-            <a:endParaRPr/>
-          </a:p>
-        </p:txBody>
-      </p:sp>
-      <p:sp>
-        <p:nvSpPr>
-          <p:cNvPr id="299" name="Google Shape;299;p21"/>
-          <p:cNvSpPr txBox="1"/>
-          <p:nvPr/>
-        </p:nvSpPr>
-        <p:spPr>
-          <a:xfrm>
-            <a:off x="3828875" y="2586225"/>
-            <a:ext cx="2513100" cy="437400"/>
-          </a:xfrm>
-          <a:prstGeom prst="rect">
-            <a:avLst/>
-          </a:prstGeom>
-          <a:noFill/>
-          <a:ln>
-            <a:noFill/>
-          </a:ln>
-        </p:spPr>
-        <p:txBody>
-          <a:bodyPr spcFirstLastPara="1" wrap="square" lIns="91425" tIns="91425" rIns="91425" bIns="91425" anchor="t" anchorCtr="0">
-            <a:noAutofit/>
-          </a:bodyPr>
-          <a:lstStyle/>
-          <a:p>
-            <a:pPr marL="0" lvl="0" indent="0" algn="r" rtl="1">
-              <a:spcBef>
-                <a:spcPts val="0"/>
-              </a:spcBef>
-              <a:spcAft>
-                <a:spcPts val="0"/>
-              </a:spcAft>
-              <a:buClr>
-                <a:schemeClr val="dk1"/>
-              </a:buClr>
-              <a:buSzPts val="1100"/>
-              <a:buFont typeface="Arial"/>
-              <a:buNone/>
-            </a:pPr>
-            <a:r>
-              <a:rPr lang="iw">
-                <a:solidFill>
-                  <a:srgbClr val="999999"/>
-                </a:solidFill>
-              </a:rPr>
-              <a:t>24.11.2018, 17:56</a:t>
-            </a:r>
-            <a:endParaRPr>
-              <a:solidFill>
-                <a:srgbClr val="999999"/>
-              </a:solidFill>
-            </a:endParaRPr>
-          </a:p>
-          <a:p>
-            <a:pPr marL="0" lvl="0" indent="0" algn="r" rtl="1">
-              <a:spcBef>
-                <a:spcPts val="0"/>
-              </a:spcBef>
-              <a:spcAft>
-                <a:spcPts val="0"/>
-              </a:spcAft>
-              <a:buNone/>
-            </a:pPr>
-            <a:endParaRPr>
-              <a:solidFill>
-                <a:srgbClr val="999999"/>
-              </a:solidFill>
-            </a:endParaRPr>
-          </a:p>
-        </p:txBody>
-      </p:sp>
-      <p:sp>
-        <p:nvSpPr>
-          <p:cNvPr id="300" name="Google Shape;300;p21"/>
-          <p:cNvSpPr/>
-          <p:nvPr/>
-        </p:nvSpPr>
-        <p:spPr>
-          <a:xfrm>
-            <a:off x="2993375" y="1340150"/>
-            <a:ext cx="3348600" cy="437400"/>
-          </a:xfrm>
-          <a:prstGeom prst="rect">
-            <a:avLst/>
-          </a:prstGeom>
-          <a:solidFill>
-            <a:srgbClr val="FFFFFF"/>
-          </a:solidFill>
-          <a:ln w="9525" cap="flat" cmpd="sng">
-            <a:solidFill>
-              <a:srgbClr val="B4D0E7"/>
-            </a:solidFill>
-            <a:prstDash val="solid"/>
-            <a:round/>
-            <a:headEnd type="none" w="sm" len="sm"/>
-            <a:tailEnd type="none" w="sm" len="sm"/>
-          </a:ln>
-        </p:spPr>
-        <p:txBody>
-          <a:bodyPr spcFirstLastPara="1" wrap="square" lIns="91425" tIns="91425" rIns="91425" bIns="91425" anchor="ctr" anchorCtr="0">
-            <a:noAutofit/>
-          </a:bodyPr>
-          <a:lstStyle/>
-          <a:p>
-            <a:pPr marL="0" lvl="0" indent="0" algn="l" rtl="0">
-              <a:spcBef>
-                <a:spcPts val="0"/>
-              </a:spcBef>
-              <a:spcAft>
-                <a:spcPts val="0"/>
-              </a:spcAft>
-              <a:buNone/>
-            </a:pPr>
-            <a:endParaRPr/>
-          </a:p>
-        </p:txBody>
-      </p:sp>
-      <p:sp>
-        <p:nvSpPr>
-          <p:cNvPr id="301" name="Google Shape;301;p21"/>
-          <p:cNvSpPr txBox="1"/>
-          <p:nvPr/>
-        </p:nvSpPr>
-        <p:spPr>
-          <a:xfrm>
-            <a:off x="4319100" y="1358525"/>
-            <a:ext cx="1954800" cy="437400"/>
-          </a:xfrm>
-          <a:prstGeom prst="rect">
-            <a:avLst/>
-          </a:prstGeom>
-          <a:noFill/>
-          <a:ln>
-            <a:noFill/>
-          </a:ln>
-        </p:spPr>
-        <p:txBody>
-          <a:bodyPr spcFirstLastPara="1" wrap="square" lIns="91425" tIns="91425" rIns="91425" bIns="91425" anchor="t" anchorCtr="0">
-            <a:noAutofit/>
-          </a:bodyPr>
-          <a:lstStyle/>
-          <a:p>
-            <a:pPr marL="0" lvl="0" indent="0" algn="r" rtl="1">
-              <a:spcBef>
-                <a:spcPts val="0"/>
-              </a:spcBef>
-              <a:spcAft>
-                <a:spcPts val="0"/>
-              </a:spcAft>
-              <a:buNone/>
-            </a:pPr>
-            <a:r>
-              <a:rPr lang="iw">
-                <a:solidFill>
-                  <a:srgbClr val="999999"/>
-                </a:solidFill>
-              </a:rPr>
-              <a:t>עושה חיים עם חיים</a:t>
-            </a:r>
-            <a:endParaRPr>
-              <a:solidFill>
-                <a:srgbClr val="999999"/>
-              </a:solidFill>
-            </a:endParaRPr>
-          </a:p>
-        </p:txBody>
-      </p:sp>
-      <p:sp>
-        <p:nvSpPr>
-          <p:cNvPr id="302" name="Google Shape;302;p21"/>
-          <p:cNvSpPr/>
-          <p:nvPr/>
-        </p:nvSpPr>
-        <p:spPr>
-          <a:xfrm>
-            <a:off x="5248475" y="4361800"/>
-            <a:ext cx="1093500" cy="437400"/>
-          </a:xfrm>
-          <a:prstGeom prst="rect">
-            <a:avLst/>
-          </a:prstGeom>
-          <a:solidFill>
-            <a:srgbClr val="B4D0E7"/>
-          </a:solidFill>
-          <a:ln w="9525" cap="flat" cmpd="sng">
-            <a:solidFill>
-              <a:srgbClr val="B4D0E7"/>
-            </a:solidFill>
-            <a:prstDash val="solid"/>
-            <a:round/>
-            <a:headEnd type="none" w="sm" len="sm"/>
-            <a:tailEnd type="none" w="sm" len="sm"/>
-          </a:ln>
-          <a:effectLst>
-            <a:outerShdw blurRad="57150" dist="19050" dir="5400000" algn="bl" rotWithShape="0">
-              <a:schemeClr val="dk1">
-                <a:alpha val="50000"/>
-              </a:schemeClr>
-            </a:outerShdw>
-          </a:effectLst>
-        </p:spPr>
-        <p:txBody>
-          <a:bodyPr spcFirstLastPara="1" wrap="square" lIns="91425" tIns="91425" rIns="91425" bIns="91425" anchor="ctr" anchorCtr="0">
-            <a:noAutofit/>
-          </a:bodyPr>
-          <a:lstStyle/>
-          <a:p>
-            <a:pPr marL="0" lvl="0" indent="0" algn="ctr" rtl="1">
-              <a:spcBef>
-                <a:spcPts val="0"/>
-              </a:spcBef>
-              <a:spcAft>
-                <a:spcPts val="0"/>
-              </a:spcAft>
-              <a:buNone/>
-            </a:pPr>
-            <a:r>
-              <a:rPr lang="iw">
-                <a:solidFill>
-                  <a:srgbClr val="FFFFFF"/>
-                </a:solidFill>
-              </a:rPr>
-              <a:t>שמור</a:t>
-            </a:r>
-            <a:endParaRPr>
-              <a:solidFill>
-                <a:srgbClr val="FFFFFF"/>
-              </a:solidFill>
-            </a:endParaRPr>
-          </a:p>
-        </p:txBody>
-      </p:sp>
-      <p:sp>
-        <p:nvSpPr>
-          <p:cNvPr id="303" name="Google Shape;303;p21"/>
-          <p:cNvSpPr/>
-          <p:nvPr/>
-        </p:nvSpPr>
-        <p:spPr>
-          <a:xfrm>
-            <a:off x="2993375" y="3154950"/>
-            <a:ext cx="3348600" cy="437400"/>
-          </a:xfrm>
-          <a:prstGeom prst="rect">
-            <a:avLst/>
-          </a:prstGeom>
-          <a:solidFill>
-            <a:srgbClr val="FFFFFF"/>
-          </a:solidFill>
-          <a:ln w="9525" cap="flat" cmpd="sng">
-            <a:solidFill>
-              <a:srgbClr val="B4D0E7"/>
-            </a:solidFill>
-            <a:prstDash val="solid"/>
-            <a:round/>
-            <a:headEnd type="none" w="sm" len="sm"/>
-            <a:tailEnd type="none" w="sm" len="sm"/>
-          </a:ln>
-        </p:spPr>
-        <p:txBody>
-          <a:bodyPr spcFirstLastPara="1" wrap="square" lIns="91425" tIns="91425" rIns="91425" bIns="91425" anchor="ctr" anchorCtr="0">
-            <a:noAutofit/>
-          </a:bodyPr>
-          <a:lstStyle/>
-          <a:p>
-            <a:pPr marL="0" lvl="0" indent="0" algn="l" rtl="0">
-              <a:spcBef>
-                <a:spcPts val="0"/>
-              </a:spcBef>
-              <a:spcAft>
-                <a:spcPts val="0"/>
-              </a:spcAft>
-              <a:buNone/>
-            </a:pPr>
-            <a:endParaRPr/>
-          </a:p>
-        </p:txBody>
-      </p:sp>
-      <p:sp>
-        <p:nvSpPr>
-          <p:cNvPr id="304" name="Google Shape;304;p21"/>
-          <p:cNvSpPr txBox="1"/>
-          <p:nvPr/>
-        </p:nvSpPr>
-        <p:spPr>
-          <a:xfrm>
-            <a:off x="4865675" y="3205188"/>
-            <a:ext cx="1476300" cy="437400"/>
-          </a:xfrm>
-          <a:prstGeom prst="rect">
-            <a:avLst/>
-          </a:prstGeom>
-          <a:noFill/>
-          <a:ln>
-            <a:noFill/>
-          </a:ln>
-        </p:spPr>
-        <p:txBody>
-          <a:bodyPr spcFirstLastPara="1" wrap="square" lIns="91425" tIns="91425" rIns="91425" bIns="91425" anchor="t" anchorCtr="0">
-            <a:noAutofit/>
-          </a:bodyPr>
-          <a:lstStyle/>
-          <a:p>
-            <a:pPr marL="0" lvl="0" indent="0" algn="r" rtl="1">
-              <a:spcBef>
-                <a:spcPts val="0"/>
-              </a:spcBef>
-              <a:spcAft>
-                <a:spcPts val="0"/>
-              </a:spcAft>
-              <a:buNone/>
-            </a:pPr>
-            <a:r>
-              <a:rPr lang="iw">
-                <a:solidFill>
-                  <a:srgbClr val="999999"/>
-                </a:solidFill>
-              </a:rPr>
-              <a:t>חיים כהן ואני</a:t>
-            </a:r>
-            <a:endParaRPr>
-              <a:solidFill>
-                <a:srgbClr val="999999"/>
-              </a:solidFill>
-            </a:endParaRPr>
-          </a:p>
-        </p:txBody>
-      </p:sp>
-      <p:sp>
-        <p:nvSpPr>
-          <p:cNvPr id="305" name="Google Shape;305;p21"/>
-          <p:cNvSpPr/>
-          <p:nvPr/>
-        </p:nvSpPr>
-        <p:spPr>
-          <a:xfrm>
-            <a:off x="2993375" y="3771363"/>
-            <a:ext cx="3348600" cy="437400"/>
-          </a:xfrm>
-          <a:prstGeom prst="rect">
-            <a:avLst/>
-          </a:prstGeom>
-          <a:solidFill>
-            <a:srgbClr val="FFFFFF"/>
-          </a:solidFill>
-          <a:ln w="9525" cap="flat" cmpd="sng">
-            <a:solidFill>
-              <a:srgbClr val="B4D0E7"/>
-            </a:solidFill>
-            <a:prstDash val="solid"/>
-            <a:round/>
-            <a:headEnd type="none" w="sm" len="sm"/>
-            <a:tailEnd type="none" w="sm" len="sm"/>
-          </a:ln>
-        </p:spPr>
-        <p:txBody>
-          <a:bodyPr spcFirstLastPara="1" wrap="square" lIns="91425" tIns="91425" rIns="91425" bIns="91425" anchor="ctr" anchorCtr="0">
-            <a:noAutofit/>
-          </a:bodyPr>
-          <a:lstStyle/>
-          <a:p>
-            <a:pPr marL="0" lvl="0" indent="0" algn="l" rtl="0">
-              <a:spcBef>
-                <a:spcPts val="0"/>
-              </a:spcBef>
-              <a:spcAft>
-                <a:spcPts val="0"/>
-              </a:spcAft>
-              <a:buNone/>
-            </a:pPr>
-            <a:endParaRPr/>
-          </a:p>
-        </p:txBody>
-      </p:sp>
-      <p:sp>
-        <p:nvSpPr>
-          <p:cNvPr id="306" name="Google Shape;306;p21"/>
-          <p:cNvSpPr txBox="1"/>
-          <p:nvPr/>
-        </p:nvSpPr>
-        <p:spPr>
-          <a:xfrm>
-            <a:off x="4865675" y="3821600"/>
-            <a:ext cx="1476300" cy="437400"/>
-          </a:xfrm>
-          <a:prstGeom prst="rect">
-            <a:avLst/>
-          </a:prstGeom>
-          <a:noFill/>
-          <a:ln>
-            <a:noFill/>
-          </a:ln>
-        </p:spPr>
-        <p:txBody>
-          <a:bodyPr spcFirstLastPara="1" wrap="square" lIns="91425" tIns="91425" rIns="91425" bIns="91425" anchor="t" anchorCtr="0">
-            <a:noAutofit/>
-          </a:bodyPr>
-          <a:lstStyle/>
-          <a:p>
-            <a:pPr marL="0" lvl="0" indent="0" algn="r" rtl="1">
-              <a:spcBef>
-                <a:spcPts val="0"/>
-              </a:spcBef>
-              <a:spcAft>
-                <a:spcPts val="0"/>
-              </a:spcAft>
-              <a:buNone/>
-            </a:pPr>
-            <a:r>
-              <a:rPr lang="iw">
-                <a:solidFill>
-                  <a:srgbClr val="999999"/>
-                </a:solidFill>
-              </a:rPr>
-              <a:t>הקפה של חיים</a:t>
-            </a:r>
-            <a:endParaRPr>
-              <a:solidFill>
-                <a:srgbClr val="999999"/>
               </a:solidFill>
             </a:endParaRPr>
           </a:p>

--- a/ux_course/מסכים.pptx
+++ b/ux_course/מסכים.pptx
@@ -2008,7 +2008,7 @@
         </p:nvSpPr>
         <p:spPr>
           <a:xfrm>
-            <a:off x="381300" y="685800"/>
+            <a:off x="381000" y="685800"/>
             <a:ext cx="6096000" cy="3429000"/>
           </a:xfrm>
           <a:custGeom>
@@ -7220,7 +7220,7 @@
             <a:avLst/>
           </a:prstGeom>
           <a:solidFill>
-            <a:srgbClr val="B4D0E7"/>
+            <a:srgbClr val="03A9F4"/>
           </a:solidFill>
           <a:ln w="9525" cap="flat" cmpd="sng">
             <a:solidFill>
@@ -17926,7 +17926,7 @@
             <a:avLst/>
           </a:prstGeom>
           <a:solidFill>
-            <a:srgbClr val="1976D2"/>
+            <a:srgbClr val="03A9F4"/>
           </a:solidFill>
           <a:ln w="9525" cap="flat" cmpd="sng">
             <a:solidFill>
@@ -24529,8 +24529,8 @@
         </p:nvSpPr>
         <p:spPr>
           <a:xfrm>
-            <a:off x="565675" y="923513"/>
-            <a:ext cx="3631800" cy="492000"/>
+            <a:off x="1393371" y="923513"/>
+            <a:ext cx="2804104" cy="492000"/>
           </a:xfrm>
           <a:prstGeom prst="rect">
             <a:avLst/>
@@ -24556,14 +24556,14 @@
               <a:buNone/>
             </a:pPr>
             <a:r>
-              <a:rPr lang="iw" sz="1800">
+              <a:rPr lang="iw" sz="1800" dirty="0">
                 <a:solidFill>
                   <a:srgbClr val="FFFFFF"/>
                 </a:solidFill>
               </a:rPr>
               <a:t>פגישות ממתינות לאישור</a:t>
             </a:r>
-            <a:endParaRPr sz="1800">
+            <a:endParaRPr sz="1800" dirty="0">
               <a:solidFill>
                 <a:srgbClr val="FFFFFF"/>
               </a:solidFill>
